--- a/module-3/03-02 Consuming ASP.NET Web API with OpenAPI Document/03-02 Consuming ASP.NET Web API with OpenAPI Document.pptx
+++ b/module-3/03-02 Consuming ASP.NET Web API with OpenAPI Document/03-02 Consuming ASP.NET Web API with OpenAPI Document.pptx
@@ -2,10 +2,15 @@
 <file path=ppt/presentation.xml><?xml version="1.0" encoding="utf-8"?>
 <p:presentation xmlns:a="http://schemas.openxmlformats.org/drawingml/2006/main" xmlns:r="http://schemas.openxmlformats.org/officeDocument/2006/relationships" xmlns:p="http://schemas.openxmlformats.org/presentationml/2006/main" saveSubsetFonts="1">
   <p:sldMasterIdLst>
-    <p:sldMasterId id="2147483648" r:id="rId1"/>
+    <p:sldMasterId id="2147483672" r:id="rId1"/>
+    <p:sldMasterId id="2147483684" r:id="rId2"/>
   </p:sldMasterIdLst>
+  <p:notesMasterIdLst>
+    <p:notesMasterId r:id="rId5"/>
+  </p:notesMasterIdLst>
   <p:sldIdLst>
-    <p:sldId id="256" r:id="rId2"/>
+    <p:sldId id="260" r:id="rId3"/>
+    <p:sldId id="256" r:id="rId4"/>
   </p:sldIdLst>
   <p:sldSz cx="12192000" cy="6858000"/>
   <p:notesSz cx="6858000" cy="9144000"/>
@@ -13,7 +18,7 @@
     <a:defPPr>
       <a:defRPr lang="en-US"/>
     </a:defPPr>
-    <a:lvl1pPr marL="0" algn="l" defTabSz="914400" rtl="0" eaLnBrk="1" latinLnBrk="0" hangingPunct="1">
+    <a:lvl1pPr marL="0" algn="l" defTabSz="457200" rtl="0" eaLnBrk="1" latinLnBrk="0" hangingPunct="1">
       <a:defRPr sz="1800" kern="1200">
         <a:solidFill>
           <a:schemeClr val="tx1"/>
@@ -23,7 +28,7 @@
         <a:cs typeface="+mn-cs"/>
       </a:defRPr>
     </a:lvl1pPr>
-    <a:lvl2pPr marL="457200" algn="l" defTabSz="914400" rtl="0" eaLnBrk="1" latinLnBrk="0" hangingPunct="1">
+    <a:lvl2pPr marL="457200" algn="l" defTabSz="457200" rtl="0" eaLnBrk="1" latinLnBrk="0" hangingPunct="1">
       <a:defRPr sz="1800" kern="1200">
         <a:solidFill>
           <a:schemeClr val="tx1"/>
@@ -33,7 +38,7 @@
         <a:cs typeface="+mn-cs"/>
       </a:defRPr>
     </a:lvl2pPr>
-    <a:lvl3pPr marL="914400" algn="l" defTabSz="914400" rtl="0" eaLnBrk="1" latinLnBrk="0" hangingPunct="1">
+    <a:lvl3pPr marL="914400" algn="l" defTabSz="457200" rtl="0" eaLnBrk="1" latinLnBrk="0" hangingPunct="1">
       <a:defRPr sz="1800" kern="1200">
         <a:solidFill>
           <a:schemeClr val="tx1"/>
@@ -43,7 +48,7 @@
         <a:cs typeface="+mn-cs"/>
       </a:defRPr>
     </a:lvl3pPr>
-    <a:lvl4pPr marL="1371600" algn="l" defTabSz="914400" rtl="0" eaLnBrk="1" latinLnBrk="0" hangingPunct="1">
+    <a:lvl4pPr marL="1371600" algn="l" defTabSz="457200" rtl="0" eaLnBrk="1" latinLnBrk="0" hangingPunct="1">
       <a:defRPr sz="1800" kern="1200">
         <a:solidFill>
           <a:schemeClr val="tx1"/>
@@ -53,7 +58,7 @@
         <a:cs typeface="+mn-cs"/>
       </a:defRPr>
     </a:lvl4pPr>
-    <a:lvl5pPr marL="1828800" algn="l" defTabSz="914400" rtl="0" eaLnBrk="1" latinLnBrk="0" hangingPunct="1">
+    <a:lvl5pPr marL="1828800" algn="l" defTabSz="457200" rtl="0" eaLnBrk="1" latinLnBrk="0" hangingPunct="1">
       <a:defRPr sz="1800" kern="1200">
         <a:solidFill>
           <a:schemeClr val="tx1"/>
@@ -63,7 +68,7 @@
         <a:cs typeface="+mn-cs"/>
       </a:defRPr>
     </a:lvl5pPr>
-    <a:lvl6pPr marL="2286000" algn="l" defTabSz="914400" rtl="0" eaLnBrk="1" latinLnBrk="0" hangingPunct="1">
+    <a:lvl6pPr marL="2286000" algn="l" defTabSz="457200" rtl="0" eaLnBrk="1" latinLnBrk="0" hangingPunct="1">
       <a:defRPr sz="1800" kern="1200">
         <a:solidFill>
           <a:schemeClr val="tx1"/>
@@ -73,7 +78,7 @@
         <a:cs typeface="+mn-cs"/>
       </a:defRPr>
     </a:lvl6pPr>
-    <a:lvl7pPr marL="2743200" algn="l" defTabSz="914400" rtl="0" eaLnBrk="1" latinLnBrk="0" hangingPunct="1">
+    <a:lvl7pPr marL="2743200" algn="l" defTabSz="457200" rtl="0" eaLnBrk="1" latinLnBrk="0" hangingPunct="1">
       <a:defRPr sz="1800" kern="1200">
         <a:solidFill>
           <a:schemeClr val="tx1"/>
@@ -83,7 +88,7 @@
         <a:cs typeface="+mn-cs"/>
       </a:defRPr>
     </a:lvl7pPr>
-    <a:lvl8pPr marL="3200400" algn="l" defTabSz="914400" rtl="0" eaLnBrk="1" latinLnBrk="0" hangingPunct="1">
+    <a:lvl8pPr marL="3200400" algn="l" defTabSz="457200" rtl="0" eaLnBrk="1" latinLnBrk="0" hangingPunct="1">
       <a:defRPr sz="1800" kern="1200">
         <a:solidFill>
           <a:schemeClr val="tx1"/>
@@ -93,7 +98,7 @@
         <a:cs typeface="+mn-cs"/>
       </a:defRPr>
     </a:lvl8pPr>
-    <a:lvl9pPr marL="3657600" algn="l" defTabSz="914400" rtl="0" eaLnBrk="1" latinLnBrk="0" hangingPunct="1">
+    <a:lvl9pPr marL="3657600" algn="l" defTabSz="457200" rtl="0" eaLnBrk="1" latinLnBrk="0" hangingPunct="1">
       <a:defRPr sz="1800" kern="1200">
         <a:solidFill>
           <a:schemeClr val="tx1"/>
@@ -104,11 +109,517 @@
       </a:defRPr>
     </a:lvl9pPr>
   </p:defaultTextStyle>
+  <p:extLst>
+    <p:ext uri="{EFAFB233-063F-42B5-8137-9DF3F51BA10A}">
+      <p15:sldGuideLst xmlns:p15="http://schemas.microsoft.com/office/powerpoint/2012/main"/>
+    </p:ext>
+  </p:extLst>
 </p:presentation>
 </file>
 
+<file path=ppt/notesMasters/notesMaster1.xml><?xml version="1.0" encoding="utf-8"?>
+<p:notesMaster xmlns:a="http://schemas.openxmlformats.org/drawingml/2006/main" xmlns:r="http://schemas.openxmlformats.org/officeDocument/2006/relationships" xmlns:p="http://schemas.openxmlformats.org/presentationml/2006/main">
+  <p:cSld>
+    <p:bg>
+      <p:bgRef idx="1001">
+        <a:schemeClr val="bg1"/>
+      </p:bgRef>
+    </p:bg>
+    <p:spTree>
+      <p:nvGrpSpPr>
+        <p:cNvPr id="1" name=""/>
+        <p:cNvGrpSpPr/>
+        <p:nvPr/>
+      </p:nvGrpSpPr>
+      <p:grpSpPr>
+        <a:xfrm>
+          <a:off x="0" y="0"/>
+          <a:ext cx="0" cy="0"/>
+          <a:chOff x="0" y="0"/>
+          <a:chExt cx="0" cy="0"/>
+        </a:xfrm>
+      </p:grpSpPr>
+      <p:sp>
+        <p:nvSpPr>
+          <p:cNvPr id="2" name="Header Placeholder 1"/>
+          <p:cNvSpPr>
+            <a:spLocks noGrp="1"/>
+          </p:cNvSpPr>
+          <p:nvPr>
+            <p:ph type="hdr" sz="quarter"/>
+          </p:nvPr>
+        </p:nvSpPr>
+        <p:spPr>
+          <a:xfrm>
+            <a:off x="0" y="0"/>
+            <a:ext cx="2971800" cy="458788"/>
+          </a:xfrm>
+          <a:prstGeom prst="rect">
+            <a:avLst/>
+          </a:prstGeom>
+        </p:spPr>
+        <p:txBody>
+          <a:bodyPr vert="horz" lIns="91440" tIns="45720" rIns="91440" bIns="45720" rtlCol="0"/>
+          <a:lstStyle>
+            <a:lvl1pPr algn="l">
+              <a:defRPr sz="1200"/>
+            </a:lvl1pPr>
+          </a:lstStyle>
+          <a:p>
+            <a:endParaRPr lang="en-US"/>
+          </a:p>
+        </p:txBody>
+      </p:sp>
+      <p:sp>
+        <p:nvSpPr>
+          <p:cNvPr id="3" name="Date Placeholder 2"/>
+          <p:cNvSpPr>
+            <a:spLocks noGrp="1"/>
+          </p:cNvSpPr>
+          <p:nvPr>
+            <p:ph type="dt" idx="1"/>
+          </p:nvPr>
+        </p:nvSpPr>
+        <p:spPr>
+          <a:xfrm>
+            <a:off x="3884613" y="0"/>
+            <a:ext cx="2971800" cy="458788"/>
+          </a:xfrm>
+          <a:prstGeom prst="rect">
+            <a:avLst/>
+          </a:prstGeom>
+        </p:spPr>
+        <p:txBody>
+          <a:bodyPr vert="horz" lIns="91440" tIns="45720" rIns="91440" bIns="45720" rtlCol="0"/>
+          <a:lstStyle>
+            <a:lvl1pPr algn="r">
+              <a:defRPr sz="1200"/>
+            </a:lvl1pPr>
+          </a:lstStyle>
+          <a:p>
+            <a:fld id="{A4F68D54-D159-4609-93B5-F2636011B7C1}" type="datetimeFigureOut">
+              <a:rPr lang="en-US" smtClean="0"/>
+              <a:t>9/22/2021</a:t>
+            </a:fld>
+            <a:endParaRPr lang="en-US"/>
+          </a:p>
+        </p:txBody>
+      </p:sp>
+      <p:sp>
+        <p:nvSpPr>
+          <p:cNvPr id="4" name="Slide Image Placeholder 3"/>
+          <p:cNvSpPr>
+            <a:spLocks noGrp="1" noRot="1" noChangeAspect="1"/>
+          </p:cNvSpPr>
+          <p:nvPr>
+            <p:ph type="sldImg" idx="2"/>
+          </p:nvPr>
+        </p:nvSpPr>
+        <p:spPr>
+          <a:xfrm>
+            <a:off x="685800" y="1143000"/>
+            <a:ext cx="5486400" cy="3086100"/>
+          </a:xfrm>
+          <a:prstGeom prst="rect">
+            <a:avLst/>
+          </a:prstGeom>
+          <a:noFill/>
+          <a:ln w="12700">
+            <a:solidFill>
+              <a:prstClr val="black"/>
+            </a:solidFill>
+          </a:ln>
+        </p:spPr>
+        <p:txBody>
+          <a:bodyPr vert="horz" lIns="91440" tIns="45720" rIns="91440" bIns="45720" rtlCol="0" anchor="ctr"/>
+          <a:lstStyle/>
+          <a:p>
+            <a:endParaRPr lang="en-US"/>
+          </a:p>
+        </p:txBody>
+      </p:sp>
+      <p:sp>
+        <p:nvSpPr>
+          <p:cNvPr id="5" name="Notes Placeholder 4"/>
+          <p:cNvSpPr>
+            <a:spLocks noGrp="1"/>
+          </p:cNvSpPr>
+          <p:nvPr>
+            <p:ph type="body" sz="quarter" idx="3"/>
+          </p:nvPr>
+        </p:nvSpPr>
+        <p:spPr>
+          <a:xfrm>
+            <a:off x="685800" y="4400550"/>
+            <a:ext cx="5486400" cy="3600450"/>
+          </a:xfrm>
+          <a:prstGeom prst="rect">
+            <a:avLst/>
+          </a:prstGeom>
+        </p:spPr>
+        <p:txBody>
+          <a:bodyPr vert="horz" lIns="91440" tIns="45720" rIns="91440" bIns="45720" rtlCol="0"/>
+          <a:lstStyle/>
+          <a:p>
+            <a:pPr lvl="0"/>
+            <a:r>
+              <a:rPr lang="en-US"/>
+              <a:t>Click to edit Master text styles</a:t>
+            </a:r>
+          </a:p>
+          <a:p>
+            <a:pPr lvl="1"/>
+            <a:r>
+              <a:rPr lang="en-US"/>
+              <a:t>Second level</a:t>
+            </a:r>
+          </a:p>
+          <a:p>
+            <a:pPr lvl="2"/>
+            <a:r>
+              <a:rPr lang="en-US"/>
+              <a:t>Third level</a:t>
+            </a:r>
+          </a:p>
+          <a:p>
+            <a:pPr lvl="3"/>
+            <a:r>
+              <a:rPr lang="en-US"/>
+              <a:t>Fourth level</a:t>
+            </a:r>
+          </a:p>
+          <a:p>
+            <a:pPr lvl="4"/>
+            <a:r>
+              <a:rPr lang="en-US"/>
+              <a:t>Fifth level</a:t>
+            </a:r>
+          </a:p>
+        </p:txBody>
+      </p:sp>
+      <p:sp>
+        <p:nvSpPr>
+          <p:cNvPr id="6" name="Footer Placeholder 5"/>
+          <p:cNvSpPr>
+            <a:spLocks noGrp="1"/>
+          </p:cNvSpPr>
+          <p:nvPr>
+            <p:ph type="ftr" sz="quarter" idx="4"/>
+          </p:nvPr>
+        </p:nvSpPr>
+        <p:spPr>
+          <a:xfrm>
+            <a:off x="0" y="8685213"/>
+            <a:ext cx="2971800" cy="458787"/>
+          </a:xfrm>
+          <a:prstGeom prst="rect">
+            <a:avLst/>
+          </a:prstGeom>
+        </p:spPr>
+        <p:txBody>
+          <a:bodyPr vert="horz" lIns="91440" tIns="45720" rIns="91440" bIns="45720" rtlCol="0" anchor="b"/>
+          <a:lstStyle>
+            <a:lvl1pPr algn="l">
+              <a:defRPr sz="1200"/>
+            </a:lvl1pPr>
+          </a:lstStyle>
+          <a:p>
+            <a:endParaRPr lang="en-US"/>
+          </a:p>
+        </p:txBody>
+      </p:sp>
+      <p:sp>
+        <p:nvSpPr>
+          <p:cNvPr id="7" name="Slide Number Placeholder 6"/>
+          <p:cNvSpPr>
+            <a:spLocks noGrp="1"/>
+          </p:cNvSpPr>
+          <p:nvPr>
+            <p:ph type="sldNum" sz="quarter" idx="5"/>
+          </p:nvPr>
+        </p:nvSpPr>
+        <p:spPr>
+          <a:xfrm>
+            <a:off x="3884613" y="8685213"/>
+            <a:ext cx="2971800" cy="458787"/>
+          </a:xfrm>
+          <a:prstGeom prst="rect">
+            <a:avLst/>
+          </a:prstGeom>
+        </p:spPr>
+        <p:txBody>
+          <a:bodyPr vert="horz" lIns="91440" tIns="45720" rIns="91440" bIns="45720" rtlCol="0" anchor="b"/>
+          <a:lstStyle>
+            <a:lvl1pPr algn="r">
+              <a:defRPr sz="1200"/>
+            </a:lvl1pPr>
+          </a:lstStyle>
+          <a:p>
+            <a:fld id="{D4CAB2F1-5F27-48BE-8240-92C762FBC0C1}" type="slidenum">
+              <a:rPr lang="en-US" smtClean="0"/>
+              <a:t>‹#›</a:t>
+            </a:fld>
+            <a:endParaRPr lang="en-US"/>
+          </a:p>
+        </p:txBody>
+      </p:sp>
+    </p:spTree>
+    <p:extLst>
+      <p:ext uri="{BB962C8B-B14F-4D97-AF65-F5344CB8AC3E}">
+        <p14:creationId xmlns:p14="http://schemas.microsoft.com/office/powerpoint/2010/main" val="1776198987"/>
+      </p:ext>
+    </p:extLst>
+  </p:cSld>
+  <p:clrMap bg1="lt1" tx1="dk1" bg2="lt2" tx2="dk2" accent1="accent1" accent2="accent2" accent3="accent3" accent4="accent4" accent5="accent5" accent6="accent6" hlink="hlink" folHlink="folHlink"/>
+  <p:notesStyle>
+    <a:lvl1pPr marL="0" algn="l" defTabSz="914400" rtl="0" eaLnBrk="1" latinLnBrk="0" hangingPunct="1">
+      <a:defRPr sz="1200" kern="1200">
+        <a:solidFill>
+          <a:schemeClr val="tx1"/>
+        </a:solidFill>
+        <a:latin typeface="+mn-lt"/>
+        <a:ea typeface="+mn-ea"/>
+        <a:cs typeface="+mn-cs"/>
+      </a:defRPr>
+    </a:lvl1pPr>
+    <a:lvl2pPr marL="457200" algn="l" defTabSz="914400" rtl="0" eaLnBrk="1" latinLnBrk="0" hangingPunct="1">
+      <a:defRPr sz="1200" kern="1200">
+        <a:solidFill>
+          <a:schemeClr val="tx1"/>
+        </a:solidFill>
+        <a:latin typeface="+mn-lt"/>
+        <a:ea typeface="+mn-ea"/>
+        <a:cs typeface="+mn-cs"/>
+      </a:defRPr>
+    </a:lvl2pPr>
+    <a:lvl3pPr marL="914400" algn="l" defTabSz="914400" rtl="0" eaLnBrk="1" latinLnBrk="0" hangingPunct="1">
+      <a:defRPr sz="1200" kern="1200">
+        <a:solidFill>
+          <a:schemeClr val="tx1"/>
+        </a:solidFill>
+        <a:latin typeface="+mn-lt"/>
+        <a:ea typeface="+mn-ea"/>
+        <a:cs typeface="+mn-cs"/>
+      </a:defRPr>
+    </a:lvl3pPr>
+    <a:lvl4pPr marL="1371600" algn="l" defTabSz="914400" rtl="0" eaLnBrk="1" latinLnBrk="0" hangingPunct="1">
+      <a:defRPr sz="1200" kern="1200">
+        <a:solidFill>
+          <a:schemeClr val="tx1"/>
+        </a:solidFill>
+        <a:latin typeface="+mn-lt"/>
+        <a:ea typeface="+mn-ea"/>
+        <a:cs typeface="+mn-cs"/>
+      </a:defRPr>
+    </a:lvl4pPr>
+    <a:lvl5pPr marL="1828800" algn="l" defTabSz="914400" rtl="0" eaLnBrk="1" latinLnBrk="0" hangingPunct="1">
+      <a:defRPr sz="1200" kern="1200">
+        <a:solidFill>
+          <a:schemeClr val="tx1"/>
+        </a:solidFill>
+        <a:latin typeface="+mn-lt"/>
+        <a:ea typeface="+mn-ea"/>
+        <a:cs typeface="+mn-cs"/>
+      </a:defRPr>
+    </a:lvl5pPr>
+    <a:lvl6pPr marL="2286000" algn="l" defTabSz="914400" rtl="0" eaLnBrk="1" latinLnBrk="0" hangingPunct="1">
+      <a:defRPr sz="1200" kern="1200">
+        <a:solidFill>
+          <a:schemeClr val="tx1"/>
+        </a:solidFill>
+        <a:latin typeface="+mn-lt"/>
+        <a:ea typeface="+mn-ea"/>
+        <a:cs typeface="+mn-cs"/>
+      </a:defRPr>
+    </a:lvl6pPr>
+    <a:lvl7pPr marL="2743200" algn="l" defTabSz="914400" rtl="0" eaLnBrk="1" latinLnBrk="0" hangingPunct="1">
+      <a:defRPr sz="1200" kern="1200">
+        <a:solidFill>
+          <a:schemeClr val="tx1"/>
+        </a:solidFill>
+        <a:latin typeface="+mn-lt"/>
+        <a:ea typeface="+mn-ea"/>
+        <a:cs typeface="+mn-cs"/>
+      </a:defRPr>
+    </a:lvl7pPr>
+    <a:lvl8pPr marL="3200400" algn="l" defTabSz="914400" rtl="0" eaLnBrk="1" latinLnBrk="0" hangingPunct="1">
+      <a:defRPr sz="1200" kern="1200">
+        <a:solidFill>
+          <a:schemeClr val="tx1"/>
+        </a:solidFill>
+        <a:latin typeface="+mn-lt"/>
+        <a:ea typeface="+mn-ea"/>
+        <a:cs typeface="+mn-cs"/>
+      </a:defRPr>
+    </a:lvl8pPr>
+    <a:lvl9pPr marL="3657600" algn="l" defTabSz="914400" rtl="0" eaLnBrk="1" latinLnBrk="0" hangingPunct="1">
+      <a:defRPr sz="1200" kern="1200">
+        <a:solidFill>
+          <a:schemeClr val="tx1"/>
+        </a:solidFill>
+        <a:latin typeface="+mn-lt"/>
+        <a:ea typeface="+mn-ea"/>
+        <a:cs typeface="+mn-cs"/>
+      </a:defRPr>
+    </a:lvl9pPr>
+  </p:notesStyle>
+</p:notesMaster>
+</file>
+
+<file path=ppt/notesSlides/notesSlide1.xml><?xml version="1.0" encoding="utf-8"?>
+<p:notes xmlns:a="http://schemas.openxmlformats.org/drawingml/2006/main" xmlns:r="http://schemas.openxmlformats.org/officeDocument/2006/relationships" xmlns:p="http://schemas.openxmlformats.org/presentationml/2006/main">
+  <p:cSld>
+    <p:spTree>
+      <p:nvGrpSpPr>
+        <p:cNvPr id="1" name=""/>
+        <p:cNvGrpSpPr/>
+        <p:nvPr/>
+      </p:nvGrpSpPr>
+      <p:grpSpPr>
+        <a:xfrm>
+          <a:off x="0" y="0"/>
+          <a:ext cx="0" cy="0"/>
+          <a:chOff x="0" y="0"/>
+          <a:chExt cx="0" cy="0"/>
+        </a:xfrm>
+      </p:grpSpPr>
+      <p:sp>
+        <p:nvSpPr>
+          <p:cNvPr id="2" name="Slide Image Placeholder 1"/>
+          <p:cNvSpPr>
+            <a:spLocks noGrp="1" noRot="1" noChangeAspect="1"/>
+          </p:cNvSpPr>
+          <p:nvPr>
+            <p:ph type="sldImg"/>
+          </p:nvPr>
+        </p:nvSpPr>
+        <p:spPr/>
+      </p:sp>
+      <p:sp>
+        <p:nvSpPr>
+          <p:cNvPr id="3" name="Notes Placeholder 2"/>
+          <p:cNvSpPr>
+            <a:spLocks noGrp="1"/>
+          </p:cNvSpPr>
+          <p:nvPr>
+            <p:ph type="body" idx="1"/>
+          </p:nvPr>
+        </p:nvSpPr>
+        <p:spPr/>
+        <p:txBody>
+          <a:bodyPr/>
+          <a:lstStyle/>
+          <a:p>
+            <a:endParaRPr lang="en-US" dirty="0"/>
+          </a:p>
+        </p:txBody>
+      </p:sp>
+      <p:sp>
+        <p:nvSpPr>
+          <p:cNvPr id="4" name="Slide Number Placeholder 3"/>
+          <p:cNvSpPr>
+            <a:spLocks noGrp="1"/>
+          </p:cNvSpPr>
+          <p:nvPr>
+            <p:ph type="sldNum" sz="quarter" idx="10"/>
+          </p:nvPr>
+        </p:nvSpPr>
+        <p:spPr>
+          <a:xfrm>
+            <a:off x="3884613" y="8685213"/>
+            <a:ext cx="2971800" cy="457200"/>
+          </a:xfrm>
+          <a:prstGeom prst="rect">
+            <a:avLst/>
+          </a:prstGeom>
+        </p:spPr>
+        <p:txBody>
+          <a:bodyPr/>
+          <a:lstStyle/>
+          <a:p>
+            <a:pPr marL="0" marR="0" lvl="0" indent="0" algn="l" defTabSz="914400" rtl="0" eaLnBrk="1" fontAlgn="auto" latinLnBrk="0" hangingPunct="1">
+              <a:lnSpc>
+                <a:spcPct val="100000"/>
+              </a:lnSpc>
+              <a:spcBef>
+                <a:spcPts val="0"/>
+              </a:spcBef>
+              <a:spcAft>
+                <a:spcPts val="0"/>
+              </a:spcAft>
+              <a:buClrTx/>
+              <a:buSzTx/>
+              <a:buFontTx/>
+              <a:buNone/>
+              <a:tabLst/>
+              <a:defRPr/>
+            </a:pPr>
+            <a:fld id="{DE326DE0-BACA-4EA0-B73F-CC7DC1D7F4A1}" type="slidenum">
+              <a:rPr kumimoji="0" lang="en-US" sz="1800" b="0" i="0" u="none" strike="noStrike" kern="1200" cap="none" spc="0" normalizeH="0" baseline="0" noProof="0" smtClean="0">
+                <a:ln>
+                  <a:noFill/>
+                </a:ln>
+                <a:solidFill>
+                  <a:prstClr val="black"/>
+                </a:solidFill>
+                <a:effectLst/>
+                <a:uLnTx/>
+                <a:uFillTx/>
+                <a:latin typeface="Calibri"/>
+                <a:ea typeface="+mn-ea"/>
+                <a:cs typeface="+mn-cs"/>
+              </a:rPr>
+              <a:pPr marL="0" marR="0" lvl="0" indent="0" algn="l" defTabSz="914400" rtl="0" eaLnBrk="1" fontAlgn="auto" latinLnBrk="0" hangingPunct="1">
+                <a:lnSpc>
+                  <a:spcPct val="100000"/>
+                </a:lnSpc>
+                <a:spcBef>
+                  <a:spcPts val="0"/>
+                </a:spcBef>
+                <a:spcAft>
+                  <a:spcPts val="0"/>
+                </a:spcAft>
+                <a:buClrTx/>
+                <a:buSzTx/>
+                <a:buFontTx/>
+                <a:buNone/>
+                <a:tabLst/>
+                <a:defRPr/>
+              </a:pPr>
+              <a:t>1</a:t>
+            </a:fld>
+            <a:endParaRPr kumimoji="0" lang="en-US" sz="1800" b="0" i="0" u="none" strike="noStrike" kern="1200" cap="none" spc="0" normalizeH="0" baseline="0" noProof="0">
+              <a:ln>
+                <a:noFill/>
+              </a:ln>
+              <a:solidFill>
+                <a:prstClr val="black"/>
+              </a:solidFill>
+              <a:effectLst/>
+              <a:uLnTx/>
+              <a:uFillTx/>
+              <a:latin typeface="Calibri"/>
+              <a:ea typeface="+mn-ea"/>
+              <a:cs typeface="+mn-cs"/>
+            </a:endParaRPr>
+          </a:p>
+        </p:txBody>
+      </p:sp>
+    </p:spTree>
+    <p:extLst>
+      <p:ext uri="{BB962C8B-B14F-4D97-AF65-F5344CB8AC3E}">
+        <p14:creationId xmlns:p14="http://schemas.microsoft.com/office/powerpoint/2010/main" val="4261198586"/>
+      </p:ext>
+    </p:extLst>
+  </p:cSld>
+  <p:clrMapOvr>
+    <a:masterClrMapping/>
+  </p:clrMapOvr>
+</p:notes>
+</file>
+
 <file path=ppt/slideLayouts/slideLayout1.xml><?xml version="1.0" encoding="utf-8"?>
-<p:sldLayout xmlns:a="http://schemas.openxmlformats.org/drawingml/2006/main" xmlns:r="http://schemas.openxmlformats.org/officeDocument/2006/relationships" xmlns:p="http://schemas.openxmlformats.org/presentationml/2006/main" type="title" preserve="1">
+<p:sldLayout xmlns:a="http://schemas.openxmlformats.org/drawingml/2006/main" xmlns:r="http://schemas.openxmlformats.org/officeDocument/2006/relationships" xmlns:p="http://schemas.openxmlformats.org/presentationml/2006/main" showMasterSp="0" type="title" preserve="1">
   <p:cSld name="Title Slide">
     <p:spTree>
       <p:nvGrpSpPr>
@@ -126,31 +637,115 @@
       </p:grpSpPr>
       <p:sp>
         <p:nvSpPr>
-          <p:cNvPr id="2" name="Title 1">
-            <a:extLst>
-              <a:ext uri="{FF2B5EF4-FFF2-40B4-BE49-F238E27FC236}">
-                <a16:creationId xmlns:a16="http://schemas.microsoft.com/office/drawing/2014/main" id="{4276A535-5498-4D53-AFF8-DC6FEAB1DAA9}"/>
-              </a:ext>
-            </a:extLst>
-          </p:cNvPr>
-          <p:cNvSpPr>
-            <a:spLocks noGrp="1"/>
-          </p:cNvSpPr>
-          <p:nvPr>
-            <p:ph type="ctrTitle"/>
-          </p:nvPr>
+          <p:cNvPr id="7" name="Rectangle 6"/>
+          <p:cNvSpPr/>
+          <p:nvPr/>
         </p:nvSpPr>
         <p:spPr>
           <a:xfrm>
-            <a:off x="1524000" y="1122363"/>
-            <a:ext cx="9144000" cy="2387600"/>
+            <a:off x="3175" y="6400800"/>
+            <a:ext cx="12188825" cy="457200"/>
+          </a:xfrm>
+          <a:prstGeom prst="rect">
+            <a:avLst/>
+          </a:prstGeom>
+          <a:solidFill>
+            <a:schemeClr val="accent1">
+              <a:lumMod val="75000"/>
+            </a:schemeClr>
+          </a:solidFill>
+          <a:ln>
+            <a:noFill/>
+          </a:ln>
+        </p:spPr>
+        <p:style>
+          <a:lnRef idx="2">
+            <a:schemeClr val="accent1">
+              <a:shade val="50000"/>
+            </a:schemeClr>
+          </a:lnRef>
+          <a:fillRef idx="1">
+            <a:schemeClr val="accent1"/>
+          </a:fillRef>
+          <a:effectRef idx="0">
+            <a:schemeClr val="accent1"/>
+          </a:effectRef>
+          <a:fontRef idx="minor">
+            <a:schemeClr val="lt1"/>
+          </a:fontRef>
+        </p:style>
+      </p:sp>
+      <p:sp>
+        <p:nvSpPr>
+          <p:cNvPr id="8" name="Rectangle 7"/>
+          <p:cNvSpPr/>
+          <p:nvPr/>
+        </p:nvSpPr>
+        <p:spPr>
+          <a:xfrm>
+            <a:off x="15" y="6334316"/>
+            <a:ext cx="12188825" cy="64008"/>
+          </a:xfrm>
+          <a:prstGeom prst="rect">
+            <a:avLst/>
+          </a:prstGeom>
+          <a:solidFill>
+            <a:schemeClr val="accent1"/>
+          </a:solidFill>
+          <a:ln>
+            <a:noFill/>
+          </a:ln>
+        </p:spPr>
+        <p:style>
+          <a:lnRef idx="2">
+            <a:schemeClr val="accent1">
+              <a:shade val="50000"/>
+            </a:schemeClr>
+          </a:lnRef>
+          <a:fillRef idx="1">
+            <a:schemeClr val="accent1"/>
+          </a:fillRef>
+          <a:effectRef idx="0">
+            <a:schemeClr val="accent1"/>
+          </a:effectRef>
+          <a:fontRef idx="minor">
+            <a:schemeClr val="lt1"/>
+          </a:fontRef>
+        </p:style>
+      </p:sp>
+      <p:sp>
+        <p:nvSpPr>
+          <p:cNvPr id="2" name="Title 1"/>
+          <p:cNvSpPr>
+            <a:spLocks noGrp="1"/>
+          </p:cNvSpPr>
+          <p:nvPr>
+            <p:ph type="ctrTitle"/>
+          </p:nvPr>
+        </p:nvSpPr>
+        <p:spPr>
+          <a:xfrm>
+            <a:off x="1097280" y="758952"/>
+            <a:ext cx="10058400" cy="3566160"/>
           </a:xfrm>
         </p:spPr>
         <p:txBody>
-          <a:bodyPr anchor="b"/>
+          <a:bodyPr anchor="b">
+            <a:normAutofit/>
+          </a:bodyPr>
           <a:lstStyle>
-            <a:lvl1pPr algn="ctr">
-              <a:defRPr sz="6000"/>
+            <a:lvl1pPr algn="l">
+              <a:lnSpc>
+                <a:spcPct val="85000"/>
+              </a:lnSpc>
+              <a:defRPr sz="8000" spc="-50" baseline="0">
+                <a:solidFill>
+                  <a:schemeClr val="tx1">
+                    <a:lumMod val="85000"/>
+                    <a:lumOff val="15000"/>
+                  </a:schemeClr>
+                </a:solidFill>
+              </a:defRPr>
             </a:lvl1pPr>
           </a:lstStyle>
           <a:p>
@@ -158,18 +753,13 @@
               <a:rPr lang="en-US"/>
               <a:t>Click to edit Master title style</a:t>
             </a:r>
-          </a:p>
-        </p:txBody>
-      </p:sp>
-      <p:sp>
-        <p:nvSpPr>
-          <p:cNvPr id="3" name="Subtitle 2">
-            <a:extLst>
-              <a:ext uri="{FF2B5EF4-FFF2-40B4-BE49-F238E27FC236}">
-                <a16:creationId xmlns:a16="http://schemas.microsoft.com/office/drawing/2014/main" id="{241BBA25-49DA-4C86-82A7-E3D32A853303}"/>
-              </a:ext>
-            </a:extLst>
-          </p:cNvPr>
+            <a:endParaRPr lang="en-US" dirty="0"/>
+          </a:p>
+        </p:txBody>
+      </p:sp>
+      <p:sp>
+        <p:nvSpPr>
+          <p:cNvPr id="3" name="Subtitle 2"/>
           <p:cNvSpPr>
             <a:spLocks noGrp="1"/>
           </p:cNvSpPr>
@@ -179,48 +769,55 @@
         </p:nvSpPr>
         <p:spPr>
           <a:xfrm>
-            <a:off x="1524000" y="3602038"/>
-            <a:ext cx="9144000" cy="1655762"/>
+            <a:off x="1100051" y="4455621"/>
+            <a:ext cx="10058400" cy="1143000"/>
           </a:xfrm>
         </p:spPr>
         <p:txBody>
-          <a:bodyPr/>
+          <a:bodyPr lIns="91440" rIns="91440">
+            <a:normAutofit/>
+          </a:bodyPr>
           <a:lstStyle>
-            <a:lvl1pPr marL="0" indent="0" algn="ctr">
-              <a:buNone/>
-              <a:defRPr sz="2400"/>
+            <a:lvl1pPr marL="0" indent="0" algn="l">
+              <a:buNone/>
+              <a:defRPr sz="2400" cap="all" spc="200" baseline="0">
+                <a:solidFill>
+                  <a:schemeClr val="tx2"/>
+                </a:solidFill>
+                <a:latin typeface="+mj-lt"/>
+              </a:defRPr>
             </a:lvl1pPr>
             <a:lvl2pPr marL="457200" indent="0" algn="ctr">
               <a:buNone/>
-              <a:defRPr sz="2000"/>
+              <a:defRPr sz="2400"/>
             </a:lvl2pPr>
             <a:lvl3pPr marL="914400" indent="0" algn="ctr">
               <a:buNone/>
-              <a:defRPr sz="1800"/>
+              <a:defRPr sz="2400"/>
             </a:lvl3pPr>
             <a:lvl4pPr marL="1371600" indent="0" algn="ctr">
               <a:buNone/>
-              <a:defRPr sz="1600"/>
+              <a:defRPr sz="2000"/>
             </a:lvl4pPr>
             <a:lvl5pPr marL="1828800" indent="0" algn="ctr">
               <a:buNone/>
-              <a:defRPr sz="1600"/>
+              <a:defRPr sz="2000"/>
             </a:lvl5pPr>
             <a:lvl6pPr marL="2286000" indent="0" algn="ctr">
               <a:buNone/>
-              <a:defRPr sz="1600"/>
+              <a:defRPr sz="2000"/>
             </a:lvl6pPr>
             <a:lvl7pPr marL="2743200" indent="0" algn="ctr">
               <a:buNone/>
-              <a:defRPr sz="1600"/>
+              <a:defRPr sz="2000"/>
             </a:lvl7pPr>
             <a:lvl8pPr marL="3200400" indent="0" algn="ctr">
               <a:buNone/>
-              <a:defRPr sz="1600"/>
+              <a:defRPr sz="2000"/>
             </a:lvl8pPr>
             <a:lvl9pPr marL="3657600" indent="0" algn="ctr">
               <a:buNone/>
-              <a:defRPr sz="1600"/>
+              <a:defRPr sz="2000"/>
             </a:lvl9pPr>
           </a:lstStyle>
           <a:p>
@@ -228,18 +825,13 @@
               <a:rPr lang="en-US"/>
               <a:t>Click to edit Master subtitle style</a:t>
             </a:r>
-          </a:p>
-        </p:txBody>
-      </p:sp>
-      <p:sp>
-        <p:nvSpPr>
-          <p:cNvPr id="4" name="Date Placeholder 3">
-            <a:extLst>
-              <a:ext uri="{FF2B5EF4-FFF2-40B4-BE49-F238E27FC236}">
-                <a16:creationId xmlns:a16="http://schemas.microsoft.com/office/drawing/2014/main" id="{A79DB83E-6EC6-47D6-80BA-83B8E3D95E6D}"/>
-              </a:ext>
-            </a:extLst>
-          </p:cNvPr>
+            <a:endParaRPr lang="en-US" dirty="0"/>
+          </a:p>
+        </p:txBody>
+      </p:sp>
+      <p:sp>
+        <p:nvSpPr>
+          <p:cNvPr id="4" name="Date Placeholder 3"/>
           <p:cNvSpPr>
             <a:spLocks noGrp="1"/>
           </p:cNvSpPr>
@@ -254,7 +846,7 @@
           <a:p>
             <a:fld id="{05ACA978-D5B7-49B2-BADF-42AFEF967A7A}" type="datetimeFigureOut">
               <a:rPr lang="en-US" smtClean="0"/>
-              <a:t>8/30/2021</a:t>
+              <a:t>9/22/2021</a:t>
             </a:fld>
             <a:endParaRPr lang="en-US"/>
           </a:p>
@@ -262,13 +854,7 @@
       </p:sp>
       <p:sp>
         <p:nvSpPr>
-          <p:cNvPr id="5" name="Footer Placeholder 4">
-            <a:extLst>
-              <a:ext uri="{FF2B5EF4-FFF2-40B4-BE49-F238E27FC236}">
-                <a16:creationId xmlns:a16="http://schemas.microsoft.com/office/drawing/2014/main" id="{A7E53008-DE6F-4469-9448-92DFEF8F71E2}"/>
-              </a:ext>
-            </a:extLst>
-          </p:cNvPr>
+          <p:cNvPr id="5" name="Footer Placeholder 4"/>
           <p:cNvSpPr>
             <a:spLocks noGrp="1"/>
           </p:cNvSpPr>
@@ -287,13 +873,7 @@
       </p:sp>
       <p:sp>
         <p:nvSpPr>
-          <p:cNvPr id="6" name="Slide Number Placeholder 5">
-            <a:extLst>
-              <a:ext uri="{FF2B5EF4-FFF2-40B4-BE49-F238E27FC236}">
-                <a16:creationId xmlns:a16="http://schemas.microsoft.com/office/drawing/2014/main" id="{7F874C46-8167-47F4-8405-DF72EAE3D22D}"/>
-              </a:ext>
-            </a:extLst>
-          </p:cNvPr>
+          <p:cNvPr id="6" name="Slide Number Placeholder 5"/>
           <p:cNvSpPr>
             <a:spLocks noGrp="1"/>
           </p:cNvSpPr>
@@ -314,10 +894,48 @@
           </a:p>
         </p:txBody>
       </p:sp>
+      <p:cxnSp>
+        <p:nvCxnSpPr>
+          <p:cNvPr id="9" name="Straight Connector 8"/>
+          <p:cNvCxnSpPr/>
+          <p:nvPr/>
+        </p:nvCxnSpPr>
+        <p:spPr>
+          <a:xfrm>
+            <a:off x="1207658" y="4343400"/>
+            <a:ext cx="9875520" cy="0"/>
+          </a:xfrm>
+          <a:prstGeom prst="line">
+            <a:avLst/>
+          </a:prstGeom>
+          <a:ln w="6350">
+            <a:solidFill>
+              <a:schemeClr val="tx1">
+                <a:lumMod val="50000"/>
+                <a:lumOff val="50000"/>
+              </a:schemeClr>
+            </a:solidFill>
+          </a:ln>
+        </p:spPr>
+        <p:style>
+          <a:lnRef idx="1">
+            <a:schemeClr val="accent1"/>
+          </a:lnRef>
+          <a:fillRef idx="0">
+            <a:schemeClr val="accent1"/>
+          </a:fillRef>
+          <a:effectRef idx="0">
+            <a:schemeClr val="accent1"/>
+          </a:effectRef>
+          <a:fontRef idx="minor">
+            <a:schemeClr val="tx1"/>
+          </a:fontRef>
+        </p:style>
+      </p:cxnSp>
     </p:spTree>
     <p:extLst>
       <p:ext uri="{BB962C8B-B14F-4D97-AF65-F5344CB8AC3E}">
-        <p14:creationId xmlns:p14="http://schemas.microsoft.com/office/powerpoint/2010/main" val="4252579942"/>
+        <p14:creationId xmlns:p14="http://schemas.microsoft.com/office/powerpoint/2010/main" val="3528025118"/>
       </p:ext>
     </p:extLst>
   </p:cSld>
@@ -346,13 +964,7 @@
       </p:grpSpPr>
       <p:sp>
         <p:nvSpPr>
-          <p:cNvPr id="2" name="Title 1">
-            <a:extLst>
-              <a:ext uri="{FF2B5EF4-FFF2-40B4-BE49-F238E27FC236}">
-                <a16:creationId xmlns:a16="http://schemas.microsoft.com/office/drawing/2014/main" id="{53B0365D-5AAF-4E29-A906-C4F1B1BD4479}"/>
-              </a:ext>
-            </a:extLst>
-          </p:cNvPr>
+          <p:cNvPr id="2" name="Title 1"/>
           <p:cNvSpPr>
             <a:spLocks noGrp="1"/>
           </p:cNvSpPr>
@@ -369,18 +981,13 @@
               <a:rPr lang="en-US"/>
               <a:t>Click to edit Master title style</a:t>
             </a:r>
-          </a:p>
-        </p:txBody>
-      </p:sp>
-      <p:sp>
-        <p:nvSpPr>
-          <p:cNvPr id="3" name="Vertical Text Placeholder 2">
-            <a:extLst>
-              <a:ext uri="{FF2B5EF4-FFF2-40B4-BE49-F238E27FC236}">
-                <a16:creationId xmlns:a16="http://schemas.microsoft.com/office/drawing/2014/main" id="{1C70EF40-3592-4DD9-AA11-F8DAB7EBA418}"/>
-              </a:ext>
-            </a:extLst>
-          </p:cNvPr>
+            <a:endParaRPr lang="en-US" dirty="0"/>
+          </a:p>
+        </p:txBody>
+      </p:sp>
+      <p:sp>
+        <p:nvSpPr>
+          <p:cNvPr id="3" name="Vertical Text Placeholder 2"/>
           <p:cNvSpPr>
             <a:spLocks noGrp="1"/>
           </p:cNvSpPr>
@@ -390,7 +997,7 @@
         </p:nvSpPr>
         <p:spPr/>
         <p:txBody>
-          <a:bodyPr vert="eaVert"/>
+          <a:bodyPr vert="eaVert" lIns="45720" tIns="0" rIns="45720" bIns="0"/>
           <a:lstStyle/>
           <a:p>
             <a:pPr lvl="0"/>
@@ -426,18 +1033,13 @@
               <a:rPr lang="en-US"/>
               <a:t>Fifth level</a:t>
             </a:r>
-          </a:p>
-        </p:txBody>
-      </p:sp>
-      <p:sp>
-        <p:nvSpPr>
-          <p:cNvPr id="4" name="Date Placeholder 3">
-            <a:extLst>
-              <a:ext uri="{FF2B5EF4-FFF2-40B4-BE49-F238E27FC236}">
-                <a16:creationId xmlns:a16="http://schemas.microsoft.com/office/drawing/2014/main" id="{91D8910F-58F5-4E21-A048-15F66B55D4A2}"/>
-              </a:ext>
-            </a:extLst>
-          </p:cNvPr>
+            <a:endParaRPr lang="en-US" dirty="0"/>
+          </a:p>
+        </p:txBody>
+      </p:sp>
+      <p:sp>
+        <p:nvSpPr>
+          <p:cNvPr id="4" name="Date Placeholder 3"/>
           <p:cNvSpPr>
             <a:spLocks noGrp="1"/>
           </p:cNvSpPr>
@@ -452,7 +1054,7 @@
           <a:p>
             <a:fld id="{05ACA978-D5B7-49B2-BADF-42AFEF967A7A}" type="datetimeFigureOut">
               <a:rPr lang="en-US" smtClean="0"/>
-              <a:t>8/30/2021</a:t>
+              <a:t>9/22/2021</a:t>
             </a:fld>
             <a:endParaRPr lang="en-US"/>
           </a:p>
@@ -460,13 +1062,7 @@
       </p:sp>
       <p:sp>
         <p:nvSpPr>
-          <p:cNvPr id="5" name="Footer Placeholder 4">
-            <a:extLst>
-              <a:ext uri="{FF2B5EF4-FFF2-40B4-BE49-F238E27FC236}">
-                <a16:creationId xmlns:a16="http://schemas.microsoft.com/office/drawing/2014/main" id="{F63A5F25-DC37-42A3-8E39-73B8EFC6358E}"/>
-              </a:ext>
-            </a:extLst>
-          </p:cNvPr>
+          <p:cNvPr id="5" name="Footer Placeholder 4"/>
           <p:cNvSpPr>
             <a:spLocks noGrp="1"/>
           </p:cNvSpPr>
@@ -485,13 +1081,7 @@
       </p:sp>
       <p:sp>
         <p:nvSpPr>
-          <p:cNvPr id="6" name="Slide Number Placeholder 5">
-            <a:extLst>
-              <a:ext uri="{FF2B5EF4-FFF2-40B4-BE49-F238E27FC236}">
-                <a16:creationId xmlns:a16="http://schemas.microsoft.com/office/drawing/2014/main" id="{6B0B6981-6A4F-4C5D-8D2D-61BCDC9271D9}"/>
-              </a:ext>
-            </a:extLst>
-          </p:cNvPr>
+          <p:cNvPr id="6" name="Slide Number Placeholder 5"/>
           <p:cNvSpPr>
             <a:spLocks noGrp="1"/>
           </p:cNvSpPr>
@@ -515,7 +1105,7 @@
     </p:spTree>
     <p:extLst>
       <p:ext uri="{BB962C8B-B14F-4D97-AF65-F5344CB8AC3E}">
-        <p14:creationId xmlns:p14="http://schemas.microsoft.com/office/powerpoint/2010/main" val="445917057"/>
+        <p14:creationId xmlns:p14="http://schemas.microsoft.com/office/powerpoint/2010/main" val="2296589240"/>
       </p:ext>
     </p:extLst>
   </p:cSld>
@@ -526,7 +1116,7 @@
 </file>
 
 <file path=ppt/slideLayouts/slideLayout11.xml><?xml version="1.0" encoding="utf-8"?>
-<p:sldLayout xmlns:a="http://schemas.openxmlformats.org/drawingml/2006/main" xmlns:r="http://schemas.openxmlformats.org/officeDocument/2006/relationships" xmlns:p="http://schemas.openxmlformats.org/presentationml/2006/main" type="vertTitleAndTx" preserve="1">
+<p:sldLayout xmlns:a="http://schemas.openxmlformats.org/drawingml/2006/main" xmlns:r="http://schemas.openxmlformats.org/officeDocument/2006/relationships" xmlns:p="http://schemas.openxmlformats.org/presentationml/2006/main" showMasterSp="0" type="vertTitleAndTx" preserve="1">
   <p:cSld name="Vertical Title and Text">
     <p:spTree>
       <p:nvGrpSpPr>
@@ -544,24 +1134,96 @@
       </p:grpSpPr>
       <p:sp>
         <p:nvSpPr>
-          <p:cNvPr id="2" name="Vertical Title 1">
-            <a:extLst>
-              <a:ext uri="{FF2B5EF4-FFF2-40B4-BE49-F238E27FC236}">
-                <a16:creationId xmlns:a16="http://schemas.microsoft.com/office/drawing/2014/main" id="{41E3D6ED-8A98-4769-8CD3-DB628E5E5441}"/>
-              </a:ext>
-            </a:extLst>
-          </p:cNvPr>
-          <p:cNvSpPr>
-            <a:spLocks noGrp="1"/>
-          </p:cNvSpPr>
-          <p:nvPr>
-            <p:ph type="title" orient="vert"/>
-          </p:nvPr>
+          <p:cNvPr id="7" name="Rectangle 6"/>
+          <p:cNvSpPr/>
+          <p:nvPr/>
         </p:nvSpPr>
         <p:spPr>
           <a:xfrm>
-            <a:off x="8724900" y="365125"/>
-            <a:ext cx="2628900" cy="5811838"/>
+            <a:off x="3175" y="6400800"/>
+            <a:ext cx="12188825" cy="457200"/>
+          </a:xfrm>
+          <a:prstGeom prst="rect">
+            <a:avLst/>
+          </a:prstGeom>
+          <a:solidFill>
+            <a:schemeClr val="accent1">
+              <a:lumMod val="75000"/>
+            </a:schemeClr>
+          </a:solidFill>
+          <a:ln>
+            <a:noFill/>
+          </a:ln>
+        </p:spPr>
+        <p:style>
+          <a:lnRef idx="2">
+            <a:schemeClr val="accent1">
+              <a:shade val="50000"/>
+            </a:schemeClr>
+          </a:lnRef>
+          <a:fillRef idx="1">
+            <a:schemeClr val="accent1"/>
+          </a:fillRef>
+          <a:effectRef idx="0">
+            <a:schemeClr val="accent1"/>
+          </a:effectRef>
+          <a:fontRef idx="minor">
+            <a:schemeClr val="lt1"/>
+          </a:fontRef>
+        </p:style>
+      </p:sp>
+      <p:sp>
+        <p:nvSpPr>
+          <p:cNvPr id="8" name="Rectangle 7"/>
+          <p:cNvSpPr/>
+          <p:nvPr/>
+        </p:nvSpPr>
+        <p:spPr>
+          <a:xfrm>
+            <a:off x="15" y="6334316"/>
+            <a:ext cx="12188825" cy="64008"/>
+          </a:xfrm>
+          <a:prstGeom prst="rect">
+            <a:avLst/>
+          </a:prstGeom>
+          <a:solidFill>
+            <a:schemeClr val="accent1"/>
+          </a:solidFill>
+          <a:ln>
+            <a:noFill/>
+          </a:ln>
+        </p:spPr>
+        <p:style>
+          <a:lnRef idx="2">
+            <a:schemeClr val="accent1">
+              <a:shade val="50000"/>
+            </a:schemeClr>
+          </a:lnRef>
+          <a:fillRef idx="1">
+            <a:schemeClr val="accent1"/>
+          </a:fillRef>
+          <a:effectRef idx="0">
+            <a:schemeClr val="accent1"/>
+          </a:effectRef>
+          <a:fontRef idx="minor">
+            <a:schemeClr val="lt1"/>
+          </a:fontRef>
+        </p:style>
+      </p:sp>
+      <p:sp>
+        <p:nvSpPr>
+          <p:cNvPr id="2" name="Vertical Title 1"/>
+          <p:cNvSpPr>
+            <a:spLocks noGrp="1"/>
+          </p:cNvSpPr>
+          <p:nvPr>
+            <p:ph type="title" orient="vert"/>
+          </p:nvPr>
+        </p:nvSpPr>
+        <p:spPr>
+          <a:xfrm>
+            <a:off x="8724900" y="412302"/>
+            <a:ext cx="2628900" cy="5759898"/>
           </a:xfrm>
         </p:spPr>
         <p:txBody>
@@ -572,18 +1234,13 @@
               <a:rPr lang="en-US"/>
               <a:t>Click to edit Master title style</a:t>
             </a:r>
-          </a:p>
-        </p:txBody>
-      </p:sp>
-      <p:sp>
-        <p:nvSpPr>
-          <p:cNvPr id="3" name="Vertical Text Placeholder 2">
-            <a:extLst>
-              <a:ext uri="{FF2B5EF4-FFF2-40B4-BE49-F238E27FC236}">
-                <a16:creationId xmlns:a16="http://schemas.microsoft.com/office/drawing/2014/main" id="{3956CC04-3B88-481D-9487-500A21533D22}"/>
-              </a:ext>
-            </a:extLst>
-          </p:cNvPr>
+            <a:endParaRPr lang="en-US" dirty="0"/>
+          </a:p>
+        </p:txBody>
+      </p:sp>
+      <p:sp>
+        <p:nvSpPr>
+          <p:cNvPr id="3" name="Vertical Text Placeholder 2"/>
           <p:cNvSpPr>
             <a:spLocks noGrp="1"/>
           </p:cNvSpPr>
@@ -593,12 +1250,12 @@
         </p:nvSpPr>
         <p:spPr>
           <a:xfrm>
-            <a:off x="838200" y="365125"/>
-            <a:ext cx="7734300" cy="5811838"/>
+            <a:off x="838200" y="412302"/>
+            <a:ext cx="7734300" cy="5759898"/>
           </a:xfrm>
         </p:spPr>
         <p:txBody>
-          <a:bodyPr vert="eaVert"/>
+          <a:bodyPr vert="eaVert" lIns="45720" tIns="0" rIns="45720" bIns="0"/>
           <a:lstStyle/>
           <a:p>
             <a:pPr lvl="0"/>
@@ -634,18 +1291,13 @@
               <a:rPr lang="en-US"/>
               <a:t>Fifth level</a:t>
             </a:r>
-          </a:p>
-        </p:txBody>
-      </p:sp>
-      <p:sp>
-        <p:nvSpPr>
-          <p:cNvPr id="4" name="Date Placeholder 3">
-            <a:extLst>
-              <a:ext uri="{FF2B5EF4-FFF2-40B4-BE49-F238E27FC236}">
-                <a16:creationId xmlns:a16="http://schemas.microsoft.com/office/drawing/2014/main" id="{F496BAEF-7B18-4F12-AF5B-AC726FE0AEF2}"/>
-              </a:ext>
-            </a:extLst>
-          </p:cNvPr>
+            <a:endParaRPr lang="en-US" dirty="0"/>
+          </a:p>
+        </p:txBody>
+      </p:sp>
+      <p:sp>
+        <p:nvSpPr>
+          <p:cNvPr id="4" name="Date Placeholder 3"/>
           <p:cNvSpPr>
             <a:spLocks noGrp="1"/>
           </p:cNvSpPr>
@@ -660,7 +1312,7 @@
           <a:p>
             <a:fld id="{05ACA978-D5B7-49B2-BADF-42AFEF967A7A}" type="datetimeFigureOut">
               <a:rPr lang="en-US" smtClean="0"/>
-              <a:t>8/30/2021</a:t>
+              <a:t>9/22/2021</a:t>
             </a:fld>
             <a:endParaRPr lang="en-US"/>
           </a:p>
@@ -668,13 +1320,7 @@
       </p:sp>
       <p:sp>
         <p:nvSpPr>
-          <p:cNvPr id="5" name="Footer Placeholder 4">
-            <a:extLst>
-              <a:ext uri="{FF2B5EF4-FFF2-40B4-BE49-F238E27FC236}">
-                <a16:creationId xmlns:a16="http://schemas.microsoft.com/office/drawing/2014/main" id="{2CC028CF-CF99-4DAC-AE41-A50C9D5DED2D}"/>
-              </a:ext>
-            </a:extLst>
-          </p:cNvPr>
+          <p:cNvPr id="5" name="Footer Placeholder 4"/>
           <p:cNvSpPr>
             <a:spLocks noGrp="1"/>
           </p:cNvSpPr>
@@ -693,13 +1339,7 @@
       </p:sp>
       <p:sp>
         <p:nvSpPr>
-          <p:cNvPr id="6" name="Slide Number Placeholder 5">
-            <a:extLst>
-              <a:ext uri="{FF2B5EF4-FFF2-40B4-BE49-F238E27FC236}">
-                <a16:creationId xmlns:a16="http://schemas.microsoft.com/office/drawing/2014/main" id="{5DFBF023-8E15-4800-92C7-0D2BFB76B542}"/>
-              </a:ext>
-            </a:extLst>
-          </p:cNvPr>
+          <p:cNvPr id="6" name="Slide Number Placeholder 5"/>
           <p:cNvSpPr>
             <a:spLocks noGrp="1"/>
           </p:cNvSpPr>
@@ -723,7 +1363,1851 @@
     </p:spTree>
     <p:extLst>
       <p:ext uri="{BB962C8B-B14F-4D97-AF65-F5344CB8AC3E}">
-        <p14:creationId xmlns:p14="http://schemas.microsoft.com/office/powerpoint/2010/main" val="4239260201"/>
+        <p14:creationId xmlns:p14="http://schemas.microsoft.com/office/powerpoint/2010/main" val="1675828937"/>
+      </p:ext>
+    </p:extLst>
+  </p:cSld>
+  <p:clrMapOvr>
+    <a:masterClrMapping/>
+  </p:clrMapOvr>
+</p:sldLayout>
+</file>
+
+<file path=ppt/slideLayouts/slideLayout12.xml><?xml version="1.0" encoding="utf-8"?>
+<p:sldLayout xmlns:a="http://schemas.openxmlformats.org/drawingml/2006/main" xmlns:r="http://schemas.openxmlformats.org/officeDocument/2006/relationships" xmlns:p="http://schemas.openxmlformats.org/presentationml/2006/main" type="title" preserve="1">
+  <p:cSld name="Title Slide">
+    <p:spTree>
+      <p:nvGrpSpPr>
+        <p:cNvPr id="1" name=""/>
+        <p:cNvGrpSpPr/>
+        <p:nvPr/>
+      </p:nvGrpSpPr>
+      <p:grpSpPr>
+        <a:xfrm>
+          <a:off x="0" y="0"/>
+          <a:ext cx="0" cy="0"/>
+          <a:chOff x="0" y="0"/>
+          <a:chExt cx="0" cy="0"/>
+        </a:xfrm>
+      </p:grpSpPr>
+      <p:sp>
+        <p:nvSpPr>
+          <p:cNvPr id="2" name="Title 1"/>
+          <p:cNvSpPr>
+            <a:spLocks noGrp="1"/>
+          </p:cNvSpPr>
+          <p:nvPr>
+            <p:ph type="ctrTitle"/>
+          </p:nvPr>
+        </p:nvSpPr>
+        <p:spPr>
+          <a:xfrm>
+            <a:off x="914400" y="2131485"/>
+            <a:ext cx="10363200" cy="1468967"/>
+          </a:xfrm>
+        </p:spPr>
+        <p:txBody>
+          <a:bodyPr/>
+          <a:lstStyle/>
+          <a:p>
+            <a:r>
+              <a:rPr lang="en-US"/>
+              <a:t>Click to edit Master title style</a:t>
+            </a:r>
+          </a:p>
+        </p:txBody>
+      </p:sp>
+      <p:sp>
+        <p:nvSpPr>
+          <p:cNvPr id="3" name="Subtitle 2"/>
+          <p:cNvSpPr>
+            <a:spLocks noGrp="1"/>
+          </p:cNvSpPr>
+          <p:nvPr>
+            <p:ph type="subTitle" idx="1"/>
+          </p:nvPr>
+        </p:nvSpPr>
+        <p:spPr>
+          <a:xfrm>
+            <a:off x="1828800" y="3886200"/>
+            <a:ext cx="8534400" cy="1752600"/>
+          </a:xfrm>
+        </p:spPr>
+        <p:txBody>
+          <a:bodyPr/>
+          <a:lstStyle>
+            <a:lvl1pPr marL="0" indent="0" algn="ctr">
+              <a:buNone/>
+              <a:defRPr>
+                <a:solidFill>
+                  <a:schemeClr val="tx1">
+                    <a:tint val="75000"/>
+                  </a:schemeClr>
+                </a:solidFill>
+              </a:defRPr>
+            </a:lvl1pPr>
+            <a:lvl2pPr marL="609585" indent="0" algn="ctr">
+              <a:buNone/>
+              <a:defRPr>
+                <a:solidFill>
+                  <a:schemeClr val="tx1">
+                    <a:tint val="75000"/>
+                  </a:schemeClr>
+                </a:solidFill>
+              </a:defRPr>
+            </a:lvl2pPr>
+            <a:lvl3pPr marL="1219170" indent="0" algn="ctr">
+              <a:buNone/>
+              <a:defRPr>
+                <a:solidFill>
+                  <a:schemeClr val="tx1">
+                    <a:tint val="75000"/>
+                  </a:schemeClr>
+                </a:solidFill>
+              </a:defRPr>
+            </a:lvl3pPr>
+            <a:lvl4pPr marL="1828754" indent="0" algn="ctr">
+              <a:buNone/>
+              <a:defRPr>
+                <a:solidFill>
+                  <a:schemeClr val="tx1">
+                    <a:tint val="75000"/>
+                  </a:schemeClr>
+                </a:solidFill>
+              </a:defRPr>
+            </a:lvl4pPr>
+            <a:lvl5pPr marL="2438339" indent="0" algn="ctr">
+              <a:buNone/>
+              <a:defRPr>
+                <a:solidFill>
+                  <a:schemeClr val="tx1">
+                    <a:tint val="75000"/>
+                  </a:schemeClr>
+                </a:solidFill>
+              </a:defRPr>
+            </a:lvl5pPr>
+            <a:lvl6pPr marL="3047924" indent="0" algn="ctr">
+              <a:buNone/>
+              <a:defRPr>
+                <a:solidFill>
+                  <a:schemeClr val="tx1">
+                    <a:tint val="75000"/>
+                  </a:schemeClr>
+                </a:solidFill>
+              </a:defRPr>
+            </a:lvl6pPr>
+            <a:lvl7pPr marL="3657509" indent="0" algn="ctr">
+              <a:buNone/>
+              <a:defRPr>
+                <a:solidFill>
+                  <a:schemeClr val="tx1">
+                    <a:tint val="75000"/>
+                  </a:schemeClr>
+                </a:solidFill>
+              </a:defRPr>
+            </a:lvl7pPr>
+            <a:lvl8pPr marL="4267093" indent="0" algn="ctr">
+              <a:buNone/>
+              <a:defRPr>
+                <a:solidFill>
+                  <a:schemeClr val="tx1">
+                    <a:tint val="75000"/>
+                  </a:schemeClr>
+                </a:solidFill>
+              </a:defRPr>
+            </a:lvl8pPr>
+            <a:lvl9pPr marL="4876678" indent="0" algn="ctr">
+              <a:buNone/>
+              <a:defRPr>
+                <a:solidFill>
+                  <a:schemeClr val="tx1">
+                    <a:tint val="75000"/>
+                  </a:schemeClr>
+                </a:solidFill>
+              </a:defRPr>
+            </a:lvl9pPr>
+          </a:lstStyle>
+          <a:p>
+            <a:r>
+              <a:rPr lang="en-US"/>
+              <a:t>Click to edit Master subtitle style</a:t>
+            </a:r>
+          </a:p>
+        </p:txBody>
+      </p:sp>
+      <p:sp>
+        <p:nvSpPr>
+          <p:cNvPr id="4" name="Date Placeholder 3"/>
+          <p:cNvSpPr>
+            <a:spLocks noGrp="1"/>
+          </p:cNvSpPr>
+          <p:nvPr>
+            <p:ph type="dt" sz="half" idx="10"/>
+          </p:nvPr>
+        </p:nvSpPr>
+        <p:spPr/>
+        <p:txBody>
+          <a:bodyPr/>
+          <a:lstStyle/>
+          <a:p>
+            <a:fld id="{D088F999-7A4E-6B4F-9FED-EF75B73AD044}" type="datetimeFigureOut">
+              <a:rPr lang="en-US" smtClean="0"/>
+              <a:t>9/22/2021</a:t>
+            </a:fld>
+            <a:endParaRPr lang="en-US"/>
+          </a:p>
+        </p:txBody>
+      </p:sp>
+      <p:sp>
+        <p:nvSpPr>
+          <p:cNvPr id="5" name="Footer Placeholder 4"/>
+          <p:cNvSpPr>
+            <a:spLocks noGrp="1"/>
+          </p:cNvSpPr>
+          <p:nvPr>
+            <p:ph type="ftr" sz="quarter" idx="11"/>
+          </p:nvPr>
+        </p:nvSpPr>
+        <p:spPr/>
+        <p:txBody>
+          <a:bodyPr/>
+          <a:lstStyle/>
+          <a:p>
+            <a:endParaRPr lang="en-US"/>
+          </a:p>
+        </p:txBody>
+      </p:sp>
+      <p:sp>
+        <p:nvSpPr>
+          <p:cNvPr id="6" name="Slide Number Placeholder 5"/>
+          <p:cNvSpPr>
+            <a:spLocks noGrp="1"/>
+          </p:cNvSpPr>
+          <p:nvPr>
+            <p:ph type="sldNum" sz="quarter" idx="12"/>
+          </p:nvPr>
+        </p:nvSpPr>
+        <p:spPr/>
+        <p:txBody>
+          <a:bodyPr/>
+          <a:lstStyle/>
+          <a:p>
+            <a:fld id="{5D024AAD-DF78-DE44-A1F3-EEB19EDC9165}" type="slidenum">
+              <a:rPr lang="en-US" smtClean="0"/>
+              <a:t>‹#›</a:t>
+            </a:fld>
+            <a:endParaRPr lang="en-US"/>
+          </a:p>
+        </p:txBody>
+      </p:sp>
+    </p:spTree>
+    <p:extLst>
+      <p:ext uri="{BB962C8B-B14F-4D97-AF65-F5344CB8AC3E}">
+        <p14:creationId xmlns:p14="http://schemas.microsoft.com/office/powerpoint/2010/main" val="1251035798"/>
+      </p:ext>
+    </p:extLst>
+  </p:cSld>
+  <p:clrMapOvr>
+    <a:masterClrMapping/>
+  </p:clrMapOvr>
+</p:sldLayout>
+</file>
+
+<file path=ppt/slideLayouts/slideLayout13.xml><?xml version="1.0" encoding="utf-8"?>
+<p:sldLayout xmlns:a="http://schemas.openxmlformats.org/drawingml/2006/main" xmlns:r="http://schemas.openxmlformats.org/officeDocument/2006/relationships" xmlns:p="http://schemas.openxmlformats.org/presentationml/2006/main" type="obj" preserve="1">
+  <p:cSld name="Title and Content">
+    <p:spTree>
+      <p:nvGrpSpPr>
+        <p:cNvPr id="1" name=""/>
+        <p:cNvGrpSpPr/>
+        <p:nvPr/>
+      </p:nvGrpSpPr>
+      <p:grpSpPr>
+        <a:xfrm>
+          <a:off x="0" y="0"/>
+          <a:ext cx="0" cy="0"/>
+          <a:chOff x="0" y="0"/>
+          <a:chExt cx="0" cy="0"/>
+        </a:xfrm>
+      </p:grpSpPr>
+      <p:sp>
+        <p:nvSpPr>
+          <p:cNvPr id="2" name="Title 1"/>
+          <p:cNvSpPr>
+            <a:spLocks noGrp="1"/>
+          </p:cNvSpPr>
+          <p:nvPr>
+            <p:ph type="title"/>
+          </p:nvPr>
+        </p:nvSpPr>
+        <p:spPr/>
+        <p:txBody>
+          <a:bodyPr/>
+          <a:lstStyle/>
+          <a:p>
+            <a:r>
+              <a:rPr lang="en-US"/>
+              <a:t>Click to edit Master title style</a:t>
+            </a:r>
+          </a:p>
+        </p:txBody>
+      </p:sp>
+      <p:sp>
+        <p:nvSpPr>
+          <p:cNvPr id="3" name="Content Placeholder 2"/>
+          <p:cNvSpPr>
+            <a:spLocks noGrp="1"/>
+          </p:cNvSpPr>
+          <p:nvPr>
+            <p:ph idx="1"/>
+          </p:nvPr>
+        </p:nvSpPr>
+        <p:spPr/>
+        <p:txBody>
+          <a:bodyPr/>
+          <a:lstStyle/>
+          <a:p>
+            <a:pPr lvl="0"/>
+            <a:r>
+              <a:rPr lang="en-US"/>
+              <a:t>Click to edit Master text styles</a:t>
+            </a:r>
+          </a:p>
+          <a:p>
+            <a:pPr lvl="1"/>
+            <a:r>
+              <a:rPr lang="en-US"/>
+              <a:t>Second level</a:t>
+            </a:r>
+          </a:p>
+          <a:p>
+            <a:pPr lvl="2"/>
+            <a:r>
+              <a:rPr lang="en-US"/>
+              <a:t>Third level</a:t>
+            </a:r>
+          </a:p>
+          <a:p>
+            <a:pPr lvl="3"/>
+            <a:r>
+              <a:rPr lang="en-US"/>
+              <a:t>Fourth level</a:t>
+            </a:r>
+          </a:p>
+          <a:p>
+            <a:pPr lvl="4"/>
+            <a:r>
+              <a:rPr lang="en-US"/>
+              <a:t>Fifth level</a:t>
+            </a:r>
+          </a:p>
+        </p:txBody>
+      </p:sp>
+      <p:sp>
+        <p:nvSpPr>
+          <p:cNvPr id="4" name="Date Placeholder 3"/>
+          <p:cNvSpPr>
+            <a:spLocks noGrp="1"/>
+          </p:cNvSpPr>
+          <p:nvPr>
+            <p:ph type="dt" sz="half" idx="10"/>
+          </p:nvPr>
+        </p:nvSpPr>
+        <p:spPr/>
+        <p:txBody>
+          <a:bodyPr/>
+          <a:lstStyle/>
+          <a:p>
+            <a:fld id="{D088F999-7A4E-6B4F-9FED-EF75B73AD044}" type="datetimeFigureOut">
+              <a:rPr lang="en-US" smtClean="0"/>
+              <a:t>9/22/2021</a:t>
+            </a:fld>
+            <a:endParaRPr lang="en-US"/>
+          </a:p>
+        </p:txBody>
+      </p:sp>
+      <p:sp>
+        <p:nvSpPr>
+          <p:cNvPr id="5" name="Footer Placeholder 4"/>
+          <p:cNvSpPr>
+            <a:spLocks noGrp="1"/>
+          </p:cNvSpPr>
+          <p:nvPr>
+            <p:ph type="ftr" sz="quarter" idx="11"/>
+          </p:nvPr>
+        </p:nvSpPr>
+        <p:spPr/>
+        <p:txBody>
+          <a:bodyPr/>
+          <a:lstStyle/>
+          <a:p>
+            <a:endParaRPr lang="en-US"/>
+          </a:p>
+        </p:txBody>
+      </p:sp>
+      <p:sp>
+        <p:nvSpPr>
+          <p:cNvPr id="6" name="Slide Number Placeholder 5"/>
+          <p:cNvSpPr>
+            <a:spLocks noGrp="1"/>
+          </p:cNvSpPr>
+          <p:nvPr>
+            <p:ph type="sldNum" sz="quarter" idx="12"/>
+          </p:nvPr>
+        </p:nvSpPr>
+        <p:spPr/>
+        <p:txBody>
+          <a:bodyPr/>
+          <a:lstStyle/>
+          <a:p>
+            <a:fld id="{5D024AAD-DF78-DE44-A1F3-EEB19EDC9165}" type="slidenum">
+              <a:rPr lang="en-US" smtClean="0"/>
+              <a:t>‹#›</a:t>
+            </a:fld>
+            <a:endParaRPr lang="en-US"/>
+          </a:p>
+        </p:txBody>
+      </p:sp>
+    </p:spTree>
+    <p:extLst>
+      <p:ext uri="{BB962C8B-B14F-4D97-AF65-F5344CB8AC3E}">
+        <p14:creationId xmlns:p14="http://schemas.microsoft.com/office/powerpoint/2010/main" val="995756290"/>
+      </p:ext>
+    </p:extLst>
+  </p:cSld>
+  <p:clrMapOvr>
+    <a:masterClrMapping/>
+  </p:clrMapOvr>
+</p:sldLayout>
+</file>
+
+<file path=ppt/slideLayouts/slideLayout14.xml><?xml version="1.0" encoding="utf-8"?>
+<p:sldLayout xmlns:a="http://schemas.openxmlformats.org/drawingml/2006/main" xmlns:r="http://schemas.openxmlformats.org/officeDocument/2006/relationships" xmlns:p="http://schemas.openxmlformats.org/presentationml/2006/main" type="secHead" preserve="1">
+  <p:cSld name="Section Header">
+    <p:spTree>
+      <p:nvGrpSpPr>
+        <p:cNvPr id="1" name=""/>
+        <p:cNvGrpSpPr/>
+        <p:nvPr/>
+      </p:nvGrpSpPr>
+      <p:grpSpPr>
+        <a:xfrm>
+          <a:off x="0" y="0"/>
+          <a:ext cx="0" cy="0"/>
+          <a:chOff x="0" y="0"/>
+          <a:chExt cx="0" cy="0"/>
+        </a:xfrm>
+      </p:grpSpPr>
+      <p:sp>
+        <p:nvSpPr>
+          <p:cNvPr id="2" name="Title 1"/>
+          <p:cNvSpPr>
+            <a:spLocks noGrp="1"/>
+          </p:cNvSpPr>
+          <p:nvPr>
+            <p:ph type="title"/>
+          </p:nvPr>
+        </p:nvSpPr>
+        <p:spPr>
+          <a:xfrm>
+            <a:off x="963084" y="4406900"/>
+            <a:ext cx="10363200" cy="1363133"/>
+          </a:xfrm>
+        </p:spPr>
+        <p:txBody>
+          <a:bodyPr anchor="t"/>
+          <a:lstStyle>
+            <a:lvl1pPr algn="l">
+              <a:defRPr sz="5333" b="1" cap="all"/>
+            </a:lvl1pPr>
+          </a:lstStyle>
+          <a:p>
+            <a:r>
+              <a:rPr lang="en-US"/>
+              <a:t>Click to edit Master title style</a:t>
+            </a:r>
+          </a:p>
+        </p:txBody>
+      </p:sp>
+      <p:sp>
+        <p:nvSpPr>
+          <p:cNvPr id="3" name="Text Placeholder 2"/>
+          <p:cNvSpPr>
+            <a:spLocks noGrp="1"/>
+          </p:cNvSpPr>
+          <p:nvPr>
+            <p:ph type="body" idx="1"/>
+          </p:nvPr>
+        </p:nvSpPr>
+        <p:spPr>
+          <a:xfrm>
+            <a:off x="963084" y="2906185"/>
+            <a:ext cx="10363200" cy="1500716"/>
+          </a:xfrm>
+        </p:spPr>
+        <p:txBody>
+          <a:bodyPr anchor="b"/>
+          <a:lstStyle>
+            <a:lvl1pPr marL="0" indent="0">
+              <a:buNone/>
+              <a:defRPr sz="2667">
+                <a:solidFill>
+                  <a:schemeClr val="tx1">
+                    <a:tint val="75000"/>
+                  </a:schemeClr>
+                </a:solidFill>
+              </a:defRPr>
+            </a:lvl1pPr>
+            <a:lvl2pPr marL="609585" indent="0">
+              <a:buNone/>
+              <a:defRPr sz="2400">
+                <a:solidFill>
+                  <a:schemeClr val="tx1">
+                    <a:tint val="75000"/>
+                  </a:schemeClr>
+                </a:solidFill>
+              </a:defRPr>
+            </a:lvl2pPr>
+            <a:lvl3pPr marL="1219170" indent="0">
+              <a:buNone/>
+              <a:defRPr sz="2133">
+                <a:solidFill>
+                  <a:schemeClr val="tx1">
+                    <a:tint val="75000"/>
+                  </a:schemeClr>
+                </a:solidFill>
+              </a:defRPr>
+            </a:lvl3pPr>
+            <a:lvl4pPr marL="1828754" indent="0">
+              <a:buNone/>
+              <a:defRPr sz="1867">
+                <a:solidFill>
+                  <a:schemeClr val="tx1">
+                    <a:tint val="75000"/>
+                  </a:schemeClr>
+                </a:solidFill>
+              </a:defRPr>
+            </a:lvl4pPr>
+            <a:lvl5pPr marL="2438339" indent="0">
+              <a:buNone/>
+              <a:defRPr sz="1867">
+                <a:solidFill>
+                  <a:schemeClr val="tx1">
+                    <a:tint val="75000"/>
+                  </a:schemeClr>
+                </a:solidFill>
+              </a:defRPr>
+            </a:lvl5pPr>
+            <a:lvl6pPr marL="3047924" indent="0">
+              <a:buNone/>
+              <a:defRPr sz="1867">
+                <a:solidFill>
+                  <a:schemeClr val="tx1">
+                    <a:tint val="75000"/>
+                  </a:schemeClr>
+                </a:solidFill>
+              </a:defRPr>
+            </a:lvl6pPr>
+            <a:lvl7pPr marL="3657509" indent="0">
+              <a:buNone/>
+              <a:defRPr sz="1867">
+                <a:solidFill>
+                  <a:schemeClr val="tx1">
+                    <a:tint val="75000"/>
+                  </a:schemeClr>
+                </a:solidFill>
+              </a:defRPr>
+            </a:lvl7pPr>
+            <a:lvl8pPr marL="4267093" indent="0">
+              <a:buNone/>
+              <a:defRPr sz="1867">
+                <a:solidFill>
+                  <a:schemeClr val="tx1">
+                    <a:tint val="75000"/>
+                  </a:schemeClr>
+                </a:solidFill>
+              </a:defRPr>
+            </a:lvl8pPr>
+            <a:lvl9pPr marL="4876678" indent="0">
+              <a:buNone/>
+              <a:defRPr sz="1867">
+                <a:solidFill>
+                  <a:schemeClr val="tx1">
+                    <a:tint val="75000"/>
+                  </a:schemeClr>
+                </a:solidFill>
+              </a:defRPr>
+            </a:lvl9pPr>
+          </a:lstStyle>
+          <a:p>
+            <a:pPr lvl="0"/>
+            <a:r>
+              <a:rPr lang="en-US"/>
+              <a:t>Click to edit Master text styles</a:t>
+            </a:r>
+          </a:p>
+        </p:txBody>
+      </p:sp>
+      <p:sp>
+        <p:nvSpPr>
+          <p:cNvPr id="4" name="Date Placeholder 3"/>
+          <p:cNvSpPr>
+            <a:spLocks noGrp="1"/>
+          </p:cNvSpPr>
+          <p:nvPr>
+            <p:ph type="dt" sz="half" idx="10"/>
+          </p:nvPr>
+        </p:nvSpPr>
+        <p:spPr/>
+        <p:txBody>
+          <a:bodyPr/>
+          <a:lstStyle/>
+          <a:p>
+            <a:fld id="{D088F999-7A4E-6B4F-9FED-EF75B73AD044}" type="datetimeFigureOut">
+              <a:rPr lang="en-US" smtClean="0"/>
+              <a:t>9/22/2021</a:t>
+            </a:fld>
+            <a:endParaRPr lang="en-US"/>
+          </a:p>
+        </p:txBody>
+      </p:sp>
+      <p:sp>
+        <p:nvSpPr>
+          <p:cNvPr id="5" name="Footer Placeholder 4"/>
+          <p:cNvSpPr>
+            <a:spLocks noGrp="1"/>
+          </p:cNvSpPr>
+          <p:nvPr>
+            <p:ph type="ftr" sz="quarter" idx="11"/>
+          </p:nvPr>
+        </p:nvSpPr>
+        <p:spPr/>
+        <p:txBody>
+          <a:bodyPr/>
+          <a:lstStyle/>
+          <a:p>
+            <a:endParaRPr lang="en-US"/>
+          </a:p>
+        </p:txBody>
+      </p:sp>
+      <p:sp>
+        <p:nvSpPr>
+          <p:cNvPr id="6" name="Slide Number Placeholder 5"/>
+          <p:cNvSpPr>
+            <a:spLocks noGrp="1"/>
+          </p:cNvSpPr>
+          <p:nvPr>
+            <p:ph type="sldNum" sz="quarter" idx="12"/>
+          </p:nvPr>
+        </p:nvSpPr>
+        <p:spPr/>
+        <p:txBody>
+          <a:bodyPr/>
+          <a:lstStyle/>
+          <a:p>
+            <a:fld id="{5D024AAD-DF78-DE44-A1F3-EEB19EDC9165}" type="slidenum">
+              <a:rPr lang="en-US" smtClean="0"/>
+              <a:t>‹#›</a:t>
+            </a:fld>
+            <a:endParaRPr lang="en-US"/>
+          </a:p>
+        </p:txBody>
+      </p:sp>
+    </p:spTree>
+    <p:extLst>
+      <p:ext uri="{BB962C8B-B14F-4D97-AF65-F5344CB8AC3E}">
+        <p14:creationId xmlns:p14="http://schemas.microsoft.com/office/powerpoint/2010/main" val="2816254095"/>
+      </p:ext>
+    </p:extLst>
+  </p:cSld>
+  <p:clrMapOvr>
+    <a:masterClrMapping/>
+  </p:clrMapOvr>
+</p:sldLayout>
+</file>
+
+<file path=ppt/slideLayouts/slideLayout15.xml><?xml version="1.0" encoding="utf-8"?>
+<p:sldLayout xmlns:a="http://schemas.openxmlformats.org/drawingml/2006/main" xmlns:r="http://schemas.openxmlformats.org/officeDocument/2006/relationships" xmlns:p="http://schemas.openxmlformats.org/presentationml/2006/main" type="twoObj" preserve="1">
+  <p:cSld name="Two Content">
+    <p:spTree>
+      <p:nvGrpSpPr>
+        <p:cNvPr id="1" name=""/>
+        <p:cNvGrpSpPr/>
+        <p:nvPr/>
+      </p:nvGrpSpPr>
+      <p:grpSpPr>
+        <a:xfrm>
+          <a:off x="0" y="0"/>
+          <a:ext cx="0" cy="0"/>
+          <a:chOff x="0" y="0"/>
+          <a:chExt cx="0" cy="0"/>
+        </a:xfrm>
+      </p:grpSpPr>
+      <p:sp>
+        <p:nvSpPr>
+          <p:cNvPr id="2" name="Title 1"/>
+          <p:cNvSpPr>
+            <a:spLocks noGrp="1"/>
+          </p:cNvSpPr>
+          <p:nvPr>
+            <p:ph type="title"/>
+          </p:nvPr>
+        </p:nvSpPr>
+        <p:spPr/>
+        <p:txBody>
+          <a:bodyPr/>
+          <a:lstStyle/>
+          <a:p>
+            <a:r>
+              <a:rPr lang="en-US"/>
+              <a:t>Click to edit Master title style</a:t>
+            </a:r>
+          </a:p>
+        </p:txBody>
+      </p:sp>
+      <p:sp>
+        <p:nvSpPr>
+          <p:cNvPr id="3" name="Content Placeholder 2"/>
+          <p:cNvSpPr>
+            <a:spLocks noGrp="1"/>
+          </p:cNvSpPr>
+          <p:nvPr>
+            <p:ph sz="half" idx="1"/>
+          </p:nvPr>
+        </p:nvSpPr>
+        <p:spPr>
+          <a:xfrm>
+            <a:off x="609600" y="1600201"/>
+            <a:ext cx="5384800" cy="4525433"/>
+          </a:xfrm>
+        </p:spPr>
+        <p:txBody>
+          <a:bodyPr/>
+          <a:lstStyle>
+            <a:lvl1pPr>
+              <a:defRPr sz="3733"/>
+            </a:lvl1pPr>
+            <a:lvl2pPr>
+              <a:defRPr sz="3200"/>
+            </a:lvl2pPr>
+            <a:lvl3pPr>
+              <a:defRPr sz="2667"/>
+            </a:lvl3pPr>
+            <a:lvl4pPr>
+              <a:defRPr sz="2400"/>
+            </a:lvl4pPr>
+            <a:lvl5pPr>
+              <a:defRPr sz="2400"/>
+            </a:lvl5pPr>
+            <a:lvl6pPr>
+              <a:defRPr sz="2400"/>
+            </a:lvl6pPr>
+            <a:lvl7pPr>
+              <a:defRPr sz="2400"/>
+            </a:lvl7pPr>
+            <a:lvl8pPr>
+              <a:defRPr sz="2400"/>
+            </a:lvl8pPr>
+            <a:lvl9pPr>
+              <a:defRPr sz="2400"/>
+            </a:lvl9pPr>
+          </a:lstStyle>
+          <a:p>
+            <a:pPr lvl="0"/>
+            <a:r>
+              <a:rPr lang="en-US"/>
+              <a:t>Click to edit Master text styles</a:t>
+            </a:r>
+          </a:p>
+          <a:p>
+            <a:pPr lvl="1"/>
+            <a:r>
+              <a:rPr lang="en-US"/>
+              <a:t>Second level</a:t>
+            </a:r>
+          </a:p>
+          <a:p>
+            <a:pPr lvl="2"/>
+            <a:r>
+              <a:rPr lang="en-US"/>
+              <a:t>Third level</a:t>
+            </a:r>
+          </a:p>
+          <a:p>
+            <a:pPr lvl="3"/>
+            <a:r>
+              <a:rPr lang="en-US"/>
+              <a:t>Fourth level</a:t>
+            </a:r>
+          </a:p>
+          <a:p>
+            <a:pPr lvl="4"/>
+            <a:r>
+              <a:rPr lang="en-US"/>
+              <a:t>Fifth level</a:t>
+            </a:r>
+          </a:p>
+        </p:txBody>
+      </p:sp>
+      <p:sp>
+        <p:nvSpPr>
+          <p:cNvPr id="4" name="Content Placeholder 3"/>
+          <p:cNvSpPr>
+            <a:spLocks noGrp="1"/>
+          </p:cNvSpPr>
+          <p:nvPr>
+            <p:ph sz="half" idx="2"/>
+          </p:nvPr>
+        </p:nvSpPr>
+        <p:spPr>
+          <a:xfrm>
+            <a:off x="6197600" y="1600201"/>
+            <a:ext cx="5384800" cy="4525433"/>
+          </a:xfrm>
+        </p:spPr>
+        <p:txBody>
+          <a:bodyPr/>
+          <a:lstStyle>
+            <a:lvl1pPr>
+              <a:defRPr sz="3733"/>
+            </a:lvl1pPr>
+            <a:lvl2pPr>
+              <a:defRPr sz="3200"/>
+            </a:lvl2pPr>
+            <a:lvl3pPr>
+              <a:defRPr sz="2667"/>
+            </a:lvl3pPr>
+            <a:lvl4pPr>
+              <a:defRPr sz="2400"/>
+            </a:lvl4pPr>
+            <a:lvl5pPr>
+              <a:defRPr sz="2400"/>
+            </a:lvl5pPr>
+            <a:lvl6pPr>
+              <a:defRPr sz="2400"/>
+            </a:lvl6pPr>
+            <a:lvl7pPr>
+              <a:defRPr sz="2400"/>
+            </a:lvl7pPr>
+            <a:lvl8pPr>
+              <a:defRPr sz="2400"/>
+            </a:lvl8pPr>
+            <a:lvl9pPr>
+              <a:defRPr sz="2400"/>
+            </a:lvl9pPr>
+          </a:lstStyle>
+          <a:p>
+            <a:pPr lvl="0"/>
+            <a:r>
+              <a:rPr lang="en-US"/>
+              <a:t>Click to edit Master text styles</a:t>
+            </a:r>
+          </a:p>
+          <a:p>
+            <a:pPr lvl="1"/>
+            <a:r>
+              <a:rPr lang="en-US"/>
+              <a:t>Second level</a:t>
+            </a:r>
+          </a:p>
+          <a:p>
+            <a:pPr lvl="2"/>
+            <a:r>
+              <a:rPr lang="en-US"/>
+              <a:t>Third level</a:t>
+            </a:r>
+          </a:p>
+          <a:p>
+            <a:pPr lvl="3"/>
+            <a:r>
+              <a:rPr lang="en-US"/>
+              <a:t>Fourth level</a:t>
+            </a:r>
+          </a:p>
+          <a:p>
+            <a:pPr lvl="4"/>
+            <a:r>
+              <a:rPr lang="en-US"/>
+              <a:t>Fifth level</a:t>
+            </a:r>
+          </a:p>
+        </p:txBody>
+      </p:sp>
+      <p:sp>
+        <p:nvSpPr>
+          <p:cNvPr id="5" name="Date Placeholder 4"/>
+          <p:cNvSpPr>
+            <a:spLocks noGrp="1"/>
+          </p:cNvSpPr>
+          <p:nvPr>
+            <p:ph type="dt" sz="half" idx="10"/>
+          </p:nvPr>
+        </p:nvSpPr>
+        <p:spPr/>
+        <p:txBody>
+          <a:bodyPr/>
+          <a:lstStyle/>
+          <a:p>
+            <a:fld id="{D088F999-7A4E-6B4F-9FED-EF75B73AD044}" type="datetimeFigureOut">
+              <a:rPr lang="en-US" smtClean="0"/>
+              <a:t>9/22/2021</a:t>
+            </a:fld>
+            <a:endParaRPr lang="en-US"/>
+          </a:p>
+        </p:txBody>
+      </p:sp>
+      <p:sp>
+        <p:nvSpPr>
+          <p:cNvPr id="6" name="Footer Placeholder 5"/>
+          <p:cNvSpPr>
+            <a:spLocks noGrp="1"/>
+          </p:cNvSpPr>
+          <p:nvPr>
+            <p:ph type="ftr" sz="quarter" idx="11"/>
+          </p:nvPr>
+        </p:nvSpPr>
+        <p:spPr/>
+        <p:txBody>
+          <a:bodyPr/>
+          <a:lstStyle/>
+          <a:p>
+            <a:endParaRPr lang="en-US"/>
+          </a:p>
+        </p:txBody>
+      </p:sp>
+      <p:sp>
+        <p:nvSpPr>
+          <p:cNvPr id="7" name="Slide Number Placeholder 6"/>
+          <p:cNvSpPr>
+            <a:spLocks noGrp="1"/>
+          </p:cNvSpPr>
+          <p:nvPr>
+            <p:ph type="sldNum" sz="quarter" idx="12"/>
+          </p:nvPr>
+        </p:nvSpPr>
+        <p:spPr/>
+        <p:txBody>
+          <a:bodyPr/>
+          <a:lstStyle/>
+          <a:p>
+            <a:fld id="{5D024AAD-DF78-DE44-A1F3-EEB19EDC9165}" type="slidenum">
+              <a:rPr lang="en-US" smtClean="0"/>
+              <a:t>‹#›</a:t>
+            </a:fld>
+            <a:endParaRPr lang="en-US"/>
+          </a:p>
+        </p:txBody>
+      </p:sp>
+    </p:spTree>
+    <p:extLst>
+      <p:ext uri="{BB962C8B-B14F-4D97-AF65-F5344CB8AC3E}">
+        <p14:creationId xmlns:p14="http://schemas.microsoft.com/office/powerpoint/2010/main" val="1459030718"/>
+      </p:ext>
+    </p:extLst>
+  </p:cSld>
+  <p:clrMapOvr>
+    <a:masterClrMapping/>
+  </p:clrMapOvr>
+</p:sldLayout>
+</file>
+
+<file path=ppt/slideLayouts/slideLayout16.xml><?xml version="1.0" encoding="utf-8"?>
+<p:sldLayout xmlns:a="http://schemas.openxmlformats.org/drawingml/2006/main" xmlns:r="http://schemas.openxmlformats.org/officeDocument/2006/relationships" xmlns:p="http://schemas.openxmlformats.org/presentationml/2006/main" type="twoTxTwoObj" preserve="1">
+  <p:cSld name="Comparison">
+    <p:spTree>
+      <p:nvGrpSpPr>
+        <p:cNvPr id="1" name=""/>
+        <p:cNvGrpSpPr/>
+        <p:nvPr/>
+      </p:nvGrpSpPr>
+      <p:grpSpPr>
+        <a:xfrm>
+          <a:off x="0" y="0"/>
+          <a:ext cx="0" cy="0"/>
+          <a:chOff x="0" y="0"/>
+          <a:chExt cx="0" cy="0"/>
+        </a:xfrm>
+      </p:grpSpPr>
+      <p:sp>
+        <p:nvSpPr>
+          <p:cNvPr id="2" name="Title 1"/>
+          <p:cNvSpPr>
+            <a:spLocks noGrp="1"/>
+          </p:cNvSpPr>
+          <p:nvPr>
+            <p:ph type="title"/>
+          </p:nvPr>
+        </p:nvSpPr>
+        <p:spPr/>
+        <p:txBody>
+          <a:bodyPr/>
+          <a:lstStyle>
+            <a:lvl1pPr>
+              <a:defRPr/>
+            </a:lvl1pPr>
+          </a:lstStyle>
+          <a:p>
+            <a:r>
+              <a:rPr lang="en-US"/>
+              <a:t>Click to edit Master title style</a:t>
+            </a:r>
+          </a:p>
+        </p:txBody>
+      </p:sp>
+      <p:sp>
+        <p:nvSpPr>
+          <p:cNvPr id="3" name="Text Placeholder 2"/>
+          <p:cNvSpPr>
+            <a:spLocks noGrp="1"/>
+          </p:cNvSpPr>
+          <p:nvPr>
+            <p:ph type="body" idx="1"/>
+          </p:nvPr>
+        </p:nvSpPr>
+        <p:spPr>
+          <a:xfrm>
+            <a:off x="609600" y="1534584"/>
+            <a:ext cx="5386917" cy="641349"/>
+          </a:xfrm>
+        </p:spPr>
+        <p:txBody>
+          <a:bodyPr anchor="b"/>
+          <a:lstStyle>
+            <a:lvl1pPr marL="0" indent="0">
+              <a:buNone/>
+              <a:defRPr sz="3200" b="1"/>
+            </a:lvl1pPr>
+            <a:lvl2pPr marL="609585" indent="0">
+              <a:buNone/>
+              <a:defRPr sz="2667" b="1"/>
+            </a:lvl2pPr>
+            <a:lvl3pPr marL="1219170" indent="0">
+              <a:buNone/>
+              <a:defRPr sz="2400" b="1"/>
+            </a:lvl3pPr>
+            <a:lvl4pPr marL="1828754" indent="0">
+              <a:buNone/>
+              <a:defRPr sz="2133" b="1"/>
+            </a:lvl4pPr>
+            <a:lvl5pPr marL="2438339" indent="0">
+              <a:buNone/>
+              <a:defRPr sz="2133" b="1"/>
+            </a:lvl5pPr>
+            <a:lvl6pPr marL="3047924" indent="0">
+              <a:buNone/>
+              <a:defRPr sz="2133" b="1"/>
+            </a:lvl6pPr>
+            <a:lvl7pPr marL="3657509" indent="0">
+              <a:buNone/>
+              <a:defRPr sz="2133" b="1"/>
+            </a:lvl7pPr>
+            <a:lvl8pPr marL="4267093" indent="0">
+              <a:buNone/>
+              <a:defRPr sz="2133" b="1"/>
+            </a:lvl8pPr>
+            <a:lvl9pPr marL="4876678" indent="0">
+              <a:buNone/>
+              <a:defRPr sz="2133" b="1"/>
+            </a:lvl9pPr>
+          </a:lstStyle>
+          <a:p>
+            <a:pPr lvl="0"/>
+            <a:r>
+              <a:rPr lang="en-US"/>
+              <a:t>Click to edit Master text styles</a:t>
+            </a:r>
+          </a:p>
+        </p:txBody>
+      </p:sp>
+      <p:sp>
+        <p:nvSpPr>
+          <p:cNvPr id="4" name="Content Placeholder 3"/>
+          <p:cNvSpPr>
+            <a:spLocks noGrp="1"/>
+          </p:cNvSpPr>
+          <p:nvPr>
+            <p:ph sz="half" idx="2"/>
+          </p:nvPr>
+        </p:nvSpPr>
+        <p:spPr>
+          <a:xfrm>
+            <a:off x="609600" y="2175934"/>
+            <a:ext cx="5386917" cy="3949700"/>
+          </a:xfrm>
+        </p:spPr>
+        <p:txBody>
+          <a:bodyPr/>
+          <a:lstStyle>
+            <a:lvl1pPr>
+              <a:defRPr sz="3200"/>
+            </a:lvl1pPr>
+            <a:lvl2pPr>
+              <a:defRPr sz="2667"/>
+            </a:lvl2pPr>
+            <a:lvl3pPr>
+              <a:defRPr sz="2400"/>
+            </a:lvl3pPr>
+            <a:lvl4pPr>
+              <a:defRPr sz="2133"/>
+            </a:lvl4pPr>
+            <a:lvl5pPr>
+              <a:defRPr sz="2133"/>
+            </a:lvl5pPr>
+            <a:lvl6pPr>
+              <a:defRPr sz="2133"/>
+            </a:lvl6pPr>
+            <a:lvl7pPr>
+              <a:defRPr sz="2133"/>
+            </a:lvl7pPr>
+            <a:lvl8pPr>
+              <a:defRPr sz="2133"/>
+            </a:lvl8pPr>
+            <a:lvl9pPr>
+              <a:defRPr sz="2133"/>
+            </a:lvl9pPr>
+          </a:lstStyle>
+          <a:p>
+            <a:pPr lvl="0"/>
+            <a:r>
+              <a:rPr lang="en-US"/>
+              <a:t>Click to edit Master text styles</a:t>
+            </a:r>
+          </a:p>
+          <a:p>
+            <a:pPr lvl="1"/>
+            <a:r>
+              <a:rPr lang="en-US"/>
+              <a:t>Second level</a:t>
+            </a:r>
+          </a:p>
+          <a:p>
+            <a:pPr lvl="2"/>
+            <a:r>
+              <a:rPr lang="en-US"/>
+              <a:t>Third level</a:t>
+            </a:r>
+          </a:p>
+          <a:p>
+            <a:pPr lvl="3"/>
+            <a:r>
+              <a:rPr lang="en-US"/>
+              <a:t>Fourth level</a:t>
+            </a:r>
+          </a:p>
+          <a:p>
+            <a:pPr lvl="4"/>
+            <a:r>
+              <a:rPr lang="en-US"/>
+              <a:t>Fifth level</a:t>
+            </a:r>
+          </a:p>
+        </p:txBody>
+      </p:sp>
+      <p:sp>
+        <p:nvSpPr>
+          <p:cNvPr id="5" name="Text Placeholder 4"/>
+          <p:cNvSpPr>
+            <a:spLocks noGrp="1"/>
+          </p:cNvSpPr>
+          <p:nvPr>
+            <p:ph type="body" sz="quarter" idx="3"/>
+          </p:nvPr>
+        </p:nvSpPr>
+        <p:spPr>
+          <a:xfrm>
+            <a:off x="6193368" y="1534584"/>
+            <a:ext cx="5389033" cy="641349"/>
+          </a:xfrm>
+        </p:spPr>
+        <p:txBody>
+          <a:bodyPr anchor="b"/>
+          <a:lstStyle>
+            <a:lvl1pPr marL="0" indent="0">
+              <a:buNone/>
+              <a:defRPr sz="3200" b="1"/>
+            </a:lvl1pPr>
+            <a:lvl2pPr marL="609585" indent="0">
+              <a:buNone/>
+              <a:defRPr sz="2667" b="1"/>
+            </a:lvl2pPr>
+            <a:lvl3pPr marL="1219170" indent="0">
+              <a:buNone/>
+              <a:defRPr sz="2400" b="1"/>
+            </a:lvl3pPr>
+            <a:lvl4pPr marL="1828754" indent="0">
+              <a:buNone/>
+              <a:defRPr sz="2133" b="1"/>
+            </a:lvl4pPr>
+            <a:lvl5pPr marL="2438339" indent="0">
+              <a:buNone/>
+              <a:defRPr sz="2133" b="1"/>
+            </a:lvl5pPr>
+            <a:lvl6pPr marL="3047924" indent="0">
+              <a:buNone/>
+              <a:defRPr sz="2133" b="1"/>
+            </a:lvl6pPr>
+            <a:lvl7pPr marL="3657509" indent="0">
+              <a:buNone/>
+              <a:defRPr sz="2133" b="1"/>
+            </a:lvl7pPr>
+            <a:lvl8pPr marL="4267093" indent="0">
+              <a:buNone/>
+              <a:defRPr sz="2133" b="1"/>
+            </a:lvl8pPr>
+            <a:lvl9pPr marL="4876678" indent="0">
+              <a:buNone/>
+              <a:defRPr sz="2133" b="1"/>
+            </a:lvl9pPr>
+          </a:lstStyle>
+          <a:p>
+            <a:pPr lvl="0"/>
+            <a:r>
+              <a:rPr lang="en-US"/>
+              <a:t>Click to edit Master text styles</a:t>
+            </a:r>
+          </a:p>
+        </p:txBody>
+      </p:sp>
+      <p:sp>
+        <p:nvSpPr>
+          <p:cNvPr id="6" name="Content Placeholder 5"/>
+          <p:cNvSpPr>
+            <a:spLocks noGrp="1"/>
+          </p:cNvSpPr>
+          <p:nvPr>
+            <p:ph sz="quarter" idx="4"/>
+          </p:nvPr>
+        </p:nvSpPr>
+        <p:spPr>
+          <a:xfrm>
+            <a:off x="6193368" y="2175934"/>
+            <a:ext cx="5389033" cy="3949700"/>
+          </a:xfrm>
+        </p:spPr>
+        <p:txBody>
+          <a:bodyPr/>
+          <a:lstStyle>
+            <a:lvl1pPr>
+              <a:defRPr sz="3200"/>
+            </a:lvl1pPr>
+            <a:lvl2pPr>
+              <a:defRPr sz="2667"/>
+            </a:lvl2pPr>
+            <a:lvl3pPr>
+              <a:defRPr sz="2400"/>
+            </a:lvl3pPr>
+            <a:lvl4pPr>
+              <a:defRPr sz="2133"/>
+            </a:lvl4pPr>
+            <a:lvl5pPr>
+              <a:defRPr sz="2133"/>
+            </a:lvl5pPr>
+            <a:lvl6pPr>
+              <a:defRPr sz="2133"/>
+            </a:lvl6pPr>
+            <a:lvl7pPr>
+              <a:defRPr sz="2133"/>
+            </a:lvl7pPr>
+            <a:lvl8pPr>
+              <a:defRPr sz="2133"/>
+            </a:lvl8pPr>
+            <a:lvl9pPr>
+              <a:defRPr sz="2133"/>
+            </a:lvl9pPr>
+          </a:lstStyle>
+          <a:p>
+            <a:pPr lvl="0"/>
+            <a:r>
+              <a:rPr lang="en-US"/>
+              <a:t>Click to edit Master text styles</a:t>
+            </a:r>
+          </a:p>
+          <a:p>
+            <a:pPr lvl="1"/>
+            <a:r>
+              <a:rPr lang="en-US"/>
+              <a:t>Second level</a:t>
+            </a:r>
+          </a:p>
+          <a:p>
+            <a:pPr lvl="2"/>
+            <a:r>
+              <a:rPr lang="en-US"/>
+              <a:t>Third level</a:t>
+            </a:r>
+          </a:p>
+          <a:p>
+            <a:pPr lvl="3"/>
+            <a:r>
+              <a:rPr lang="en-US"/>
+              <a:t>Fourth level</a:t>
+            </a:r>
+          </a:p>
+          <a:p>
+            <a:pPr lvl="4"/>
+            <a:r>
+              <a:rPr lang="en-US"/>
+              <a:t>Fifth level</a:t>
+            </a:r>
+          </a:p>
+        </p:txBody>
+      </p:sp>
+      <p:sp>
+        <p:nvSpPr>
+          <p:cNvPr id="7" name="Date Placeholder 6"/>
+          <p:cNvSpPr>
+            <a:spLocks noGrp="1"/>
+          </p:cNvSpPr>
+          <p:nvPr>
+            <p:ph type="dt" sz="half" idx="10"/>
+          </p:nvPr>
+        </p:nvSpPr>
+        <p:spPr/>
+        <p:txBody>
+          <a:bodyPr/>
+          <a:lstStyle/>
+          <a:p>
+            <a:fld id="{D088F999-7A4E-6B4F-9FED-EF75B73AD044}" type="datetimeFigureOut">
+              <a:rPr lang="en-US" smtClean="0"/>
+              <a:t>9/22/2021</a:t>
+            </a:fld>
+            <a:endParaRPr lang="en-US"/>
+          </a:p>
+        </p:txBody>
+      </p:sp>
+      <p:sp>
+        <p:nvSpPr>
+          <p:cNvPr id="8" name="Footer Placeholder 7"/>
+          <p:cNvSpPr>
+            <a:spLocks noGrp="1"/>
+          </p:cNvSpPr>
+          <p:nvPr>
+            <p:ph type="ftr" sz="quarter" idx="11"/>
+          </p:nvPr>
+        </p:nvSpPr>
+        <p:spPr/>
+        <p:txBody>
+          <a:bodyPr/>
+          <a:lstStyle/>
+          <a:p>
+            <a:endParaRPr lang="en-US"/>
+          </a:p>
+        </p:txBody>
+      </p:sp>
+      <p:sp>
+        <p:nvSpPr>
+          <p:cNvPr id="9" name="Slide Number Placeholder 8"/>
+          <p:cNvSpPr>
+            <a:spLocks noGrp="1"/>
+          </p:cNvSpPr>
+          <p:nvPr>
+            <p:ph type="sldNum" sz="quarter" idx="12"/>
+          </p:nvPr>
+        </p:nvSpPr>
+        <p:spPr/>
+        <p:txBody>
+          <a:bodyPr/>
+          <a:lstStyle/>
+          <a:p>
+            <a:fld id="{5D024AAD-DF78-DE44-A1F3-EEB19EDC9165}" type="slidenum">
+              <a:rPr lang="en-US" smtClean="0"/>
+              <a:t>‹#›</a:t>
+            </a:fld>
+            <a:endParaRPr lang="en-US"/>
+          </a:p>
+        </p:txBody>
+      </p:sp>
+    </p:spTree>
+    <p:extLst>
+      <p:ext uri="{BB962C8B-B14F-4D97-AF65-F5344CB8AC3E}">
+        <p14:creationId xmlns:p14="http://schemas.microsoft.com/office/powerpoint/2010/main" val="2605384073"/>
+      </p:ext>
+    </p:extLst>
+  </p:cSld>
+  <p:clrMapOvr>
+    <a:masterClrMapping/>
+  </p:clrMapOvr>
+</p:sldLayout>
+</file>
+
+<file path=ppt/slideLayouts/slideLayout17.xml><?xml version="1.0" encoding="utf-8"?>
+<p:sldLayout xmlns:a="http://schemas.openxmlformats.org/drawingml/2006/main" xmlns:r="http://schemas.openxmlformats.org/officeDocument/2006/relationships" xmlns:p="http://schemas.openxmlformats.org/presentationml/2006/main" type="titleOnly" preserve="1">
+  <p:cSld name="Title Only">
+    <p:spTree>
+      <p:nvGrpSpPr>
+        <p:cNvPr id="1" name=""/>
+        <p:cNvGrpSpPr/>
+        <p:nvPr/>
+      </p:nvGrpSpPr>
+      <p:grpSpPr>
+        <a:xfrm>
+          <a:off x="0" y="0"/>
+          <a:ext cx="0" cy="0"/>
+          <a:chOff x="0" y="0"/>
+          <a:chExt cx="0" cy="0"/>
+        </a:xfrm>
+      </p:grpSpPr>
+      <p:sp>
+        <p:nvSpPr>
+          <p:cNvPr id="2" name="Title 1"/>
+          <p:cNvSpPr>
+            <a:spLocks noGrp="1"/>
+          </p:cNvSpPr>
+          <p:nvPr>
+            <p:ph type="title"/>
+          </p:nvPr>
+        </p:nvSpPr>
+        <p:spPr/>
+        <p:txBody>
+          <a:bodyPr/>
+          <a:lstStyle/>
+          <a:p>
+            <a:r>
+              <a:rPr lang="en-US"/>
+              <a:t>Click to edit Master title style</a:t>
+            </a:r>
+          </a:p>
+        </p:txBody>
+      </p:sp>
+      <p:sp>
+        <p:nvSpPr>
+          <p:cNvPr id="3" name="Date Placeholder 2"/>
+          <p:cNvSpPr>
+            <a:spLocks noGrp="1"/>
+          </p:cNvSpPr>
+          <p:nvPr>
+            <p:ph type="dt" sz="half" idx="10"/>
+          </p:nvPr>
+        </p:nvSpPr>
+        <p:spPr/>
+        <p:txBody>
+          <a:bodyPr/>
+          <a:lstStyle/>
+          <a:p>
+            <a:fld id="{D088F999-7A4E-6B4F-9FED-EF75B73AD044}" type="datetimeFigureOut">
+              <a:rPr lang="en-US" smtClean="0"/>
+              <a:t>9/22/2021</a:t>
+            </a:fld>
+            <a:endParaRPr lang="en-US"/>
+          </a:p>
+        </p:txBody>
+      </p:sp>
+      <p:sp>
+        <p:nvSpPr>
+          <p:cNvPr id="4" name="Footer Placeholder 3"/>
+          <p:cNvSpPr>
+            <a:spLocks noGrp="1"/>
+          </p:cNvSpPr>
+          <p:nvPr>
+            <p:ph type="ftr" sz="quarter" idx="11"/>
+          </p:nvPr>
+        </p:nvSpPr>
+        <p:spPr/>
+        <p:txBody>
+          <a:bodyPr/>
+          <a:lstStyle/>
+          <a:p>
+            <a:endParaRPr lang="en-US"/>
+          </a:p>
+        </p:txBody>
+      </p:sp>
+      <p:sp>
+        <p:nvSpPr>
+          <p:cNvPr id="5" name="Slide Number Placeholder 4"/>
+          <p:cNvSpPr>
+            <a:spLocks noGrp="1"/>
+          </p:cNvSpPr>
+          <p:nvPr>
+            <p:ph type="sldNum" sz="quarter" idx="12"/>
+          </p:nvPr>
+        </p:nvSpPr>
+        <p:spPr/>
+        <p:txBody>
+          <a:bodyPr/>
+          <a:lstStyle/>
+          <a:p>
+            <a:fld id="{5D024AAD-DF78-DE44-A1F3-EEB19EDC9165}" type="slidenum">
+              <a:rPr lang="en-US" smtClean="0"/>
+              <a:t>‹#›</a:t>
+            </a:fld>
+            <a:endParaRPr lang="en-US"/>
+          </a:p>
+        </p:txBody>
+      </p:sp>
+    </p:spTree>
+    <p:extLst>
+      <p:ext uri="{BB962C8B-B14F-4D97-AF65-F5344CB8AC3E}">
+        <p14:creationId xmlns:p14="http://schemas.microsoft.com/office/powerpoint/2010/main" val="418252303"/>
+      </p:ext>
+    </p:extLst>
+  </p:cSld>
+  <p:clrMapOvr>
+    <a:masterClrMapping/>
+  </p:clrMapOvr>
+</p:sldLayout>
+</file>
+
+<file path=ppt/slideLayouts/slideLayout18.xml><?xml version="1.0" encoding="utf-8"?>
+<p:sldLayout xmlns:a="http://schemas.openxmlformats.org/drawingml/2006/main" xmlns:r="http://schemas.openxmlformats.org/officeDocument/2006/relationships" xmlns:p="http://schemas.openxmlformats.org/presentationml/2006/main" type="blank" preserve="1">
+  <p:cSld name="Blank">
+    <p:spTree>
+      <p:nvGrpSpPr>
+        <p:cNvPr id="1" name=""/>
+        <p:cNvGrpSpPr/>
+        <p:nvPr/>
+      </p:nvGrpSpPr>
+      <p:grpSpPr>
+        <a:xfrm>
+          <a:off x="0" y="0"/>
+          <a:ext cx="0" cy="0"/>
+          <a:chOff x="0" y="0"/>
+          <a:chExt cx="0" cy="0"/>
+        </a:xfrm>
+      </p:grpSpPr>
+      <p:sp>
+        <p:nvSpPr>
+          <p:cNvPr id="2" name="Date Placeholder 1"/>
+          <p:cNvSpPr>
+            <a:spLocks noGrp="1"/>
+          </p:cNvSpPr>
+          <p:nvPr>
+            <p:ph type="dt" sz="half" idx="10"/>
+          </p:nvPr>
+        </p:nvSpPr>
+        <p:spPr/>
+        <p:txBody>
+          <a:bodyPr/>
+          <a:lstStyle/>
+          <a:p>
+            <a:fld id="{D088F999-7A4E-6B4F-9FED-EF75B73AD044}" type="datetimeFigureOut">
+              <a:rPr lang="en-US" smtClean="0"/>
+              <a:t>9/22/2021</a:t>
+            </a:fld>
+            <a:endParaRPr lang="en-US"/>
+          </a:p>
+        </p:txBody>
+      </p:sp>
+      <p:sp>
+        <p:nvSpPr>
+          <p:cNvPr id="3" name="Footer Placeholder 2"/>
+          <p:cNvSpPr>
+            <a:spLocks noGrp="1"/>
+          </p:cNvSpPr>
+          <p:nvPr>
+            <p:ph type="ftr" sz="quarter" idx="11"/>
+          </p:nvPr>
+        </p:nvSpPr>
+        <p:spPr/>
+        <p:txBody>
+          <a:bodyPr/>
+          <a:lstStyle/>
+          <a:p>
+            <a:endParaRPr lang="en-US"/>
+          </a:p>
+        </p:txBody>
+      </p:sp>
+      <p:sp>
+        <p:nvSpPr>
+          <p:cNvPr id="4" name="Slide Number Placeholder 3"/>
+          <p:cNvSpPr>
+            <a:spLocks noGrp="1"/>
+          </p:cNvSpPr>
+          <p:nvPr>
+            <p:ph type="sldNum" sz="quarter" idx="12"/>
+          </p:nvPr>
+        </p:nvSpPr>
+        <p:spPr/>
+        <p:txBody>
+          <a:bodyPr/>
+          <a:lstStyle/>
+          <a:p>
+            <a:fld id="{5D024AAD-DF78-DE44-A1F3-EEB19EDC9165}" type="slidenum">
+              <a:rPr lang="en-US" smtClean="0"/>
+              <a:t>‹#›</a:t>
+            </a:fld>
+            <a:endParaRPr lang="en-US"/>
+          </a:p>
+        </p:txBody>
+      </p:sp>
+    </p:spTree>
+    <p:extLst>
+      <p:ext uri="{BB962C8B-B14F-4D97-AF65-F5344CB8AC3E}">
+        <p14:creationId xmlns:p14="http://schemas.microsoft.com/office/powerpoint/2010/main" val="315077091"/>
+      </p:ext>
+    </p:extLst>
+  </p:cSld>
+  <p:clrMapOvr>
+    <a:masterClrMapping/>
+  </p:clrMapOvr>
+</p:sldLayout>
+</file>
+
+<file path=ppt/slideLayouts/slideLayout19.xml><?xml version="1.0" encoding="utf-8"?>
+<p:sldLayout xmlns:a="http://schemas.openxmlformats.org/drawingml/2006/main" xmlns:r="http://schemas.openxmlformats.org/officeDocument/2006/relationships" xmlns:p="http://schemas.openxmlformats.org/presentationml/2006/main" type="objTx" preserve="1">
+  <p:cSld name="Content with Caption">
+    <p:spTree>
+      <p:nvGrpSpPr>
+        <p:cNvPr id="1" name=""/>
+        <p:cNvGrpSpPr/>
+        <p:nvPr/>
+      </p:nvGrpSpPr>
+      <p:grpSpPr>
+        <a:xfrm>
+          <a:off x="0" y="0"/>
+          <a:ext cx="0" cy="0"/>
+          <a:chOff x="0" y="0"/>
+          <a:chExt cx="0" cy="0"/>
+        </a:xfrm>
+      </p:grpSpPr>
+      <p:sp>
+        <p:nvSpPr>
+          <p:cNvPr id="2" name="Title 1"/>
+          <p:cNvSpPr>
+            <a:spLocks noGrp="1"/>
+          </p:cNvSpPr>
+          <p:nvPr>
+            <p:ph type="title"/>
+          </p:nvPr>
+        </p:nvSpPr>
+        <p:spPr>
+          <a:xfrm>
+            <a:off x="609601" y="273052"/>
+            <a:ext cx="4011084" cy="1162049"/>
+          </a:xfrm>
+        </p:spPr>
+        <p:txBody>
+          <a:bodyPr anchor="b"/>
+          <a:lstStyle>
+            <a:lvl1pPr algn="l">
+              <a:defRPr sz="2667" b="1"/>
+            </a:lvl1pPr>
+          </a:lstStyle>
+          <a:p>
+            <a:r>
+              <a:rPr lang="en-US"/>
+              <a:t>Click to edit Master title style</a:t>
+            </a:r>
+          </a:p>
+        </p:txBody>
+      </p:sp>
+      <p:sp>
+        <p:nvSpPr>
+          <p:cNvPr id="3" name="Content Placeholder 2"/>
+          <p:cNvSpPr>
+            <a:spLocks noGrp="1"/>
+          </p:cNvSpPr>
+          <p:nvPr>
+            <p:ph idx="1"/>
+          </p:nvPr>
+        </p:nvSpPr>
+        <p:spPr>
+          <a:xfrm>
+            <a:off x="4766733" y="273051"/>
+            <a:ext cx="6815667" cy="5852583"/>
+          </a:xfrm>
+        </p:spPr>
+        <p:txBody>
+          <a:bodyPr/>
+          <a:lstStyle>
+            <a:lvl1pPr>
+              <a:defRPr sz="4267"/>
+            </a:lvl1pPr>
+            <a:lvl2pPr>
+              <a:defRPr sz="3733"/>
+            </a:lvl2pPr>
+            <a:lvl3pPr>
+              <a:defRPr sz="3200"/>
+            </a:lvl3pPr>
+            <a:lvl4pPr>
+              <a:defRPr sz="2667"/>
+            </a:lvl4pPr>
+            <a:lvl5pPr>
+              <a:defRPr sz="2667"/>
+            </a:lvl5pPr>
+            <a:lvl6pPr>
+              <a:defRPr sz="2667"/>
+            </a:lvl6pPr>
+            <a:lvl7pPr>
+              <a:defRPr sz="2667"/>
+            </a:lvl7pPr>
+            <a:lvl8pPr>
+              <a:defRPr sz="2667"/>
+            </a:lvl8pPr>
+            <a:lvl9pPr>
+              <a:defRPr sz="2667"/>
+            </a:lvl9pPr>
+          </a:lstStyle>
+          <a:p>
+            <a:pPr lvl="0"/>
+            <a:r>
+              <a:rPr lang="en-US"/>
+              <a:t>Click to edit Master text styles</a:t>
+            </a:r>
+          </a:p>
+          <a:p>
+            <a:pPr lvl="1"/>
+            <a:r>
+              <a:rPr lang="en-US"/>
+              <a:t>Second level</a:t>
+            </a:r>
+          </a:p>
+          <a:p>
+            <a:pPr lvl="2"/>
+            <a:r>
+              <a:rPr lang="en-US"/>
+              <a:t>Third level</a:t>
+            </a:r>
+          </a:p>
+          <a:p>
+            <a:pPr lvl="3"/>
+            <a:r>
+              <a:rPr lang="en-US"/>
+              <a:t>Fourth level</a:t>
+            </a:r>
+          </a:p>
+          <a:p>
+            <a:pPr lvl="4"/>
+            <a:r>
+              <a:rPr lang="en-US"/>
+              <a:t>Fifth level</a:t>
+            </a:r>
+          </a:p>
+        </p:txBody>
+      </p:sp>
+      <p:sp>
+        <p:nvSpPr>
+          <p:cNvPr id="4" name="Text Placeholder 3"/>
+          <p:cNvSpPr>
+            <a:spLocks noGrp="1"/>
+          </p:cNvSpPr>
+          <p:nvPr>
+            <p:ph type="body" sz="half" idx="2"/>
+          </p:nvPr>
+        </p:nvSpPr>
+        <p:spPr>
+          <a:xfrm>
+            <a:off x="609601" y="1435100"/>
+            <a:ext cx="4011084" cy="4690533"/>
+          </a:xfrm>
+        </p:spPr>
+        <p:txBody>
+          <a:bodyPr/>
+          <a:lstStyle>
+            <a:lvl1pPr marL="0" indent="0">
+              <a:buNone/>
+              <a:defRPr sz="1867"/>
+            </a:lvl1pPr>
+            <a:lvl2pPr marL="609585" indent="0">
+              <a:buNone/>
+              <a:defRPr sz="1600"/>
+            </a:lvl2pPr>
+            <a:lvl3pPr marL="1219170" indent="0">
+              <a:buNone/>
+              <a:defRPr sz="1333"/>
+            </a:lvl3pPr>
+            <a:lvl4pPr marL="1828754" indent="0">
+              <a:buNone/>
+              <a:defRPr sz="1200"/>
+            </a:lvl4pPr>
+            <a:lvl5pPr marL="2438339" indent="0">
+              <a:buNone/>
+              <a:defRPr sz="1200"/>
+            </a:lvl5pPr>
+            <a:lvl6pPr marL="3047924" indent="0">
+              <a:buNone/>
+              <a:defRPr sz="1200"/>
+            </a:lvl6pPr>
+            <a:lvl7pPr marL="3657509" indent="0">
+              <a:buNone/>
+              <a:defRPr sz="1200"/>
+            </a:lvl7pPr>
+            <a:lvl8pPr marL="4267093" indent="0">
+              <a:buNone/>
+              <a:defRPr sz="1200"/>
+            </a:lvl8pPr>
+            <a:lvl9pPr marL="4876678" indent="0">
+              <a:buNone/>
+              <a:defRPr sz="1200"/>
+            </a:lvl9pPr>
+          </a:lstStyle>
+          <a:p>
+            <a:pPr lvl="0"/>
+            <a:r>
+              <a:rPr lang="en-US"/>
+              <a:t>Click to edit Master text styles</a:t>
+            </a:r>
+          </a:p>
+        </p:txBody>
+      </p:sp>
+      <p:sp>
+        <p:nvSpPr>
+          <p:cNvPr id="5" name="Date Placeholder 4"/>
+          <p:cNvSpPr>
+            <a:spLocks noGrp="1"/>
+          </p:cNvSpPr>
+          <p:nvPr>
+            <p:ph type="dt" sz="half" idx="10"/>
+          </p:nvPr>
+        </p:nvSpPr>
+        <p:spPr/>
+        <p:txBody>
+          <a:bodyPr/>
+          <a:lstStyle/>
+          <a:p>
+            <a:fld id="{D088F999-7A4E-6B4F-9FED-EF75B73AD044}" type="datetimeFigureOut">
+              <a:rPr lang="en-US" smtClean="0"/>
+              <a:t>9/22/2021</a:t>
+            </a:fld>
+            <a:endParaRPr lang="en-US"/>
+          </a:p>
+        </p:txBody>
+      </p:sp>
+      <p:sp>
+        <p:nvSpPr>
+          <p:cNvPr id="6" name="Footer Placeholder 5"/>
+          <p:cNvSpPr>
+            <a:spLocks noGrp="1"/>
+          </p:cNvSpPr>
+          <p:nvPr>
+            <p:ph type="ftr" sz="quarter" idx="11"/>
+          </p:nvPr>
+        </p:nvSpPr>
+        <p:spPr/>
+        <p:txBody>
+          <a:bodyPr/>
+          <a:lstStyle/>
+          <a:p>
+            <a:endParaRPr lang="en-US"/>
+          </a:p>
+        </p:txBody>
+      </p:sp>
+      <p:sp>
+        <p:nvSpPr>
+          <p:cNvPr id="7" name="Slide Number Placeholder 6"/>
+          <p:cNvSpPr>
+            <a:spLocks noGrp="1"/>
+          </p:cNvSpPr>
+          <p:nvPr>
+            <p:ph type="sldNum" sz="quarter" idx="12"/>
+          </p:nvPr>
+        </p:nvSpPr>
+        <p:spPr/>
+        <p:txBody>
+          <a:bodyPr/>
+          <a:lstStyle/>
+          <a:p>
+            <a:fld id="{5D024AAD-DF78-DE44-A1F3-EEB19EDC9165}" type="slidenum">
+              <a:rPr lang="en-US" smtClean="0"/>
+              <a:t>‹#›</a:t>
+            </a:fld>
+            <a:endParaRPr lang="en-US"/>
+          </a:p>
+        </p:txBody>
+      </p:sp>
+    </p:spTree>
+    <p:extLst>
+      <p:ext uri="{BB962C8B-B14F-4D97-AF65-F5344CB8AC3E}">
+        <p14:creationId xmlns:p14="http://schemas.microsoft.com/office/powerpoint/2010/main" val="737543785"/>
       </p:ext>
     </p:extLst>
   </p:cSld>
@@ -752,13 +3236,7 @@
       </p:grpSpPr>
       <p:sp>
         <p:nvSpPr>
-          <p:cNvPr id="2" name="Title 1">
-            <a:extLst>
-              <a:ext uri="{FF2B5EF4-FFF2-40B4-BE49-F238E27FC236}">
-                <a16:creationId xmlns:a16="http://schemas.microsoft.com/office/drawing/2014/main" id="{3AF45C61-ED25-4344-9E95-2FBC9DE39018}"/>
-              </a:ext>
-            </a:extLst>
-          </p:cNvPr>
+          <p:cNvPr id="2" name="Title 1"/>
           <p:cNvSpPr>
             <a:spLocks noGrp="1"/>
           </p:cNvSpPr>
@@ -775,18 +3253,13 @@
               <a:rPr lang="en-US"/>
               <a:t>Click to edit Master title style</a:t>
             </a:r>
-          </a:p>
-        </p:txBody>
-      </p:sp>
-      <p:sp>
-        <p:nvSpPr>
-          <p:cNvPr id="3" name="Content Placeholder 2">
-            <a:extLst>
-              <a:ext uri="{FF2B5EF4-FFF2-40B4-BE49-F238E27FC236}">
-                <a16:creationId xmlns:a16="http://schemas.microsoft.com/office/drawing/2014/main" id="{0483AB54-0F78-4134-9822-C55C2BD596A0}"/>
-              </a:ext>
-            </a:extLst>
-          </p:cNvPr>
+            <a:endParaRPr lang="en-US" dirty="0"/>
+          </a:p>
+        </p:txBody>
+      </p:sp>
+      <p:sp>
+        <p:nvSpPr>
+          <p:cNvPr id="3" name="Content Placeholder 2"/>
           <p:cNvSpPr>
             <a:spLocks noGrp="1"/>
           </p:cNvSpPr>
@@ -832,18 +3305,13 @@
               <a:rPr lang="en-US"/>
               <a:t>Fifth level</a:t>
             </a:r>
-          </a:p>
-        </p:txBody>
-      </p:sp>
-      <p:sp>
-        <p:nvSpPr>
-          <p:cNvPr id="4" name="Date Placeholder 3">
-            <a:extLst>
-              <a:ext uri="{FF2B5EF4-FFF2-40B4-BE49-F238E27FC236}">
-                <a16:creationId xmlns:a16="http://schemas.microsoft.com/office/drawing/2014/main" id="{3E4CAF5E-999D-4D90-8040-73016FAC8E4F}"/>
-              </a:ext>
-            </a:extLst>
-          </p:cNvPr>
+            <a:endParaRPr lang="en-US" dirty="0"/>
+          </a:p>
+        </p:txBody>
+      </p:sp>
+      <p:sp>
+        <p:nvSpPr>
+          <p:cNvPr id="4" name="Date Placeholder 3"/>
           <p:cNvSpPr>
             <a:spLocks noGrp="1"/>
           </p:cNvSpPr>
@@ -858,7 +3326,7 @@
           <a:p>
             <a:fld id="{05ACA978-D5B7-49B2-BADF-42AFEF967A7A}" type="datetimeFigureOut">
               <a:rPr lang="en-US" smtClean="0"/>
-              <a:t>8/30/2021</a:t>
+              <a:t>9/22/2021</a:t>
             </a:fld>
             <a:endParaRPr lang="en-US"/>
           </a:p>
@@ -866,13 +3334,7 @@
       </p:sp>
       <p:sp>
         <p:nvSpPr>
-          <p:cNvPr id="5" name="Footer Placeholder 4">
-            <a:extLst>
-              <a:ext uri="{FF2B5EF4-FFF2-40B4-BE49-F238E27FC236}">
-                <a16:creationId xmlns:a16="http://schemas.microsoft.com/office/drawing/2014/main" id="{AF799CFC-B7D0-4BEB-B400-7A71AD229A7B}"/>
-              </a:ext>
-            </a:extLst>
-          </p:cNvPr>
+          <p:cNvPr id="5" name="Footer Placeholder 4"/>
           <p:cNvSpPr>
             <a:spLocks noGrp="1"/>
           </p:cNvSpPr>
@@ -891,13 +3353,7 @@
       </p:sp>
       <p:sp>
         <p:nvSpPr>
-          <p:cNvPr id="6" name="Slide Number Placeholder 5">
-            <a:extLst>
-              <a:ext uri="{FF2B5EF4-FFF2-40B4-BE49-F238E27FC236}">
-                <a16:creationId xmlns:a16="http://schemas.microsoft.com/office/drawing/2014/main" id="{0843F8C0-E41B-4CEB-993E-0C96AA1DEF3C}"/>
-              </a:ext>
-            </a:extLst>
-          </p:cNvPr>
+          <p:cNvPr id="6" name="Slide Number Placeholder 5"/>
           <p:cNvSpPr>
             <a:spLocks noGrp="1"/>
           </p:cNvSpPr>
@@ -921,7 +3377,605 @@
     </p:spTree>
     <p:extLst>
       <p:ext uri="{BB962C8B-B14F-4D97-AF65-F5344CB8AC3E}">
-        <p14:creationId xmlns:p14="http://schemas.microsoft.com/office/powerpoint/2010/main" val="4056557714"/>
+        <p14:creationId xmlns:p14="http://schemas.microsoft.com/office/powerpoint/2010/main" val="2976541334"/>
+      </p:ext>
+    </p:extLst>
+  </p:cSld>
+  <p:clrMapOvr>
+    <a:masterClrMapping/>
+  </p:clrMapOvr>
+</p:sldLayout>
+</file>
+
+<file path=ppt/slideLayouts/slideLayout20.xml><?xml version="1.0" encoding="utf-8"?>
+<p:sldLayout xmlns:a="http://schemas.openxmlformats.org/drawingml/2006/main" xmlns:r="http://schemas.openxmlformats.org/officeDocument/2006/relationships" xmlns:p="http://schemas.openxmlformats.org/presentationml/2006/main" type="picTx" preserve="1">
+  <p:cSld name="Picture with Caption">
+    <p:spTree>
+      <p:nvGrpSpPr>
+        <p:cNvPr id="1" name=""/>
+        <p:cNvGrpSpPr/>
+        <p:nvPr/>
+      </p:nvGrpSpPr>
+      <p:grpSpPr>
+        <a:xfrm>
+          <a:off x="0" y="0"/>
+          <a:ext cx="0" cy="0"/>
+          <a:chOff x="0" y="0"/>
+          <a:chExt cx="0" cy="0"/>
+        </a:xfrm>
+      </p:grpSpPr>
+      <p:sp>
+        <p:nvSpPr>
+          <p:cNvPr id="2" name="Title 1"/>
+          <p:cNvSpPr>
+            <a:spLocks noGrp="1"/>
+          </p:cNvSpPr>
+          <p:nvPr>
+            <p:ph type="title"/>
+          </p:nvPr>
+        </p:nvSpPr>
+        <p:spPr>
+          <a:xfrm>
+            <a:off x="2389717" y="4800600"/>
+            <a:ext cx="7315200" cy="567267"/>
+          </a:xfrm>
+        </p:spPr>
+        <p:txBody>
+          <a:bodyPr anchor="b"/>
+          <a:lstStyle>
+            <a:lvl1pPr algn="l">
+              <a:defRPr sz="2667" b="1"/>
+            </a:lvl1pPr>
+          </a:lstStyle>
+          <a:p>
+            <a:r>
+              <a:rPr lang="en-US"/>
+              <a:t>Click to edit Master title style</a:t>
+            </a:r>
+          </a:p>
+        </p:txBody>
+      </p:sp>
+      <p:sp>
+        <p:nvSpPr>
+          <p:cNvPr id="3" name="Picture Placeholder 2"/>
+          <p:cNvSpPr>
+            <a:spLocks noGrp="1"/>
+          </p:cNvSpPr>
+          <p:nvPr>
+            <p:ph type="pic" idx="1"/>
+          </p:nvPr>
+        </p:nvSpPr>
+        <p:spPr>
+          <a:xfrm>
+            <a:off x="2389717" y="613833"/>
+            <a:ext cx="7315200" cy="4114800"/>
+          </a:xfrm>
+        </p:spPr>
+        <p:txBody>
+          <a:bodyPr/>
+          <a:lstStyle>
+            <a:lvl1pPr marL="0" indent="0">
+              <a:buNone/>
+              <a:defRPr sz="4267"/>
+            </a:lvl1pPr>
+            <a:lvl2pPr marL="609585" indent="0">
+              <a:buNone/>
+              <a:defRPr sz="3733"/>
+            </a:lvl2pPr>
+            <a:lvl3pPr marL="1219170" indent="0">
+              <a:buNone/>
+              <a:defRPr sz="3200"/>
+            </a:lvl3pPr>
+            <a:lvl4pPr marL="1828754" indent="0">
+              <a:buNone/>
+              <a:defRPr sz="2667"/>
+            </a:lvl4pPr>
+            <a:lvl5pPr marL="2438339" indent="0">
+              <a:buNone/>
+              <a:defRPr sz="2667"/>
+            </a:lvl5pPr>
+            <a:lvl6pPr marL="3047924" indent="0">
+              <a:buNone/>
+              <a:defRPr sz="2667"/>
+            </a:lvl6pPr>
+            <a:lvl7pPr marL="3657509" indent="0">
+              <a:buNone/>
+              <a:defRPr sz="2667"/>
+            </a:lvl7pPr>
+            <a:lvl8pPr marL="4267093" indent="0">
+              <a:buNone/>
+              <a:defRPr sz="2667"/>
+            </a:lvl8pPr>
+            <a:lvl9pPr marL="4876678" indent="0">
+              <a:buNone/>
+              <a:defRPr sz="2667"/>
+            </a:lvl9pPr>
+          </a:lstStyle>
+          <a:p>
+            <a:endParaRPr lang="en-US"/>
+          </a:p>
+        </p:txBody>
+      </p:sp>
+      <p:sp>
+        <p:nvSpPr>
+          <p:cNvPr id="4" name="Text Placeholder 3"/>
+          <p:cNvSpPr>
+            <a:spLocks noGrp="1"/>
+          </p:cNvSpPr>
+          <p:nvPr>
+            <p:ph type="body" sz="half" idx="2"/>
+          </p:nvPr>
+        </p:nvSpPr>
+        <p:spPr>
+          <a:xfrm>
+            <a:off x="2389717" y="5367867"/>
+            <a:ext cx="7315200" cy="804333"/>
+          </a:xfrm>
+        </p:spPr>
+        <p:txBody>
+          <a:bodyPr/>
+          <a:lstStyle>
+            <a:lvl1pPr marL="0" indent="0">
+              <a:buNone/>
+              <a:defRPr sz="1867"/>
+            </a:lvl1pPr>
+            <a:lvl2pPr marL="609585" indent="0">
+              <a:buNone/>
+              <a:defRPr sz="1600"/>
+            </a:lvl2pPr>
+            <a:lvl3pPr marL="1219170" indent="0">
+              <a:buNone/>
+              <a:defRPr sz="1333"/>
+            </a:lvl3pPr>
+            <a:lvl4pPr marL="1828754" indent="0">
+              <a:buNone/>
+              <a:defRPr sz="1200"/>
+            </a:lvl4pPr>
+            <a:lvl5pPr marL="2438339" indent="0">
+              <a:buNone/>
+              <a:defRPr sz="1200"/>
+            </a:lvl5pPr>
+            <a:lvl6pPr marL="3047924" indent="0">
+              <a:buNone/>
+              <a:defRPr sz="1200"/>
+            </a:lvl6pPr>
+            <a:lvl7pPr marL="3657509" indent="0">
+              <a:buNone/>
+              <a:defRPr sz="1200"/>
+            </a:lvl7pPr>
+            <a:lvl8pPr marL="4267093" indent="0">
+              <a:buNone/>
+              <a:defRPr sz="1200"/>
+            </a:lvl8pPr>
+            <a:lvl9pPr marL="4876678" indent="0">
+              <a:buNone/>
+              <a:defRPr sz="1200"/>
+            </a:lvl9pPr>
+          </a:lstStyle>
+          <a:p>
+            <a:pPr lvl="0"/>
+            <a:r>
+              <a:rPr lang="en-US"/>
+              <a:t>Click to edit Master text styles</a:t>
+            </a:r>
+          </a:p>
+        </p:txBody>
+      </p:sp>
+      <p:sp>
+        <p:nvSpPr>
+          <p:cNvPr id="5" name="Date Placeholder 4"/>
+          <p:cNvSpPr>
+            <a:spLocks noGrp="1"/>
+          </p:cNvSpPr>
+          <p:nvPr>
+            <p:ph type="dt" sz="half" idx="10"/>
+          </p:nvPr>
+        </p:nvSpPr>
+        <p:spPr/>
+        <p:txBody>
+          <a:bodyPr/>
+          <a:lstStyle/>
+          <a:p>
+            <a:fld id="{D088F999-7A4E-6B4F-9FED-EF75B73AD044}" type="datetimeFigureOut">
+              <a:rPr lang="en-US" smtClean="0"/>
+              <a:t>9/22/2021</a:t>
+            </a:fld>
+            <a:endParaRPr lang="en-US"/>
+          </a:p>
+        </p:txBody>
+      </p:sp>
+      <p:sp>
+        <p:nvSpPr>
+          <p:cNvPr id="6" name="Footer Placeholder 5"/>
+          <p:cNvSpPr>
+            <a:spLocks noGrp="1"/>
+          </p:cNvSpPr>
+          <p:nvPr>
+            <p:ph type="ftr" sz="quarter" idx="11"/>
+          </p:nvPr>
+        </p:nvSpPr>
+        <p:spPr/>
+        <p:txBody>
+          <a:bodyPr/>
+          <a:lstStyle/>
+          <a:p>
+            <a:endParaRPr lang="en-US"/>
+          </a:p>
+        </p:txBody>
+      </p:sp>
+      <p:sp>
+        <p:nvSpPr>
+          <p:cNvPr id="7" name="Slide Number Placeholder 6"/>
+          <p:cNvSpPr>
+            <a:spLocks noGrp="1"/>
+          </p:cNvSpPr>
+          <p:nvPr>
+            <p:ph type="sldNum" sz="quarter" idx="12"/>
+          </p:nvPr>
+        </p:nvSpPr>
+        <p:spPr/>
+        <p:txBody>
+          <a:bodyPr/>
+          <a:lstStyle/>
+          <a:p>
+            <a:fld id="{5D024AAD-DF78-DE44-A1F3-EEB19EDC9165}" type="slidenum">
+              <a:rPr lang="en-US" smtClean="0"/>
+              <a:t>‹#›</a:t>
+            </a:fld>
+            <a:endParaRPr lang="en-US"/>
+          </a:p>
+        </p:txBody>
+      </p:sp>
+    </p:spTree>
+    <p:extLst>
+      <p:ext uri="{BB962C8B-B14F-4D97-AF65-F5344CB8AC3E}">
+        <p14:creationId xmlns:p14="http://schemas.microsoft.com/office/powerpoint/2010/main" val="728084971"/>
+      </p:ext>
+    </p:extLst>
+  </p:cSld>
+  <p:clrMapOvr>
+    <a:masterClrMapping/>
+  </p:clrMapOvr>
+</p:sldLayout>
+</file>
+
+<file path=ppt/slideLayouts/slideLayout21.xml><?xml version="1.0" encoding="utf-8"?>
+<p:sldLayout xmlns:a="http://schemas.openxmlformats.org/drawingml/2006/main" xmlns:r="http://schemas.openxmlformats.org/officeDocument/2006/relationships" xmlns:p="http://schemas.openxmlformats.org/presentationml/2006/main" type="vertTx" preserve="1">
+  <p:cSld name="Title and Vertical Text">
+    <p:spTree>
+      <p:nvGrpSpPr>
+        <p:cNvPr id="1" name=""/>
+        <p:cNvGrpSpPr/>
+        <p:nvPr/>
+      </p:nvGrpSpPr>
+      <p:grpSpPr>
+        <a:xfrm>
+          <a:off x="0" y="0"/>
+          <a:ext cx="0" cy="0"/>
+          <a:chOff x="0" y="0"/>
+          <a:chExt cx="0" cy="0"/>
+        </a:xfrm>
+      </p:grpSpPr>
+      <p:sp>
+        <p:nvSpPr>
+          <p:cNvPr id="2" name="Title 1"/>
+          <p:cNvSpPr>
+            <a:spLocks noGrp="1"/>
+          </p:cNvSpPr>
+          <p:nvPr>
+            <p:ph type="title"/>
+          </p:nvPr>
+        </p:nvSpPr>
+        <p:spPr/>
+        <p:txBody>
+          <a:bodyPr/>
+          <a:lstStyle/>
+          <a:p>
+            <a:r>
+              <a:rPr lang="en-US"/>
+              <a:t>Click to edit Master title style</a:t>
+            </a:r>
+          </a:p>
+        </p:txBody>
+      </p:sp>
+      <p:sp>
+        <p:nvSpPr>
+          <p:cNvPr id="3" name="Vertical Text Placeholder 2"/>
+          <p:cNvSpPr>
+            <a:spLocks noGrp="1"/>
+          </p:cNvSpPr>
+          <p:nvPr>
+            <p:ph type="body" orient="vert" idx="1"/>
+          </p:nvPr>
+        </p:nvSpPr>
+        <p:spPr/>
+        <p:txBody>
+          <a:bodyPr vert="eaVert"/>
+          <a:lstStyle/>
+          <a:p>
+            <a:pPr lvl="0"/>
+            <a:r>
+              <a:rPr lang="en-US"/>
+              <a:t>Click to edit Master text styles</a:t>
+            </a:r>
+          </a:p>
+          <a:p>
+            <a:pPr lvl="1"/>
+            <a:r>
+              <a:rPr lang="en-US"/>
+              <a:t>Second level</a:t>
+            </a:r>
+          </a:p>
+          <a:p>
+            <a:pPr lvl="2"/>
+            <a:r>
+              <a:rPr lang="en-US"/>
+              <a:t>Third level</a:t>
+            </a:r>
+          </a:p>
+          <a:p>
+            <a:pPr lvl="3"/>
+            <a:r>
+              <a:rPr lang="en-US"/>
+              <a:t>Fourth level</a:t>
+            </a:r>
+          </a:p>
+          <a:p>
+            <a:pPr lvl="4"/>
+            <a:r>
+              <a:rPr lang="en-US"/>
+              <a:t>Fifth level</a:t>
+            </a:r>
+          </a:p>
+        </p:txBody>
+      </p:sp>
+      <p:sp>
+        <p:nvSpPr>
+          <p:cNvPr id="4" name="Date Placeholder 3"/>
+          <p:cNvSpPr>
+            <a:spLocks noGrp="1"/>
+          </p:cNvSpPr>
+          <p:nvPr>
+            <p:ph type="dt" sz="half" idx="10"/>
+          </p:nvPr>
+        </p:nvSpPr>
+        <p:spPr/>
+        <p:txBody>
+          <a:bodyPr/>
+          <a:lstStyle/>
+          <a:p>
+            <a:fld id="{D088F999-7A4E-6B4F-9FED-EF75B73AD044}" type="datetimeFigureOut">
+              <a:rPr lang="en-US" smtClean="0"/>
+              <a:t>9/22/2021</a:t>
+            </a:fld>
+            <a:endParaRPr lang="en-US"/>
+          </a:p>
+        </p:txBody>
+      </p:sp>
+      <p:sp>
+        <p:nvSpPr>
+          <p:cNvPr id="5" name="Footer Placeholder 4"/>
+          <p:cNvSpPr>
+            <a:spLocks noGrp="1"/>
+          </p:cNvSpPr>
+          <p:nvPr>
+            <p:ph type="ftr" sz="quarter" idx="11"/>
+          </p:nvPr>
+        </p:nvSpPr>
+        <p:spPr/>
+        <p:txBody>
+          <a:bodyPr/>
+          <a:lstStyle/>
+          <a:p>
+            <a:endParaRPr lang="en-US"/>
+          </a:p>
+        </p:txBody>
+      </p:sp>
+      <p:sp>
+        <p:nvSpPr>
+          <p:cNvPr id="6" name="Slide Number Placeholder 5"/>
+          <p:cNvSpPr>
+            <a:spLocks noGrp="1"/>
+          </p:cNvSpPr>
+          <p:nvPr>
+            <p:ph type="sldNum" sz="quarter" idx="12"/>
+          </p:nvPr>
+        </p:nvSpPr>
+        <p:spPr/>
+        <p:txBody>
+          <a:bodyPr/>
+          <a:lstStyle/>
+          <a:p>
+            <a:fld id="{5D024AAD-DF78-DE44-A1F3-EEB19EDC9165}" type="slidenum">
+              <a:rPr lang="en-US" smtClean="0"/>
+              <a:t>‹#›</a:t>
+            </a:fld>
+            <a:endParaRPr lang="en-US"/>
+          </a:p>
+        </p:txBody>
+      </p:sp>
+    </p:spTree>
+    <p:extLst>
+      <p:ext uri="{BB962C8B-B14F-4D97-AF65-F5344CB8AC3E}">
+        <p14:creationId xmlns:p14="http://schemas.microsoft.com/office/powerpoint/2010/main" val="3831751110"/>
+      </p:ext>
+    </p:extLst>
+  </p:cSld>
+  <p:clrMapOvr>
+    <a:masterClrMapping/>
+  </p:clrMapOvr>
+</p:sldLayout>
+</file>
+
+<file path=ppt/slideLayouts/slideLayout22.xml><?xml version="1.0" encoding="utf-8"?>
+<p:sldLayout xmlns:a="http://schemas.openxmlformats.org/drawingml/2006/main" xmlns:r="http://schemas.openxmlformats.org/officeDocument/2006/relationships" xmlns:p="http://schemas.openxmlformats.org/presentationml/2006/main" type="vertTitleAndTx" preserve="1">
+  <p:cSld name="Vertical Title and Text">
+    <p:spTree>
+      <p:nvGrpSpPr>
+        <p:cNvPr id="1" name=""/>
+        <p:cNvGrpSpPr/>
+        <p:nvPr/>
+      </p:nvGrpSpPr>
+      <p:grpSpPr>
+        <a:xfrm>
+          <a:off x="0" y="0"/>
+          <a:ext cx="0" cy="0"/>
+          <a:chOff x="0" y="0"/>
+          <a:chExt cx="0" cy="0"/>
+        </a:xfrm>
+      </p:grpSpPr>
+      <p:sp>
+        <p:nvSpPr>
+          <p:cNvPr id="2" name="Vertical Title 1"/>
+          <p:cNvSpPr>
+            <a:spLocks noGrp="1"/>
+          </p:cNvSpPr>
+          <p:nvPr>
+            <p:ph type="title" orient="vert"/>
+          </p:nvPr>
+        </p:nvSpPr>
+        <p:spPr>
+          <a:xfrm>
+            <a:off x="8839200" y="275167"/>
+            <a:ext cx="2743200" cy="5850467"/>
+          </a:xfrm>
+        </p:spPr>
+        <p:txBody>
+          <a:bodyPr vert="eaVert"/>
+          <a:lstStyle/>
+          <a:p>
+            <a:r>
+              <a:rPr lang="en-US"/>
+              <a:t>Click to edit Master title style</a:t>
+            </a:r>
+          </a:p>
+        </p:txBody>
+      </p:sp>
+      <p:sp>
+        <p:nvSpPr>
+          <p:cNvPr id="3" name="Vertical Text Placeholder 2"/>
+          <p:cNvSpPr>
+            <a:spLocks noGrp="1"/>
+          </p:cNvSpPr>
+          <p:nvPr>
+            <p:ph type="body" orient="vert" idx="1"/>
+          </p:nvPr>
+        </p:nvSpPr>
+        <p:spPr>
+          <a:xfrm>
+            <a:off x="609600" y="275167"/>
+            <a:ext cx="8026400" cy="5850467"/>
+          </a:xfrm>
+        </p:spPr>
+        <p:txBody>
+          <a:bodyPr vert="eaVert"/>
+          <a:lstStyle/>
+          <a:p>
+            <a:pPr lvl="0"/>
+            <a:r>
+              <a:rPr lang="en-US"/>
+              <a:t>Click to edit Master text styles</a:t>
+            </a:r>
+          </a:p>
+          <a:p>
+            <a:pPr lvl="1"/>
+            <a:r>
+              <a:rPr lang="en-US"/>
+              <a:t>Second level</a:t>
+            </a:r>
+          </a:p>
+          <a:p>
+            <a:pPr lvl="2"/>
+            <a:r>
+              <a:rPr lang="en-US"/>
+              <a:t>Third level</a:t>
+            </a:r>
+          </a:p>
+          <a:p>
+            <a:pPr lvl="3"/>
+            <a:r>
+              <a:rPr lang="en-US"/>
+              <a:t>Fourth level</a:t>
+            </a:r>
+          </a:p>
+          <a:p>
+            <a:pPr lvl="4"/>
+            <a:r>
+              <a:rPr lang="en-US"/>
+              <a:t>Fifth level</a:t>
+            </a:r>
+          </a:p>
+        </p:txBody>
+      </p:sp>
+      <p:sp>
+        <p:nvSpPr>
+          <p:cNvPr id="4" name="Date Placeholder 3"/>
+          <p:cNvSpPr>
+            <a:spLocks noGrp="1"/>
+          </p:cNvSpPr>
+          <p:nvPr>
+            <p:ph type="dt" sz="half" idx="10"/>
+          </p:nvPr>
+        </p:nvSpPr>
+        <p:spPr/>
+        <p:txBody>
+          <a:bodyPr/>
+          <a:lstStyle/>
+          <a:p>
+            <a:fld id="{D088F999-7A4E-6B4F-9FED-EF75B73AD044}" type="datetimeFigureOut">
+              <a:rPr lang="en-US" smtClean="0"/>
+              <a:t>9/22/2021</a:t>
+            </a:fld>
+            <a:endParaRPr lang="en-US"/>
+          </a:p>
+        </p:txBody>
+      </p:sp>
+      <p:sp>
+        <p:nvSpPr>
+          <p:cNvPr id="5" name="Footer Placeholder 4"/>
+          <p:cNvSpPr>
+            <a:spLocks noGrp="1"/>
+          </p:cNvSpPr>
+          <p:nvPr>
+            <p:ph type="ftr" sz="quarter" idx="11"/>
+          </p:nvPr>
+        </p:nvSpPr>
+        <p:spPr/>
+        <p:txBody>
+          <a:bodyPr/>
+          <a:lstStyle/>
+          <a:p>
+            <a:endParaRPr lang="en-US"/>
+          </a:p>
+        </p:txBody>
+      </p:sp>
+      <p:sp>
+        <p:nvSpPr>
+          <p:cNvPr id="6" name="Slide Number Placeholder 5"/>
+          <p:cNvSpPr>
+            <a:spLocks noGrp="1"/>
+          </p:cNvSpPr>
+          <p:nvPr>
+            <p:ph type="sldNum" sz="quarter" idx="12"/>
+          </p:nvPr>
+        </p:nvSpPr>
+        <p:spPr/>
+        <p:txBody>
+          <a:bodyPr/>
+          <a:lstStyle/>
+          <a:p>
+            <a:fld id="{5D024AAD-DF78-DE44-A1F3-EEB19EDC9165}" type="slidenum">
+              <a:rPr lang="en-US" smtClean="0"/>
+              <a:t>‹#›</a:t>
+            </a:fld>
+            <a:endParaRPr lang="en-US"/>
+          </a:p>
+        </p:txBody>
+      </p:sp>
+    </p:spTree>
+    <p:extLst>
+      <p:ext uri="{BB962C8B-B14F-4D97-AF65-F5344CB8AC3E}">
+        <p14:creationId xmlns:p14="http://schemas.microsoft.com/office/powerpoint/2010/main" val="2262233803"/>
       </p:ext>
     </p:extLst>
   </p:cSld>
@@ -932,7 +3986,7 @@
 </file>
 
 <file path=ppt/slideLayouts/slideLayout3.xml><?xml version="1.0" encoding="utf-8"?>
-<p:sldLayout xmlns:a="http://schemas.openxmlformats.org/drawingml/2006/main" xmlns:r="http://schemas.openxmlformats.org/officeDocument/2006/relationships" xmlns:p="http://schemas.openxmlformats.org/presentationml/2006/main" type="secHead" preserve="1">
+<p:sldLayout xmlns:a="http://schemas.openxmlformats.org/drawingml/2006/main" xmlns:r="http://schemas.openxmlformats.org/officeDocument/2006/relationships" xmlns:p="http://schemas.openxmlformats.org/presentationml/2006/main" showMasterSp="0" type="secHead" preserve="1">
   <p:cSld name="Section Header">
     <p:spTree>
       <p:nvGrpSpPr>
@@ -950,79 +4004,159 @@
       </p:grpSpPr>
       <p:sp>
         <p:nvSpPr>
-          <p:cNvPr id="2" name="Title 1">
-            <a:extLst>
-              <a:ext uri="{FF2B5EF4-FFF2-40B4-BE49-F238E27FC236}">
-                <a16:creationId xmlns:a16="http://schemas.microsoft.com/office/drawing/2014/main" id="{EF4FE021-2FE0-4429-B45C-5A4811020271}"/>
-              </a:ext>
-            </a:extLst>
-          </p:cNvPr>
-          <p:cNvSpPr>
-            <a:spLocks noGrp="1"/>
-          </p:cNvSpPr>
-          <p:nvPr>
-            <p:ph type="title"/>
-          </p:nvPr>
+          <p:cNvPr id="7" name="Rectangle 6"/>
+          <p:cNvSpPr/>
+          <p:nvPr/>
         </p:nvSpPr>
         <p:spPr>
           <a:xfrm>
-            <a:off x="831850" y="1709738"/>
-            <a:ext cx="10515600" cy="2852737"/>
+            <a:off x="3175" y="6400800"/>
+            <a:ext cx="12188825" cy="457200"/>
+          </a:xfrm>
+          <a:prstGeom prst="rect">
+            <a:avLst/>
+          </a:prstGeom>
+          <a:solidFill>
+            <a:schemeClr val="accent1">
+              <a:lumMod val="75000"/>
+            </a:schemeClr>
+          </a:solidFill>
+          <a:ln>
+            <a:noFill/>
+          </a:ln>
+        </p:spPr>
+        <p:style>
+          <a:lnRef idx="2">
+            <a:schemeClr val="accent1">
+              <a:shade val="50000"/>
+            </a:schemeClr>
+          </a:lnRef>
+          <a:fillRef idx="1">
+            <a:schemeClr val="accent1"/>
+          </a:fillRef>
+          <a:effectRef idx="0">
+            <a:schemeClr val="accent1"/>
+          </a:effectRef>
+          <a:fontRef idx="minor">
+            <a:schemeClr val="lt1"/>
+          </a:fontRef>
+        </p:style>
+      </p:sp>
+      <p:sp>
+        <p:nvSpPr>
+          <p:cNvPr id="8" name="Rectangle 7"/>
+          <p:cNvSpPr/>
+          <p:nvPr/>
+        </p:nvSpPr>
+        <p:spPr>
+          <a:xfrm>
+            <a:off x="15" y="6334316"/>
+            <a:ext cx="12188825" cy="64008"/>
+          </a:xfrm>
+          <a:prstGeom prst="rect">
+            <a:avLst/>
+          </a:prstGeom>
+          <a:solidFill>
+            <a:schemeClr val="accent1"/>
+          </a:solidFill>
+          <a:ln>
+            <a:noFill/>
+          </a:ln>
+        </p:spPr>
+        <p:style>
+          <a:lnRef idx="2">
+            <a:schemeClr val="accent1">
+              <a:shade val="50000"/>
+            </a:schemeClr>
+          </a:lnRef>
+          <a:fillRef idx="1">
+            <a:schemeClr val="accent1"/>
+          </a:fillRef>
+          <a:effectRef idx="0">
+            <a:schemeClr val="accent1"/>
+          </a:effectRef>
+          <a:fontRef idx="minor">
+            <a:schemeClr val="lt1"/>
+          </a:fontRef>
+        </p:style>
+      </p:sp>
+      <p:sp>
+        <p:nvSpPr>
+          <p:cNvPr id="2" name="Title 1"/>
+          <p:cNvSpPr>
+            <a:spLocks noGrp="1"/>
+          </p:cNvSpPr>
+          <p:nvPr>
+            <p:ph type="title"/>
+          </p:nvPr>
+        </p:nvSpPr>
+        <p:spPr>
+          <a:xfrm>
+            <a:off x="1097280" y="758952"/>
+            <a:ext cx="10058400" cy="3566160"/>
           </a:xfrm>
         </p:spPr>
         <p:txBody>
-          <a:bodyPr anchor="b"/>
+          <a:bodyPr anchor="b" anchorCtr="0">
+            <a:normAutofit/>
+          </a:bodyPr>
           <a:lstStyle>
             <a:lvl1pPr>
-              <a:defRPr sz="6000"/>
-            </a:lvl1pPr>
-          </a:lstStyle>
-          <a:p>
-            <a:r>
-              <a:rPr lang="en-US"/>
-              <a:t>Click to edit Master title style</a:t>
-            </a:r>
-          </a:p>
-        </p:txBody>
-      </p:sp>
-      <p:sp>
-        <p:nvSpPr>
-          <p:cNvPr id="3" name="Text Placeholder 2">
-            <a:extLst>
-              <a:ext uri="{FF2B5EF4-FFF2-40B4-BE49-F238E27FC236}">
-                <a16:creationId xmlns:a16="http://schemas.microsoft.com/office/drawing/2014/main" id="{1AF78BBE-EFF4-43C4-80CF-C7F5F7A96BCE}"/>
-              </a:ext>
-            </a:extLst>
-          </p:cNvPr>
-          <p:cNvSpPr>
-            <a:spLocks noGrp="1"/>
-          </p:cNvSpPr>
-          <p:nvPr>
-            <p:ph type="body" idx="1"/>
-          </p:nvPr>
-        </p:nvSpPr>
-        <p:spPr>
-          <a:xfrm>
-            <a:off x="831850" y="4589463"/>
-            <a:ext cx="10515600" cy="1500187"/>
-          </a:xfrm>
-        </p:spPr>
-        <p:txBody>
-          <a:bodyPr/>
-          <a:lstStyle>
-            <a:lvl1pPr marL="0" indent="0">
-              <a:buNone/>
-              <a:defRPr sz="2400">
+              <a:lnSpc>
+                <a:spcPct val="85000"/>
+              </a:lnSpc>
+              <a:defRPr sz="8000" b="0">
                 <a:solidFill>
                   <a:schemeClr val="tx1">
-                    <a:tint val="75000"/>
+                    <a:lumMod val="85000"/>
+                    <a:lumOff val="15000"/>
                   </a:schemeClr>
                 </a:solidFill>
               </a:defRPr>
             </a:lvl1pPr>
+          </a:lstStyle>
+          <a:p>
+            <a:r>
+              <a:rPr lang="en-US"/>
+              <a:t>Click to edit Master title style</a:t>
+            </a:r>
+            <a:endParaRPr lang="en-US" dirty="0"/>
+          </a:p>
+        </p:txBody>
+      </p:sp>
+      <p:sp>
+        <p:nvSpPr>
+          <p:cNvPr id="3" name="Text Placeholder 2"/>
+          <p:cNvSpPr>
+            <a:spLocks noGrp="1"/>
+          </p:cNvSpPr>
+          <p:nvPr>
+            <p:ph type="body" idx="1"/>
+          </p:nvPr>
+        </p:nvSpPr>
+        <p:spPr>
+          <a:xfrm>
+            <a:off x="1097280" y="4453128"/>
+            <a:ext cx="10058400" cy="1143000"/>
+          </a:xfrm>
+        </p:spPr>
+        <p:txBody>
+          <a:bodyPr lIns="91440" rIns="91440" anchor="t" anchorCtr="0">
+            <a:normAutofit/>
+          </a:bodyPr>
+          <a:lstStyle>
+            <a:lvl1pPr marL="0" indent="0">
+              <a:buNone/>
+              <a:defRPr sz="2400" cap="all" spc="200" baseline="0">
+                <a:solidFill>
+                  <a:schemeClr val="tx2"/>
+                </a:solidFill>
+                <a:latin typeface="+mj-lt"/>
+              </a:defRPr>
+            </a:lvl1pPr>
             <a:lvl2pPr marL="457200" indent="0">
               <a:buNone/>
-              <a:defRPr sz="2000">
+              <a:defRPr sz="1800">
                 <a:solidFill>
                   <a:schemeClr val="tx1">
                     <a:tint val="75000"/>
@@ -1032,7 +4166,7 @@
             </a:lvl2pPr>
             <a:lvl3pPr marL="914400" indent="0">
               <a:buNone/>
-              <a:defRPr sz="1800">
+              <a:defRPr sz="1600">
                 <a:solidFill>
                   <a:schemeClr val="tx1">
                     <a:tint val="75000"/>
@@ -1042,7 +4176,7 @@
             </a:lvl3pPr>
             <a:lvl4pPr marL="1371600" indent="0">
               <a:buNone/>
-              <a:defRPr sz="1600">
+              <a:defRPr sz="1400">
                 <a:solidFill>
                   <a:schemeClr val="tx1">
                     <a:tint val="75000"/>
@@ -1052,7 +4186,7 @@
             </a:lvl4pPr>
             <a:lvl5pPr marL="1828800" indent="0">
               <a:buNone/>
-              <a:defRPr sz="1600">
+              <a:defRPr sz="1400">
                 <a:solidFill>
                   <a:schemeClr val="tx1">
                     <a:tint val="75000"/>
@@ -1062,7 +4196,7 @@
             </a:lvl5pPr>
             <a:lvl6pPr marL="2286000" indent="0">
               <a:buNone/>
-              <a:defRPr sz="1600">
+              <a:defRPr sz="1400">
                 <a:solidFill>
                   <a:schemeClr val="tx1">
                     <a:tint val="75000"/>
@@ -1072,7 +4206,7 @@
             </a:lvl6pPr>
             <a:lvl7pPr marL="2743200" indent="0">
               <a:buNone/>
-              <a:defRPr sz="1600">
+              <a:defRPr sz="1400">
                 <a:solidFill>
                   <a:schemeClr val="tx1">
                     <a:tint val="75000"/>
@@ -1082,7 +4216,7 @@
             </a:lvl7pPr>
             <a:lvl8pPr marL="3200400" indent="0">
               <a:buNone/>
-              <a:defRPr sz="1600">
+              <a:defRPr sz="1400">
                 <a:solidFill>
                   <a:schemeClr val="tx1">
                     <a:tint val="75000"/>
@@ -1092,7 +4226,7 @@
             </a:lvl8pPr>
             <a:lvl9pPr marL="3657600" indent="0">
               <a:buNone/>
-              <a:defRPr sz="1600">
+              <a:defRPr sz="1400">
                 <a:solidFill>
                   <a:schemeClr val="tx1">
                     <a:tint val="75000"/>
@@ -1112,13 +4246,7 @@
       </p:sp>
       <p:sp>
         <p:nvSpPr>
-          <p:cNvPr id="4" name="Date Placeholder 3">
-            <a:extLst>
-              <a:ext uri="{FF2B5EF4-FFF2-40B4-BE49-F238E27FC236}">
-                <a16:creationId xmlns:a16="http://schemas.microsoft.com/office/drawing/2014/main" id="{C0459232-0CFE-42DF-8666-4BDDEDE8D54C}"/>
-              </a:ext>
-            </a:extLst>
-          </p:cNvPr>
+          <p:cNvPr id="4" name="Date Placeholder 3"/>
           <p:cNvSpPr>
             <a:spLocks noGrp="1"/>
           </p:cNvSpPr>
@@ -1133,7 +4261,7 @@
           <a:p>
             <a:fld id="{05ACA978-D5B7-49B2-BADF-42AFEF967A7A}" type="datetimeFigureOut">
               <a:rPr lang="en-US" smtClean="0"/>
-              <a:t>8/30/2021</a:t>
+              <a:t>9/22/2021</a:t>
             </a:fld>
             <a:endParaRPr lang="en-US"/>
           </a:p>
@@ -1141,13 +4269,7 @@
       </p:sp>
       <p:sp>
         <p:nvSpPr>
-          <p:cNvPr id="5" name="Footer Placeholder 4">
-            <a:extLst>
-              <a:ext uri="{FF2B5EF4-FFF2-40B4-BE49-F238E27FC236}">
-                <a16:creationId xmlns:a16="http://schemas.microsoft.com/office/drawing/2014/main" id="{258F8F5B-8A19-4BBB-846D-E28CF0D93CF3}"/>
-              </a:ext>
-            </a:extLst>
-          </p:cNvPr>
+          <p:cNvPr id="5" name="Footer Placeholder 4"/>
           <p:cNvSpPr>
             <a:spLocks noGrp="1"/>
           </p:cNvSpPr>
@@ -1166,13 +4288,7 @@
       </p:sp>
       <p:sp>
         <p:nvSpPr>
-          <p:cNvPr id="6" name="Slide Number Placeholder 5">
-            <a:extLst>
-              <a:ext uri="{FF2B5EF4-FFF2-40B4-BE49-F238E27FC236}">
-                <a16:creationId xmlns:a16="http://schemas.microsoft.com/office/drawing/2014/main" id="{F0F3AD28-50F3-4564-8CEE-22126AA0FCA9}"/>
-              </a:ext>
-            </a:extLst>
-          </p:cNvPr>
+          <p:cNvPr id="6" name="Slide Number Placeholder 5"/>
           <p:cNvSpPr>
             <a:spLocks noGrp="1"/>
           </p:cNvSpPr>
@@ -1193,10 +4309,48 @@
           </a:p>
         </p:txBody>
       </p:sp>
+      <p:cxnSp>
+        <p:nvCxnSpPr>
+          <p:cNvPr id="9" name="Straight Connector 8"/>
+          <p:cNvCxnSpPr/>
+          <p:nvPr/>
+        </p:nvCxnSpPr>
+        <p:spPr>
+          <a:xfrm>
+            <a:off x="1207658" y="4343400"/>
+            <a:ext cx="9875520" cy="0"/>
+          </a:xfrm>
+          <a:prstGeom prst="line">
+            <a:avLst/>
+          </a:prstGeom>
+          <a:ln w="6350">
+            <a:solidFill>
+              <a:schemeClr val="tx1">
+                <a:lumMod val="50000"/>
+                <a:lumOff val="50000"/>
+              </a:schemeClr>
+            </a:solidFill>
+          </a:ln>
+        </p:spPr>
+        <p:style>
+          <a:lnRef idx="1">
+            <a:schemeClr val="accent1"/>
+          </a:lnRef>
+          <a:fillRef idx="0">
+            <a:schemeClr val="accent1"/>
+          </a:fillRef>
+          <a:effectRef idx="0">
+            <a:schemeClr val="accent1"/>
+          </a:effectRef>
+          <a:fontRef idx="minor">
+            <a:schemeClr val="tx1"/>
+          </a:fontRef>
+        </p:style>
+      </p:cxnSp>
     </p:spTree>
     <p:extLst>
       <p:ext uri="{BB962C8B-B14F-4D97-AF65-F5344CB8AC3E}">
-        <p14:creationId xmlns:p14="http://schemas.microsoft.com/office/powerpoint/2010/main" val="4141855360"/>
+        <p14:creationId xmlns:p14="http://schemas.microsoft.com/office/powerpoint/2010/main" val="2413436128"/>
       </p:ext>
     </p:extLst>
   </p:cSld>
@@ -1225,114 +4379,46 @@
       </p:grpSpPr>
       <p:sp>
         <p:nvSpPr>
-          <p:cNvPr id="2" name="Title 1">
-            <a:extLst>
-              <a:ext uri="{FF2B5EF4-FFF2-40B4-BE49-F238E27FC236}">
-                <a16:creationId xmlns:a16="http://schemas.microsoft.com/office/drawing/2014/main" id="{D78A72AC-10CB-46B1-8DCA-3FCB2F34FECA}"/>
-              </a:ext>
-            </a:extLst>
-          </p:cNvPr>
+          <p:cNvPr id="8" name="Title 7"/>
           <p:cNvSpPr>
             <a:spLocks noGrp="1"/>
           </p:cNvSpPr>
           <p:nvPr>
             <p:ph type="title"/>
-          </p:nvPr>
-        </p:nvSpPr>
-        <p:spPr/>
-        <p:txBody>
-          <a:bodyPr/>
-          <a:lstStyle/>
-          <a:p>
-            <a:r>
-              <a:rPr lang="en-US"/>
-              <a:t>Click to edit Master title style</a:t>
-            </a:r>
-          </a:p>
-        </p:txBody>
-      </p:sp>
-      <p:sp>
-        <p:nvSpPr>
-          <p:cNvPr id="3" name="Content Placeholder 2">
-            <a:extLst>
-              <a:ext uri="{FF2B5EF4-FFF2-40B4-BE49-F238E27FC236}">
-                <a16:creationId xmlns:a16="http://schemas.microsoft.com/office/drawing/2014/main" id="{830465D5-5445-4D1E-A3C8-71920B25EB73}"/>
-              </a:ext>
-            </a:extLst>
-          </p:cNvPr>
-          <p:cNvSpPr>
-            <a:spLocks noGrp="1"/>
-          </p:cNvSpPr>
-          <p:nvPr>
-            <p:ph sz="half" idx="1"/>
           </p:nvPr>
         </p:nvSpPr>
         <p:spPr>
           <a:xfrm>
-            <a:off x="838200" y="1825625"/>
-            <a:ext cx="5181600" cy="4351338"/>
+            <a:off x="1097280" y="286603"/>
+            <a:ext cx="10058400" cy="1450757"/>
           </a:xfrm>
         </p:spPr>
         <p:txBody>
           <a:bodyPr/>
           <a:lstStyle/>
           <a:p>
-            <a:pPr lvl="0"/>
-            <a:r>
-              <a:rPr lang="en-US"/>
-              <a:t>Click to edit Master text styles</a:t>
-            </a:r>
-          </a:p>
-          <a:p>
-            <a:pPr lvl="1"/>
-            <a:r>
-              <a:rPr lang="en-US"/>
-              <a:t>Second level</a:t>
-            </a:r>
-          </a:p>
-          <a:p>
-            <a:pPr lvl="2"/>
-            <a:r>
-              <a:rPr lang="en-US"/>
-              <a:t>Third level</a:t>
-            </a:r>
-          </a:p>
-          <a:p>
-            <a:pPr lvl="3"/>
-            <a:r>
-              <a:rPr lang="en-US"/>
-              <a:t>Fourth level</a:t>
-            </a:r>
-          </a:p>
-          <a:p>
-            <a:pPr lvl="4"/>
-            <a:r>
-              <a:rPr lang="en-US"/>
-              <a:t>Fifth level</a:t>
-            </a:r>
-          </a:p>
-        </p:txBody>
-      </p:sp>
-      <p:sp>
-        <p:nvSpPr>
-          <p:cNvPr id="4" name="Content Placeholder 3">
-            <a:extLst>
-              <a:ext uri="{FF2B5EF4-FFF2-40B4-BE49-F238E27FC236}">
-                <a16:creationId xmlns:a16="http://schemas.microsoft.com/office/drawing/2014/main" id="{5EF0B1B3-744F-48EF-AD76-C27DA1F81D8C}"/>
-              </a:ext>
-            </a:extLst>
-          </p:cNvPr>
-          <p:cNvSpPr>
-            <a:spLocks noGrp="1"/>
-          </p:cNvSpPr>
-          <p:nvPr>
-            <p:ph sz="half" idx="2"/>
+            <a:r>
+              <a:rPr lang="en-US"/>
+              <a:t>Click to edit Master title style</a:t>
+            </a:r>
+            <a:endParaRPr lang="en-US" dirty="0"/>
+          </a:p>
+        </p:txBody>
+      </p:sp>
+      <p:sp>
+        <p:nvSpPr>
+          <p:cNvPr id="3" name="Content Placeholder 2"/>
+          <p:cNvSpPr>
+            <a:spLocks noGrp="1"/>
+          </p:cNvSpPr>
+          <p:nvPr>
+            <p:ph sz="half" idx="1"/>
           </p:nvPr>
         </p:nvSpPr>
         <p:spPr>
           <a:xfrm>
-            <a:off x="6172200" y="1825625"/>
-            <a:ext cx="5181600" cy="4351338"/>
+            <a:off x="1097278" y="1845734"/>
+            <a:ext cx="4937760" cy="4023359"/>
           </a:xfrm>
         </p:spPr>
         <p:txBody>
@@ -1372,18 +4458,70 @@
               <a:rPr lang="en-US"/>
               <a:t>Fifth level</a:t>
             </a:r>
-          </a:p>
-        </p:txBody>
-      </p:sp>
-      <p:sp>
-        <p:nvSpPr>
-          <p:cNvPr id="5" name="Date Placeholder 4">
-            <a:extLst>
-              <a:ext uri="{FF2B5EF4-FFF2-40B4-BE49-F238E27FC236}">
-                <a16:creationId xmlns:a16="http://schemas.microsoft.com/office/drawing/2014/main" id="{AEC0F729-DC38-445A-A210-34458AC31278}"/>
-              </a:ext>
-            </a:extLst>
-          </p:cNvPr>
+            <a:endParaRPr lang="en-US" dirty="0"/>
+          </a:p>
+        </p:txBody>
+      </p:sp>
+      <p:sp>
+        <p:nvSpPr>
+          <p:cNvPr id="4" name="Content Placeholder 3"/>
+          <p:cNvSpPr>
+            <a:spLocks noGrp="1"/>
+          </p:cNvSpPr>
+          <p:nvPr>
+            <p:ph sz="half" idx="2"/>
+          </p:nvPr>
+        </p:nvSpPr>
+        <p:spPr>
+          <a:xfrm>
+            <a:off x="6217920" y="1845735"/>
+            <a:ext cx="4937760" cy="4023360"/>
+          </a:xfrm>
+        </p:spPr>
+        <p:txBody>
+          <a:bodyPr/>
+          <a:lstStyle/>
+          <a:p>
+            <a:pPr lvl="0"/>
+            <a:r>
+              <a:rPr lang="en-US"/>
+              <a:t>Click to edit Master text styles</a:t>
+            </a:r>
+          </a:p>
+          <a:p>
+            <a:pPr lvl="1"/>
+            <a:r>
+              <a:rPr lang="en-US"/>
+              <a:t>Second level</a:t>
+            </a:r>
+          </a:p>
+          <a:p>
+            <a:pPr lvl="2"/>
+            <a:r>
+              <a:rPr lang="en-US"/>
+              <a:t>Third level</a:t>
+            </a:r>
+          </a:p>
+          <a:p>
+            <a:pPr lvl="3"/>
+            <a:r>
+              <a:rPr lang="en-US"/>
+              <a:t>Fourth level</a:t>
+            </a:r>
+          </a:p>
+          <a:p>
+            <a:pPr lvl="4"/>
+            <a:r>
+              <a:rPr lang="en-US"/>
+              <a:t>Fifth level</a:t>
+            </a:r>
+            <a:endParaRPr lang="en-US" dirty="0"/>
+          </a:p>
+        </p:txBody>
+      </p:sp>
+      <p:sp>
+        <p:nvSpPr>
+          <p:cNvPr id="5" name="Date Placeholder 4"/>
           <p:cNvSpPr>
             <a:spLocks noGrp="1"/>
           </p:cNvSpPr>
@@ -1398,7 +4536,7 @@
           <a:p>
             <a:fld id="{05ACA978-D5B7-49B2-BADF-42AFEF967A7A}" type="datetimeFigureOut">
               <a:rPr lang="en-US" smtClean="0"/>
-              <a:t>8/30/2021</a:t>
+              <a:t>9/22/2021</a:t>
             </a:fld>
             <a:endParaRPr lang="en-US"/>
           </a:p>
@@ -1406,13 +4544,7 @@
       </p:sp>
       <p:sp>
         <p:nvSpPr>
-          <p:cNvPr id="6" name="Footer Placeholder 5">
-            <a:extLst>
-              <a:ext uri="{FF2B5EF4-FFF2-40B4-BE49-F238E27FC236}">
-                <a16:creationId xmlns:a16="http://schemas.microsoft.com/office/drawing/2014/main" id="{8FE847C7-BC6A-4AA5-BC87-F11208AF656A}"/>
-              </a:ext>
-            </a:extLst>
-          </p:cNvPr>
+          <p:cNvPr id="6" name="Footer Placeholder 5"/>
           <p:cNvSpPr>
             <a:spLocks noGrp="1"/>
           </p:cNvSpPr>
@@ -1431,13 +4563,7 @@
       </p:sp>
       <p:sp>
         <p:nvSpPr>
-          <p:cNvPr id="7" name="Slide Number Placeholder 6">
-            <a:extLst>
-              <a:ext uri="{FF2B5EF4-FFF2-40B4-BE49-F238E27FC236}">
-                <a16:creationId xmlns:a16="http://schemas.microsoft.com/office/drawing/2014/main" id="{585DB064-9CC8-4753-8F36-41692330CF51}"/>
-              </a:ext>
-            </a:extLst>
-          </p:cNvPr>
+          <p:cNvPr id="7" name="Slide Number Placeholder 6"/>
           <p:cNvSpPr>
             <a:spLocks noGrp="1"/>
           </p:cNvSpPr>
@@ -1461,7 +4587,7 @@
     </p:spTree>
     <p:extLst>
       <p:ext uri="{BB962C8B-B14F-4D97-AF65-F5344CB8AC3E}">
-        <p14:creationId xmlns:p14="http://schemas.microsoft.com/office/powerpoint/2010/main" val="24519206"/>
+        <p14:creationId xmlns:p14="http://schemas.microsoft.com/office/powerpoint/2010/main" val="767575698"/>
       </p:ext>
     </p:extLst>
   </p:cSld>
@@ -1490,13 +4616,7 @@
       </p:grpSpPr>
       <p:sp>
         <p:nvSpPr>
-          <p:cNvPr id="2" name="Title 1">
-            <a:extLst>
-              <a:ext uri="{FF2B5EF4-FFF2-40B4-BE49-F238E27FC236}">
-                <a16:creationId xmlns:a16="http://schemas.microsoft.com/office/drawing/2014/main" id="{2D04C386-5127-44F1-B5C1-42424B3E8C8A}"/>
-              </a:ext>
-            </a:extLst>
-          </p:cNvPr>
+          <p:cNvPr id="10" name="Title 9"/>
           <p:cNvSpPr>
             <a:spLocks noGrp="1"/>
           </p:cNvSpPr>
@@ -1506,8 +4626,8 @@
         </p:nvSpPr>
         <p:spPr>
           <a:xfrm>
-            <a:off x="839788" y="365125"/>
-            <a:ext cx="10515600" cy="1325563"/>
+            <a:off x="1097280" y="286603"/>
+            <a:ext cx="10058400" cy="1450757"/>
           </a:xfrm>
         </p:spPr>
         <p:txBody>
@@ -1518,18 +4638,13 @@
               <a:rPr lang="en-US"/>
               <a:t>Click to edit Master title style</a:t>
             </a:r>
-          </a:p>
-        </p:txBody>
-      </p:sp>
-      <p:sp>
-        <p:nvSpPr>
-          <p:cNvPr id="3" name="Text Placeholder 2">
-            <a:extLst>
-              <a:ext uri="{FF2B5EF4-FFF2-40B4-BE49-F238E27FC236}">
-                <a16:creationId xmlns:a16="http://schemas.microsoft.com/office/drawing/2014/main" id="{12809497-0718-4BDB-BDD2-0F509DEBF32C}"/>
-              </a:ext>
-            </a:extLst>
-          </p:cNvPr>
+            <a:endParaRPr lang="en-US" dirty="0"/>
+          </a:p>
+        </p:txBody>
+      </p:sp>
+      <p:sp>
+        <p:nvSpPr>
+          <p:cNvPr id="3" name="Text Placeholder 2"/>
           <p:cNvSpPr>
             <a:spLocks noGrp="1"/>
           </p:cNvSpPr>
@@ -1539,16 +4654,24 @@
         </p:nvSpPr>
         <p:spPr>
           <a:xfrm>
-            <a:off x="839788" y="1681163"/>
-            <a:ext cx="5157787" cy="823912"/>
+            <a:off x="1097280" y="1846052"/>
+            <a:ext cx="4937760" cy="736282"/>
           </a:xfrm>
         </p:spPr>
         <p:txBody>
-          <a:bodyPr anchor="b"/>
+          <a:bodyPr lIns="91440" rIns="91440" anchor="ctr">
+            <a:normAutofit/>
+          </a:bodyPr>
           <a:lstStyle>
             <a:lvl1pPr marL="0" indent="0">
               <a:buNone/>
-              <a:defRPr sz="2400" b="1"/>
+              <a:defRPr sz="2000" b="0" cap="all" baseline="0">
+                <a:solidFill>
+                  <a:schemeClr val="tx2">
+                    <a:lumMod val="90000"/>
+                  </a:schemeClr>
+                </a:solidFill>
+              </a:defRPr>
             </a:lvl1pPr>
             <a:lvl2pPr marL="457200" indent="0">
               <a:buNone/>
@@ -1594,13 +4717,7 @@
       </p:sp>
       <p:sp>
         <p:nvSpPr>
-          <p:cNvPr id="4" name="Content Placeholder 3">
-            <a:extLst>
-              <a:ext uri="{FF2B5EF4-FFF2-40B4-BE49-F238E27FC236}">
-                <a16:creationId xmlns:a16="http://schemas.microsoft.com/office/drawing/2014/main" id="{E32AA3BB-08CC-4C90-9881-6DDDD8F0DD2C}"/>
-              </a:ext>
-            </a:extLst>
-          </p:cNvPr>
+          <p:cNvPr id="4" name="Content Placeholder 3"/>
           <p:cNvSpPr>
             <a:spLocks noGrp="1"/>
           </p:cNvSpPr>
@@ -1610,8 +4727,8 @@
         </p:nvSpPr>
         <p:spPr>
           <a:xfrm>
-            <a:off x="839788" y="2505075"/>
-            <a:ext cx="5157787" cy="3684588"/>
+            <a:off x="1097280" y="2582334"/>
+            <a:ext cx="4937760" cy="3378200"/>
           </a:xfrm>
         </p:spPr>
         <p:txBody>
@@ -1651,18 +4768,13 @@
               <a:rPr lang="en-US"/>
               <a:t>Fifth level</a:t>
             </a:r>
-          </a:p>
-        </p:txBody>
-      </p:sp>
-      <p:sp>
-        <p:nvSpPr>
-          <p:cNvPr id="5" name="Text Placeholder 4">
-            <a:extLst>
-              <a:ext uri="{FF2B5EF4-FFF2-40B4-BE49-F238E27FC236}">
-                <a16:creationId xmlns:a16="http://schemas.microsoft.com/office/drawing/2014/main" id="{1563236E-3973-4265-999B-AFB67BBF56EF}"/>
-              </a:ext>
-            </a:extLst>
-          </p:cNvPr>
+            <a:endParaRPr lang="en-US" dirty="0"/>
+          </a:p>
+        </p:txBody>
+      </p:sp>
+      <p:sp>
+        <p:nvSpPr>
+          <p:cNvPr id="5" name="Text Placeholder 4"/>
           <p:cNvSpPr>
             <a:spLocks noGrp="1"/>
           </p:cNvSpPr>
@@ -1672,16 +4784,24 @@
         </p:nvSpPr>
         <p:spPr>
           <a:xfrm>
-            <a:off x="6172200" y="1681163"/>
-            <a:ext cx="5183188" cy="823912"/>
+            <a:off x="6217920" y="1846052"/>
+            <a:ext cx="4937760" cy="736282"/>
           </a:xfrm>
         </p:spPr>
         <p:txBody>
-          <a:bodyPr anchor="b"/>
+          <a:bodyPr lIns="91440" rIns="91440" anchor="ctr">
+            <a:normAutofit/>
+          </a:bodyPr>
           <a:lstStyle>
             <a:lvl1pPr marL="0" indent="0">
               <a:buNone/>
-              <a:defRPr sz="2400" b="1"/>
+              <a:defRPr sz="2000" b="0" cap="all" baseline="0">
+                <a:solidFill>
+                  <a:schemeClr val="tx2">
+                    <a:lumMod val="90000"/>
+                  </a:schemeClr>
+                </a:solidFill>
+              </a:defRPr>
             </a:lvl1pPr>
             <a:lvl2pPr marL="457200" indent="0">
               <a:buNone/>
@@ -1727,13 +4847,7 @@
       </p:sp>
       <p:sp>
         <p:nvSpPr>
-          <p:cNvPr id="6" name="Content Placeholder 5">
-            <a:extLst>
-              <a:ext uri="{FF2B5EF4-FFF2-40B4-BE49-F238E27FC236}">
-                <a16:creationId xmlns:a16="http://schemas.microsoft.com/office/drawing/2014/main" id="{BA2E3FBC-6E3C-4CD8-98A9-863656DD4469}"/>
-              </a:ext>
-            </a:extLst>
-          </p:cNvPr>
+          <p:cNvPr id="6" name="Content Placeholder 5"/>
           <p:cNvSpPr>
             <a:spLocks noGrp="1"/>
           </p:cNvSpPr>
@@ -1743,8 +4857,8 @@
         </p:nvSpPr>
         <p:spPr>
           <a:xfrm>
-            <a:off x="6172200" y="2505075"/>
-            <a:ext cx="5183188" cy="3684588"/>
+            <a:off x="6217920" y="2582334"/>
+            <a:ext cx="4937760" cy="3378200"/>
           </a:xfrm>
         </p:spPr>
         <p:txBody>
@@ -1784,18 +4898,13 @@
               <a:rPr lang="en-US"/>
               <a:t>Fifth level</a:t>
             </a:r>
-          </a:p>
-        </p:txBody>
-      </p:sp>
-      <p:sp>
-        <p:nvSpPr>
-          <p:cNvPr id="7" name="Date Placeholder 6">
-            <a:extLst>
-              <a:ext uri="{FF2B5EF4-FFF2-40B4-BE49-F238E27FC236}">
-                <a16:creationId xmlns:a16="http://schemas.microsoft.com/office/drawing/2014/main" id="{9C9D619D-F2A7-4809-BAAC-D9834939EDC9}"/>
-              </a:ext>
-            </a:extLst>
-          </p:cNvPr>
+            <a:endParaRPr lang="en-US" dirty="0"/>
+          </a:p>
+        </p:txBody>
+      </p:sp>
+      <p:sp>
+        <p:nvSpPr>
+          <p:cNvPr id="7" name="Date Placeholder 6"/>
           <p:cNvSpPr>
             <a:spLocks noGrp="1"/>
           </p:cNvSpPr>
@@ -1810,7 +4919,7 @@
           <a:p>
             <a:fld id="{05ACA978-D5B7-49B2-BADF-42AFEF967A7A}" type="datetimeFigureOut">
               <a:rPr lang="en-US" smtClean="0"/>
-              <a:t>8/30/2021</a:t>
+              <a:t>9/22/2021</a:t>
             </a:fld>
             <a:endParaRPr lang="en-US"/>
           </a:p>
@@ -1818,13 +4927,7 @@
       </p:sp>
       <p:sp>
         <p:nvSpPr>
-          <p:cNvPr id="8" name="Footer Placeholder 7">
-            <a:extLst>
-              <a:ext uri="{FF2B5EF4-FFF2-40B4-BE49-F238E27FC236}">
-                <a16:creationId xmlns:a16="http://schemas.microsoft.com/office/drawing/2014/main" id="{4E9A5381-10CB-40B2-BC37-6289C3C29427}"/>
-              </a:ext>
-            </a:extLst>
-          </p:cNvPr>
+          <p:cNvPr id="8" name="Footer Placeholder 7"/>
           <p:cNvSpPr>
             <a:spLocks noGrp="1"/>
           </p:cNvSpPr>
@@ -1843,13 +4946,7 @@
       </p:sp>
       <p:sp>
         <p:nvSpPr>
-          <p:cNvPr id="9" name="Slide Number Placeholder 8">
-            <a:extLst>
-              <a:ext uri="{FF2B5EF4-FFF2-40B4-BE49-F238E27FC236}">
-                <a16:creationId xmlns:a16="http://schemas.microsoft.com/office/drawing/2014/main" id="{DB9E2B7E-0655-4458-903C-66D4FDFDDD1D}"/>
-              </a:ext>
-            </a:extLst>
-          </p:cNvPr>
+          <p:cNvPr id="9" name="Slide Number Placeholder 8"/>
           <p:cNvSpPr>
             <a:spLocks noGrp="1"/>
           </p:cNvSpPr>
@@ -1873,7 +4970,7 @@
     </p:spTree>
     <p:extLst>
       <p:ext uri="{BB962C8B-B14F-4D97-AF65-F5344CB8AC3E}">
-        <p14:creationId xmlns:p14="http://schemas.microsoft.com/office/powerpoint/2010/main" val="868007884"/>
+        <p14:creationId xmlns:p14="http://schemas.microsoft.com/office/powerpoint/2010/main" val="2819850939"/>
       </p:ext>
     </p:extLst>
   </p:cSld>
@@ -1902,13 +4999,7 @@
       </p:grpSpPr>
       <p:sp>
         <p:nvSpPr>
-          <p:cNvPr id="2" name="Title 1">
-            <a:extLst>
-              <a:ext uri="{FF2B5EF4-FFF2-40B4-BE49-F238E27FC236}">
-                <a16:creationId xmlns:a16="http://schemas.microsoft.com/office/drawing/2014/main" id="{A826CF90-B4CC-4155-831E-D6FEA28F44B8}"/>
-              </a:ext>
-            </a:extLst>
-          </p:cNvPr>
+          <p:cNvPr id="2" name="Title 1"/>
           <p:cNvSpPr>
             <a:spLocks noGrp="1"/>
           </p:cNvSpPr>
@@ -1925,18 +5016,13 @@
               <a:rPr lang="en-US"/>
               <a:t>Click to edit Master title style</a:t>
             </a:r>
-          </a:p>
-        </p:txBody>
-      </p:sp>
-      <p:sp>
-        <p:nvSpPr>
-          <p:cNvPr id="3" name="Date Placeholder 2">
-            <a:extLst>
-              <a:ext uri="{FF2B5EF4-FFF2-40B4-BE49-F238E27FC236}">
-                <a16:creationId xmlns:a16="http://schemas.microsoft.com/office/drawing/2014/main" id="{1705B6D5-DE2C-4702-A677-722DFA5AA4C1}"/>
-              </a:ext>
-            </a:extLst>
-          </p:cNvPr>
+            <a:endParaRPr lang="en-US" dirty="0"/>
+          </a:p>
+        </p:txBody>
+      </p:sp>
+      <p:sp>
+        <p:nvSpPr>
+          <p:cNvPr id="3" name="Date Placeholder 2"/>
           <p:cNvSpPr>
             <a:spLocks noGrp="1"/>
           </p:cNvSpPr>
@@ -1951,7 +5037,7 @@
           <a:p>
             <a:fld id="{05ACA978-D5B7-49B2-BADF-42AFEF967A7A}" type="datetimeFigureOut">
               <a:rPr lang="en-US" smtClean="0"/>
-              <a:t>8/30/2021</a:t>
+              <a:t>9/22/2021</a:t>
             </a:fld>
             <a:endParaRPr lang="en-US"/>
           </a:p>
@@ -1959,13 +5045,7 @@
       </p:sp>
       <p:sp>
         <p:nvSpPr>
-          <p:cNvPr id="4" name="Footer Placeholder 3">
-            <a:extLst>
-              <a:ext uri="{FF2B5EF4-FFF2-40B4-BE49-F238E27FC236}">
-                <a16:creationId xmlns:a16="http://schemas.microsoft.com/office/drawing/2014/main" id="{F27A6E63-32AF-488F-885C-4152D1FA5F04}"/>
-              </a:ext>
-            </a:extLst>
-          </p:cNvPr>
+          <p:cNvPr id="4" name="Footer Placeholder 3"/>
           <p:cNvSpPr>
             <a:spLocks noGrp="1"/>
           </p:cNvSpPr>
@@ -1984,13 +5064,7 @@
       </p:sp>
       <p:sp>
         <p:nvSpPr>
-          <p:cNvPr id="5" name="Slide Number Placeholder 4">
-            <a:extLst>
-              <a:ext uri="{FF2B5EF4-FFF2-40B4-BE49-F238E27FC236}">
-                <a16:creationId xmlns:a16="http://schemas.microsoft.com/office/drawing/2014/main" id="{2F8FDF6F-52F5-4587-8B10-C3C705E59FD1}"/>
-              </a:ext>
-            </a:extLst>
-          </p:cNvPr>
+          <p:cNvPr id="5" name="Slide Number Placeholder 4"/>
           <p:cNvSpPr>
             <a:spLocks noGrp="1"/>
           </p:cNvSpPr>
@@ -2014,7 +5088,7 @@
     </p:spTree>
     <p:extLst>
       <p:ext uri="{BB962C8B-B14F-4D97-AF65-F5344CB8AC3E}">
-        <p14:creationId xmlns:p14="http://schemas.microsoft.com/office/powerpoint/2010/main" val="785811582"/>
+        <p14:creationId xmlns:p14="http://schemas.microsoft.com/office/powerpoint/2010/main" val="1175878824"/>
       </p:ext>
     </p:extLst>
   </p:cSld>
@@ -2025,7 +5099,7 @@
 </file>
 
 <file path=ppt/slideLayouts/slideLayout7.xml><?xml version="1.0" encoding="utf-8"?>
-<p:sldLayout xmlns:a="http://schemas.openxmlformats.org/drawingml/2006/main" xmlns:r="http://schemas.openxmlformats.org/officeDocument/2006/relationships" xmlns:p="http://schemas.openxmlformats.org/presentationml/2006/main" type="blank" preserve="1">
+<p:sldLayout xmlns:a="http://schemas.openxmlformats.org/drawingml/2006/main" xmlns:r="http://schemas.openxmlformats.org/officeDocument/2006/relationships" xmlns:p="http://schemas.openxmlformats.org/presentationml/2006/main" showMasterSp="0" type="blank" preserve="1">
   <p:cSld name="Blank">
     <p:spTree>
       <p:nvGrpSpPr>
@@ -2043,13 +5117,85 @@
       </p:grpSpPr>
       <p:sp>
         <p:nvSpPr>
-          <p:cNvPr id="2" name="Date Placeholder 1">
-            <a:extLst>
-              <a:ext uri="{FF2B5EF4-FFF2-40B4-BE49-F238E27FC236}">
-                <a16:creationId xmlns:a16="http://schemas.microsoft.com/office/drawing/2014/main" id="{56C3A306-8AEB-4009-8420-CE7C24C899B3}"/>
-              </a:ext>
-            </a:extLst>
-          </p:cNvPr>
+          <p:cNvPr id="5" name="Rectangle 4"/>
+          <p:cNvSpPr/>
+          <p:nvPr/>
+        </p:nvSpPr>
+        <p:spPr>
+          <a:xfrm>
+            <a:off x="3175" y="6400800"/>
+            <a:ext cx="12188825" cy="457200"/>
+          </a:xfrm>
+          <a:prstGeom prst="rect">
+            <a:avLst/>
+          </a:prstGeom>
+          <a:solidFill>
+            <a:schemeClr val="accent1">
+              <a:lumMod val="75000"/>
+            </a:schemeClr>
+          </a:solidFill>
+          <a:ln>
+            <a:noFill/>
+          </a:ln>
+        </p:spPr>
+        <p:style>
+          <a:lnRef idx="2">
+            <a:schemeClr val="accent1">
+              <a:shade val="50000"/>
+            </a:schemeClr>
+          </a:lnRef>
+          <a:fillRef idx="1">
+            <a:schemeClr val="accent1"/>
+          </a:fillRef>
+          <a:effectRef idx="0">
+            <a:schemeClr val="accent1"/>
+          </a:effectRef>
+          <a:fontRef idx="minor">
+            <a:schemeClr val="lt1"/>
+          </a:fontRef>
+        </p:style>
+      </p:sp>
+      <p:sp>
+        <p:nvSpPr>
+          <p:cNvPr id="6" name="Rectangle 5"/>
+          <p:cNvSpPr/>
+          <p:nvPr/>
+        </p:nvSpPr>
+        <p:spPr>
+          <a:xfrm>
+            <a:off x="15" y="6334316"/>
+            <a:ext cx="12188825" cy="64008"/>
+          </a:xfrm>
+          <a:prstGeom prst="rect">
+            <a:avLst/>
+          </a:prstGeom>
+          <a:solidFill>
+            <a:schemeClr val="accent1"/>
+          </a:solidFill>
+          <a:ln>
+            <a:noFill/>
+          </a:ln>
+        </p:spPr>
+        <p:style>
+          <a:lnRef idx="2">
+            <a:schemeClr val="accent1">
+              <a:shade val="50000"/>
+            </a:schemeClr>
+          </a:lnRef>
+          <a:fillRef idx="1">
+            <a:schemeClr val="accent1"/>
+          </a:fillRef>
+          <a:effectRef idx="0">
+            <a:schemeClr val="accent1"/>
+          </a:effectRef>
+          <a:fontRef idx="minor">
+            <a:schemeClr val="lt1"/>
+          </a:fontRef>
+        </p:style>
+      </p:sp>
+      <p:sp>
+        <p:nvSpPr>
+          <p:cNvPr id="7" name="Date Placeholder 6"/>
           <p:cNvSpPr>
             <a:spLocks noGrp="1"/>
           </p:cNvSpPr>
@@ -2064,7 +5210,7 @@
           <a:p>
             <a:fld id="{05ACA978-D5B7-49B2-BADF-42AFEF967A7A}" type="datetimeFigureOut">
               <a:rPr lang="en-US" smtClean="0"/>
-              <a:t>8/30/2021</a:t>
+              <a:t>9/22/2021</a:t>
             </a:fld>
             <a:endParaRPr lang="en-US"/>
           </a:p>
@@ -2072,13 +5218,7 @@
       </p:sp>
       <p:sp>
         <p:nvSpPr>
-          <p:cNvPr id="3" name="Footer Placeholder 2">
-            <a:extLst>
-              <a:ext uri="{FF2B5EF4-FFF2-40B4-BE49-F238E27FC236}">
-                <a16:creationId xmlns:a16="http://schemas.microsoft.com/office/drawing/2014/main" id="{DFFA3F5C-29D2-4BC9-8A78-F18B88FE20EA}"/>
-              </a:ext>
-            </a:extLst>
-          </p:cNvPr>
+          <p:cNvPr id="8" name="Footer Placeholder 7"/>
           <p:cNvSpPr>
             <a:spLocks noGrp="1"/>
           </p:cNvSpPr>
@@ -2089,7 +5229,15 @@
         <p:spPr/>
         <p:txBody>
           <a:bodyPr/>
-          <a:lstStyle/>
+          <a:lstStyle>
+            <a:lvl1pPr>
+              <a:defRPr>
+                <a:solidFill>
+                  <a:srgbClr val="FFFFFF"/>
+                </a:solidFill>
+              </a:defRPr>
+            </a:lvl1pPr>
+          </a:lstStyle>
           <a:p>
             <a:endParaRPr lang="en-US"/>
           </a:p>
@@ -2097,13 +5245,7 @@
       </p:sp>
       <p:sp>
         <p:nvSpPr>
-          <p:cNvPr id="4" name="Slide Number Placeholder 3">
-            <a:extLst>
-              <a:ext uri="{FF2B5EF4-FFF2-40B4-BE49-F238E27FC236}">
-                <a16:creationId xmlns:a16="http://schemas.microsoft.com/office/drawing/2014/main" id="{D2FE01A1-686D-4EE4-8BBD-38E451373981}"/>
-              </a:ext>
-            </a:extLst>
-          </p:cNvPr>
+          <p:cNvPr id="9" name="Slide Number Placeholder 8"/>
           <p:cNvSpPr>
             <a:spLocks noGrp="1"/>
           </p:cNvSpPr>
@@ -2127,7 +5269,7 @@
     </p:spTree>
     <p:extLst>
       <p:ext uri="{BB962C8B-B14F-4D97-AF65-F5344CB8AC3E}">
-        <p14:creationId xmlns:p14="http://schemas.microsoft.com/office/powerpoint/2010/main" val="4166498699"/>
+        <p14:creationId xmlns:p14="http://schemas.microsoft.com/office/powerpoint/2010/main" val="196275274"/>
       </p:ext>
     </p:extLst>
   </p:cSld>
@@ -2138,7 +5280,7 @@
 </file>
 
 <file path=ppt/slideLayouts/slideLayout8.xml><?xml version="1.0" encoding="utf-8"?>
-<p:sldLayout xmlns:a="http://schemas.openxmlformats.org/drawingml/2006/main" xmlns:r="http://schemas.openxmlformats.org/officeDocument/2006/relationships" xmlns:p="http://schemas.openxmlformats.org/presentationml/2006/main" type="objTx" preserve="1">
+<p:sldLayout xmlns:a="http://schemas.openxmlformats.org/drawingml/2006/main" xmlns:r="http://schemas.openxmlformats.org/officeDocument/2006/relationships" xmlns:p="http://schemas.openxmlformats.org/presentationml/2006/main" showMasterSp="0" type="objTx" preserve="1">
   <p:cSld name="Content with Caption">
     <p:spTree>
       <p:nvGrpSpPr>
@@ -2156,31 +5298,109 @@
       </p:grpSpPr>
       <p:sp>
         <p:nvSpPr>
-          <p:cNvPr id="2" name="Title 1">
-            <a:extLst>
-              <a:ext uri="{FF2B5EF4-FFF2-40B4-BE49-F238E27FC236}">
-                <a16:creationId xmlns:a16="http://schemas.microsoft.com/office/drawing/2014/main" id="{5FD95EA4-E3DB-4F6A-8279-35B85C1D3E05}"/>
-              </a:ext>
-            </a:extLst>
-          </p:cNvPr>
-          <p:cNvSpPr>
-            <a:spLocks noGrp="1"/>
-          </p:cNvSpPr>
-          <p:nvPr>
-            <p:ph type="title"/>
-          </p:nvPr>
+          <p:cNvPr id="8" name="Rectangle 7"/>
+          <p:cNvSpPr/>
+          <p:nvPr/>
         </p:nvSpPr>
         <p:spPr>
           <a:xfrm>
-            <a:off x="839788" y="457200"/>
-            <a:ext cx="3932237" cy="1600200"/>
+            <a:off x="0" y="0"/>
+            <a:ext cx="4050791" cy="6858000"/>
+          </a:xfrm>
+          <a:prstGeom prst="rect">
+            <a:avLst/>
+          </a:prstGeom>
+          <a:solidFill>
+            <a:schemeClr val="accent1">
+              <a:lumMod val="75000"/>
+            </a:schemeClr>
+          </a:solidFill>
+          <a:ln>
+            <a:noFill/>
+          </a:ln>
+        </p:spPr>
+        <p:style>
+          <a:lnRef idx="2">
+            <a:schemeClr val="accent1">
+              <a:shade val="50000"/>
+            </a:schemeClr>
+          </a:lnRef>
+          <a:fillRef idx="1">
+            <a:schemeClr val="accent1"/>
+          </a:fillRef>
+          <a:effectRef idx="0">
+            <a:schemeClr val="accent1"/>
+          </a:effectRef>
+          <a:fontRef idx="minor">
+            <a:schemeClr val="lt1"/>
+          </a:fontRef>
+        </p:style>
+      </p:sp>
+      <p:sp>
+        <p:nvSpPr>
+          <p:cNvPr id="9" name="Rectangle 8"/>
+          <p:cNvSpPr/>
+          <p:nvPr/>
+        </p:nvSpPr>
+        <p:spPr>
+          <a:xfrm>
+            <a:off x="4040071" y="0"/>
+            <a:ext cx="64008" cy="6858000"/>
+          </a:xfrm>
+          <a:prstGeom prst="rect">
+            <a:avLst/>
+          </a:prstGeom>
+          <a:solidFill>
+            <a:schemeClr val="accent1"/>
+          </a:solidFill>
+          <a:ln>
+            <a:noFill/>
+          </a:ln>
+        </p:spPr>
+        <p:style>
+          <a:lnRef idx="2">
+            <a:schemeClr val="accent1">
+              <a:shade val="50000"/>
+            </a:schemeClr>
+          </a:lnRef>
+          <a:fillRef idx="1">
+            <a:schemeClr val="accent1"/>
+          </a:fillRef>
+          <a:effectRef idx="0">
+            <a:schemeClr val="accent1"/>
+          </a:effectRef>
+          <a:fontRef idx="minor">
+            <a:schemeClr val="lt1"/>
+          </a:fontRef>
+        </p:style>
+      </p:sp>
+      <p:sp>
+        <p:nvSpPr>
+          <p:cNvPr id="2" name="Title 1"/>
+          <p:cNvSpPr>
+            <a:spLocks noGrp="1"/>
+          </p:cNvSpPr>
+          <p:nvPr>
+            <p:ph type="title"/>
+          </p:nvPr>
+        </p:nvSpPr>
+        <p:spPr>
+          <a:xfrm>
+            <a:off x="457200" y="594359"/>
+            <a:ext cx="3200400" cy="2286000"/>
           </a:xfrm>
         </p:spPr>
         <p:txBody>
-          <a:bodyPr anchor="b"/>
+          <a:bodyPr anchor="b">
+            <a:normAutofit/>
+          </a:bodyPr>
           <a:lstStyle>
             <a:lvl1pPr>
-              <a:defRPr sz="3200"/>
+              <a:defRPr sz="3600" b="0">
+                <a:solidFill>
+                  <a:srgbClr val="FFFFFF"/>
+                </a:solidFill>
+              </a:defRPr>
             </a:lvl1pPr>
           </a:lstStyle>
           <a:p>
@@ -2188,18 +5408,13 @@
               <a:rPr lang="en-US"/>
               <a:t>Click to edit Master title style</a:t>
             </a:r>
-          </a:p>
-        </p:txBody>
-      </p:sp>
-      <p:sp>
-        <p:nvSpPr>
-          <p:cNvPr id="3" name="Content Placeholder 2">
-            <a:extLst>
-              <a:ext uri="{FF2B5EF4-FFF2-40B4-BE49-F238E27FC236}">
-                <a16:creationId xmlns:a16="http://schemas.microsoft.com/office/drawing/2014/main" id="{C26BEDA8-8DE0-416B-862E-2D9562C73F15}"/>
-              </a:ext>
-            </a:extLst>
-          </p:cNvPr>
+            <a:endParaRPr lang="en-US" dirty="0"/>
+          </a:p>
+        </p:txBody>
+      </p:sp>
+      <p:sp>
+        <p:nvSpPr>
+          <p:cNvPr id="3" name="Content Placeholder 2"/>
           <p:cNvSpPr>
             <a:spLocks noGrp="1"/>
           </p:cNvSpPr>
@@ -2209,223 +5424,208 @@
         </p:nvSpPr>
         <p:spPr>
           <a:xfrm>
-            <a:off x="5183188" y="987425"/>
-            <a:ext cx="6172200" cy="4873625"/>
+            <a:off x="4800600" y="731520"/>
+            <a:ext cx="6492240" cy="5257800"/>
           </a:xfrm>
         </p:spPr>
         <p:txBody>
           <a:bodyPr/>
+          <a:lstStyle/>
+          <a:p>
+            <a:pPr lvl="0"/>
+            <a:r>
+              <a:rPr lang="en-US"/>
+              <a:t>Click to edit Master text styles</a:t>
+            </a:r>
+          </a:p>
+          <a:p>
+            <a:pPr lvl="1"/>
+            <a:r>
+              <a:rPr lang="en-US"/>
+              <a:t>Second level</a:t>
+            </a:r>
+          </a:p>
+          <a:p>
+            <a:pPr lvl="2"/>
+            <a:r>
+              <a:rPr lang="en-US"/>
+              <a:t>Third level</a:t>
+            </a:r>
+          </a:p>
+          <a:p>
+            <a:pPr lvl="3"/>
+            <a:r>
+              <a:rPr lang="en-US"/>
+              <a:t>Fourth level</a:t>
+            </a:r>
+          </a:p>
+          <a:p>
+            <a:pPr lvl="4"/>
+            <a:r>
+              <a:rPr lang="en-US"/>
+              <a:t>Fifth level</a:t>
+            </a:r>
+            <a:endParaRPr lang="en-US" dirty="0"/>
+          </a:p>
+        </p:txBody>
+      </p:sp>
+      <p:sp>
+        <p:nvSpPr>
+          <p:cNvPr id="4" name="Text Placeholder 3"/>
+          <p:cNvSpPr>
+            <a:spLocks noGrp="1"/>
+          </p:cNvSpPr>
+          <p:nvPr>
+            <p:ph type="body" sz="half" idx="2"/>
+          </p:nvPr>
+        </p:nvSpPr>
+        <p:spPr>
+          <a:xfrm>
+            <a:off x="457200" y="2926080"/>
+            <a:ext cx="3200400" cy="3379124"/>
+          </a:xfrm>
+        </p:spPr>
+        <p:txBody>
+          <a:bodyPr lIns="91440" rIns="91440">
+            <a:normAutofit/>
+          </a:bodyPr>
+          <a:lstStyle>
+            <a:lvl1pPr marL="0" indent="0">
+              <a:buNone/>
+              <a:defRPr sz="1500">
+                <a:solidFill>
+                  <a:srgbClr val="FFFFFF"/>
+                </a:solidFill>
+              </a:defRPr>
+            </a:lvl1pPr>
+            <a:lvl2pPr marL="457200" indent="0">
+              <a:buNone/>
+              <a:defRPr sz="1200"/>
+            </a:lvl2pPr>
+            <a:lvl3pPr marL="914400" indent="0">
+              <a:buNone/>
+              <a:defRPr sz="1000"/>
+            </a:lvl3pPr>
+            <a:lvl4pPr marL="1371600" indent="0">
+              <a:buNone/>
+              <a:defRPr sz="900"/>
+            </a:lvl4pPr>
+            <a:lvl5pPr marL="1828800" indent="0">
+              <a:buNone/>
+              <a:defRPr sz="900"/>
+            </a:lvl5pPr>
+            <a:lvl6pPr marL="2286000" indent="0">
+              <a:buNone/>
+              <a:defRPr sz="900"/>
+            </a:lvl6pPr>
+            <a:lvl7pPr marL="2743200" indent="0">
+              <a:buNone/>
+              <a:defRPr sz="900"/>
+            </a:lvl7pPr>
+            <a:lvl8pPr marL="3200400" indent="0">
+              <a:buNone/>
+              <a:defRPr sz="900"/>
+            </a:lvl8pPr>
+            <a:lvl9pPr marL="3657600" indent="0">
+              <a:buNone/>
+              <a:defRPr sz="900"/>
+            </a:lvl9pPr>
+          </a:lstStyle>
+          <a:p>
+            <a:pPr lvl="0"/>
+            <a:r>
+              <a:rPr lang="en-US"/>
+              <a:t>Click to edit Master text styles</a:t>
+            </a:r>
+          </a:p>
+        </p:txBody>
+      </p:sp>
+      <p:sp>
+        <p:nvSpPr>
+          <p:cNvPr id="5" name="Date Placeholder 4"/>
+          <p:cNvSpPr>
+            <a:spLocks noGrp="1"/>
+          </p:cNvSpPr>
+          <p:nvPr>
+            <p:ph type="dt" sz="half" idx="10"/>
+          </p:nvPr>
+        </p:nvSpPr>
+        <p:spPr>
+          <a:xfrm>
+            <a:off x="465512" y="6459785"/>
+            <a:ext cx="2618510" cy="365125"/>
+          </a:xfrm>
+        </p:spPr>
+        <p:txBody>
+          <a:bodyPr/>
+          <a:lstStyle>
+            <a:lvl1pPr algn="l">
+              <a:defRPr/>
+            </a:lvl1pPr>
+          </a:lstStyle>
+          <a:p>
+            <a:fld id="{05ACA978-D5B7-49B2-BADF-42AFEF967A7A}" type="datetimeFigureOut">
+              <a:rPr lang="en-US" smtClean="0"/>
+              <a:t>9/22/2021</a:t>
+            </a:fld>
+            <a:endParaRPr lang="en-US"/>
+          </a:p>
+        </p:txBody>
+      </p:sp>
+      <p:sp>
+        <p:nvSpPr>
+          <p:cNvPr id="6" name="Footer Placeholder 5"/>
+          <p:cNvSpPr>
+            <a:spLocks noGrp="1"/>
+          </p:cNvSpPr>
+          <p:nvPr>
+            <p:ph type="ftr" sz="quarter" idx="11"/>
+          </p:nvPr>
+        </p:nvSpPr>
+        <p:spPr>
+          <a:xfrm>
+            <a:off x="4800600" y="6459785"/>
+            <a:ext cx="4648200" cy="365125"/>
+          </a:xfrm>
+        </p:spPr>
+        <p:txBody>
+          <a:bodyPr/>
+          <a:lstStyle>
+            <a:lvl1pPr algn="l">
+              <a:defRPr>
+                <a:solidFill>
+                  <a:schemeClr val="tx2"/>
+                </a:solidFill>
+              </a:defRPr>
+            </a:lvl1pPr>
+          </a:lstStyle>
+          <a:p>
+            <a:endParaRPr lang="en-US"/>
+          </a:p>
+        </p:txBody>
+      </p:sp>
+      <p:sp>
+        <p:nvSpPr>
+          <p:cNvPr id="7" name="Slide Number Placeholder 6"/>
+          <p:cNvSpPr>
+            <a:spLocks noGrp="1"/>
+          </p:cNvSpPr>
+          <p:nvPr>
+            <p:ph type="sldNum" sz="quarter" idx="12"/>
+          </p:nvPr>
+        </p:nvSpPr>
+        <p:spPr/>
+        <p:txBody>
+          <a:bodyPr/>
           <a:lstStyle>
             <a:lvl1pPr>
-              <a:defRPr sz="3200"/>
+              <a:defRPr>
+                <a:solidFill>
+                  <a:schemeClr val="tx2"/>
+                </a:solidFill>
+              </a:defRPr>
             </a:lvl1pPr>
-            <a:lvl2pPr>
-              <a:defRPr sz="2800"/>
-            </a:lvl2pPr>
-            <a:lvl3pPr>
-              <a:defRPr sz="2400"/>
-            </a:lvl3pPr>
-            <a:lvl4pPr>
-              <a:defRPr sz="2000"/>
-            </a:lvl4pPr>
-            <a:lvl5pPr>
-              <a:defRPr sz="2000"/>
-            </a:lvl5pPr>
-            <a:lvl6pPr>
-              <a:defRPr sz="2000"/>
-            </a:lvl6pPr>
-            <a:lvl7pPr>
-              <a:defRPr sz="2000"/>
-            </a:lvl7pPr>
-            <a:lvl8pPr>
-              <a:defRPr sz="2000"/>
-            </a:lvl8pPr>
-            <a:lvl9pPr>
-              <a:defRPr sz="2000"/>
-            </a:lvl9pPr>
           </a:lstStyle>
-          <a:p>
-            <a:pPr lvl="0"/>
-            <a:r>
-              <a:rPr lang="en-US"/>
-              <a:t>Click to edit Master text styles</a:t>
-            </a:r>
-          </a:p>
-          <a:p>
-            <a:pPr lvl="1"/>
-            <a:r>
-              <a:rPr lang="en-US"/>
-              <a:t>Second level</a:t>
-            </a:r>
-          </a:p>
-          <a:p>
-            <a:pPr lvl="2"/>
-            <a:r>
-              <a:rPr lang="en-US"/>
-              <a:t>Third level</a:t>
-            </a:r>
-          </a:p>
-          <a:p>
-            <a:pPr lvl="3"/>
-            <a:r>
-              <a:rPr lang="en-US"/>
-              <a:t>Fourth level</a:t>
-            </a:r>
-          </a:p>
-          <a:p>
-            <a:pPr lvl="4"/>
-            <a:r>
-              <a:rPr lang="en-US"/>
-              <a:t>Fifth level</a:t>
-            </a:r>
-          </a:p>
-        </p:txBody>
-      </p:sp>
-      <p:sp>
-        <p:nvSpPr>
-          <p:cNvPr id="4" name="Text Placeholder 3">
-            <a:extLst>
-              <a:ext uri="{FF2B5EF4-FFF2-40B4-BE49-F238E27FC236}">
-                <a16:creationId xmlns:a16="http://schemas.microsoft.com/office/drawing/2014/main" id="{19A20C56-2668-474D-BB40-C1DF05609331}"/>
-              </a:ext>
-            </a:extLst>
-          </p:cNvPr>
-          <p:cNvSpPr>
-            <a:spLocks noGrp="1"/>
-          </p:cNvSpPr>
-          <p:nvPr>
-            <p:ph type="body" sz="half" idx="2"/>
-          </p:nvPr>
-        </p:nvSpPr>
-        <p:spPr>
-          <a:xfrm>
-            <a:off x="839788" y="2057400"/>
-            <a:ext cx="3932237" cy="3811588"/>
-          </a:xfrm>
-        </p:spPr>
-        <p:txBody>
-          <a:bodyPr/>
-          <a:lstStyle>
-            <a:lvl1pPr marL="0" indent="0">
-              <a:buNone/>
-              <a:defRPr sz="1600"/>
-            </a:lvl1pPr>
-            <a:lvl2pPr marL="457200" indent="0">
-              <a:buNone/>
-              <a:defRPr sz="1400"/>
-            </a:lvl2pPr>
-            <a:lvl3pPr marL="914400" indent="0">
-              <a:buNone/>
-              <a:defRPr sz="1200"/>
-            </a:lvl3pPr>
-            <a:lvl4pPr marL="1371600" indent="0">
-              <a:buNone/>
-              <a:defRPr sz="1000"/>
-            </a:lvl4pPr>
-            <a:lvl5pPr marL="1828800" indent="0">
-              <a:buNone/>
-              <a:defRPr sz="1000"/>
-            </a:lvl5pPr>
-            <a:lvl6pPr marL="2286000" indent="0">
-              <a:buNone/>
-              <a:defRPr sz="1000"/>
-            </a:lvl6pPr>
-            <a:lvl7pPr marL="2743200" indent="0">
-              <a:buNone/>
-              <a:defRPr sz="1000"/>
-            </a:lvl7pPr>
-            <a:lvl8pPr marL="3200400" indent="0">
-              <a:buNone/>
-              <a:defRPr sz="1000"/>
-            </a:lvl8pPr>
-            <a:lvl9pPr marL="3657600" indent="0">
-              <a:buNone/>
-              <a:defRPr sz="1000"/>
-            </a:lvl9pPr>
-          </a:lstStyle>
-          <a:p>
-            <a:pPr lvl="0"/>
-            <a:r>
-              <a:rPr lang="en-US"/>
-              <a:t>Click to edit Master text styles</a:t>
-            </a:r>
-          </a:p>
-        </p:txBody>
-      </p:sp>
-      <p:sp>
-        <p:nvSpPr>
-          <p:cNvPr id="5" name="Date Placeholder 4">
-            <a:extLst>
-              <a:ext uri="{FF2B5EF4-FFF2-40B4-BE49-F238E27FC236}">
-                <a16:creationId xmlns:a16="http://schemas.microsoft.com/office/drawing/2014/main" id="{7B9E72CD-77EB-4AEC-9D5D-4D1034FEDB95}"/>
-              </a:ext>
-            </a:extLst>
-          </p:cNvPr>
-          <p:cNvSpPr>
-            <a:spLocks noGrp="1"/>
-          </p:cNvSpPr>
-          <p:nvPr>
-            <p:ph type="dt" sz="half" idx="10"/>
-          </p:nvPr>
-        </p:nvSpPr>
-        <p:spPr/>
-        <p:txBody>
-          <a:bodyPr/>
-          <a:lstStyle/>
-          <a:p>
-            <a:fld id="{05ACA978-D5B7-49B2-BADF-42AFEF967A7A}" type="datetimeFigureOut">
-              <a:rPr lang="en-US" smtClean="0"/>
-              <a:t>8/30/2021</a:t>
-            </a:fld>
-            <a:endParaRPr lang="en-US"/>
-          </a:p>
-        </p:txBody>
-      </p:sp>
-      <p:sp>
-        <p:nvSpPr>
-          <p:cNvPr id="6" name="Footer Placeholder 5">
-            <a:extLst>
-              <a:ext uri="{FF2B5EF4-FFF2-40B4-BE49-F238E27FC236}">
-                <a16:creationId xmlns:a16="http://schemas.microsoft.com/office/drawing/2014/main" id="{761F2854-7F1C-4EC3-853C-5108360F7878}"/>
-              </a:ext>
-            </a:extLst>
-          </p:cNvPr>
-          <p:cNvSpPr>
-            <a:spLocks noGrp="1"/>
-          </p:cNvSpPr>
-          <p:nvPr>
-            <p:ph type="ftr" sz="quarter" idx="11"/>
-          </p:nvPr>
-        </p:nvSpPr>
-        <p:spPr/>
-        <p:txBody>
-          <a:bodyPr/>
-          <a:lstStyle/>
-          <a:p>
-            <a:endParaRPr lang="en-US"/>
-          </a:p>
-        </p:txBody>
-      </p:sp>
-      <p:sp>
-        <p:nvSpPr>
-          <p:cNvPr id="7" name="Slide Number Placeholder 6">
-            <a:extLst>
-              <a:ext uri="{FF2B5EF4-FFF2-40B4-BE49-F238E27FC236}">
-                <a16:creationId xmlns:a16="http://schemas.microsoft.com/office/drawing/2014/main" id="{32DA1791-3006-476C-A3E7-1C1D55016D0C}"/>
-              </a:ext>
-            </a:extLst>
-          </p:cNvPr>
-          <p:cNvSpPr>
-            <a:spLocks noGrp="1"/>
-          </p:cNvSpPr>
-          <p:nvPr>
-            <p:ph type="sldNum" sz="quarter" idx="12"/>
-          </p:nvPr>
-        </p:nvSpPr>
-        <p:spPr/>
-        <p:txBody>
-          <a:bodyPr/>
-          <a:lstStyle/>
           <a:p>
             <a:fld id="{7F4C3BD3-7697-49EE-8BFE-FA20DB920AA7}" type="slidenum">
               <a:rPr lang="en-US" smtClean="0"/>
@@ -2438,7 +5638,7 @@
     </p:spTree>
     <p:extLst>
       <p:ext uri="{BB962C8B-B14F-4D97-AF65-F5344CB8AC3E}">
-        <p14:creationId xmlns:p14="http://schemas.microsoft.com/office/powerpoint/2010/main" val="3534536750"/>
+        <p14:creationId xmlns:p14="http://schemas.microsoft.com/office/powerpoint/2010/main" val="3231347039"/>
       </p:ext>
     </p:extLst>
   </p:cSld>
@@ -2449,7 +5649,7 @@
 </file>
 
 <file path=ppt/slideLayouts/slideLayout9.xml><?xml version="1.0" encoding="utf-8"?>
-<p:sldLayout xmlns:a="http://schemas.openxmlformats.org/drawingml/2006/main" xmlns:r="http://schemas.openxmlformats.org/officeDocument/2006/relationships" xmlns:p="http://schemas.openxmlformats.org/presentationml/2006/main" type="picTx" preserve="1">
+<p:sldLayout xmlns:a="http://schemas.openxmlformats.org/drawingml/2006/main" xmlns:r="http://schemas.openxmlformats.org/officeDocument/2006/relationships" xmlns:p="http://schemas.openxmlformats.org/presentationml/2006/main" showMasterSp="0" type="picTx" preserve="1">
   <p:cSld name="Picture with Caption">
     <p:spTree>
       <p:nvGrpSpPr>
@@ -2467,31 +5667,69 @@
       </p:grpSpPr>
       <p:sp>
         <p:nvSpPr>
-          <p:cNvPr id="2" name="Title 1">
-            <a:extLst>
-              <a:ext uri="{FF2B5EF4-FFF2-40B4-BE49-F238E27FC236}">
-                <a16:creationId xmlns:a16="http://schemas.microsoft.com/office/drawing/2014/main" id="{79C35833-8298-4F35-B627-EEDE629FFA8C}"/>
-              </a:ext>
-            </a:extLst>
-          </p:cNvPr>
-          <p:cNvSpPr>
-            <a:spLocks noGrp="1"/>
-          </p:cNvSpPr>
-          <p:nvPr>
-            <p:ph type="title"/>
-          </p:nvPr>
+          <p:cNvPr id="9" name="Rectangle 8"/>
+          <p:cNvSpPr/>
+          <p:nvPr/>
         </p:nvSpPr>
         <p:spPr>
           <a:xfrm>
-            <a:off x="839788" y="457200"/>
-            <a:ext cx="3932237" cy="1600200"/>
+            <a:off x="15" y="4915076"/>
+            <a:ext cx="12188825" cy="64008"/>
+          </a:xfrm>
+          <a:prstGeom prst="rect">
+            <a:avLst/>
+          </a:prstGeom>
+          <a:solidFill>
+            <a:schemeClr val="accent1"/>
+          </a:solidFill>
+          <a:ln>
+            <a:noFill/>
+          </a:ln>
+        </p:spPr>
+        <p:style>
+          <a:lnRef idx="2">
+            <a:schemeClr val="accent1">
+              <a:shade val="50000"/>
+            </a:schemeClr>
+          </a:lnRef>
+          <a:fillRef idx="1">
+            <a:schemeClr val="accent1"/>
+          </a:fillRef>
+          <a:effectRef idx="0">
+            <a:schemeClr val="accent1"/>
+          </a:effectRef>
+          <a:fontRef idx="minor">
+            <a:schemeClr val="lt1"/>
+          </a:fontRef>
+        </p:style>
+      </p:sp>
+      <p:sp>
+        <p:nvSpPr>
+          <p:cNvPr id="2" name="Title 1"/>
+          <p:cNvSpPr>
+            <a:spLocks noGrp="1"/>
+          </p:cNvSpPr>
+          <p:nvPr>
+            <p:ph type="title"/>
+          </p:nvPr>
+        </p:nvSpPr>
+        <p:spPr>
+          <a:xfrm>
+            <a:off x="1097280" y="5074920"/>
+            <a:ext cx="10113645" cy="822960"/>
           </a:xfrm>
         </p:spPr>
         <p:txBody>
-          <a:bodyPr anchor="b"/>
+          <a:bodyPr tIns="0" bIns="0" anchor="b">
+            <a:noAutofit/>
+          </a:bodyPr>
           <a:lstStyle>
             <a:lvl1pPr>
-              <a:defRPr sz="3200"/>
+              <a:defRPr sz="3600" b="0">
+                <a:solidFill>
+                  <a:schemeClr val="tx1"/>
+                </a:solidFill>
+              </a:defRPr>
             </a:lvl1pPr>
           </a:lstStyle>
           <a:p>
@@ -2499,20 +5737,15 @@
               <a:rPr lang="en-US"/>
               <a:t>Click to edit Master title style</a:t>
             </a:r>
-          </a:p>
-        </p:txBody>
-      </p:sp>
-      <p:sp>
-        <p:nvSpPr>
-          <p:cNvPr id="3" name="Picture Placeholder 2">
-            <a:extLst>
-              <a:ext uri="{FF2B5EF4-FFF2-40B4-BE49-F238E27FC236}">
-                <a16:creationId xmlns:a16="http://schemas.microsoft.com/office/drawing/2014/main" id="{8D31FFAF-1B6A-4598-B125-8F4A37AB8247}"/>
-              </a:ext>
-            </a:extLst>
-          </p:cNvPr>
-          <p:cNvSpPr>
-            <a:spLocks noGrp="1"/>
+            <a:endParaRPr lang="en-US" dirty="0"/>
+          </a:p>
+        </p:txBody>
+      </p:sp>
+      <p:sp>
+        <p:nvSpPr>
+          <p:cNvPr id="3" name="Picture Placeholder 2"/>
+          <p:cNvSpPr>
+            <a:spLocks noGrp="1" noChangeAspect="1"/>
           </p:cNvSpPr>
           <p:nvPr>
             <p:ph type="pic" idx="1"/>
@@ -2520,12 +5753,18 @@
         </p:nvSpPr>
         <p:spPr>
           <a:xfrm>
-            <a:off x="5183188" y="987425"/>
-            <a:ext cx="6172200" cy="4873625"/>
+            <a:off x="15" y="0"/>
+            <a:ext cx="12191985" cy="4915076"/>
           </a:xfrm>
+          <a:solidFill>
+            <a:schemeClr val="bg1">
+              <a:lumMod val="50000"/>
+              <a:lumOff val="50000"/>
+            </a:schemeClr>
+          </a:solidFill>
         </p:spPr>
         <p:txBody>
-          <a:bodyPr/>
+          <a:bodyPr lIns="457200" tIns="457200" anchor="t"/>
           <a:lstStyle>
             <a:lvl1pPr marL="0" indent="0">
               <a:buNone/>
@@ -2565,19 +5804,17 @@
             </a:lvl9pPr>
           </a:lstStyle>
           <a:p>
-            <a:endParaRPr lang="en-US"/>
-          </a:p>
-        </p:txBody>
-      </p:sp>
-      <p:sp>
-        <p:nvSpPr>
-          <p:cNvPr id="4" name="Text Placeholder 3">
-            <a:extLst>
-              <a:ext uri="{FF2B5EF4-FFF2-40B4-BE49-F238E27FC236}">
-                <a16:creationId xmlns:a16="http://schemas.microsoft.com/office/drawing/2014/main" id="{334B9EDC-8E60-4D4C-B799-9FE95E18CD22}"/>
-              </a:ext>
-            </a:extLst>
-          </p:cNvPr>
+            <a:r>
+              <a:rPr lang="en-US"/>
+              <a:t>Click icon to add picture</a:t>
+            </a:r>
+            <a:endParaRPr lang="en-US" dirty="0"/>
+          </a:p>
+        </p:txBody>
+      </p:sp>
+      <p:sp>
+        <p:nvSpPr>
+          <p:cNvPr id="4" name="Text Placeholder 3"/>
           <p:cNvSpPr>
             <a:spLocks noGrp="1"/>
           </p:cNvSpPr>
@@ -2587,48 +5824,60 @@
         </p:nvSpPr>
         <p:spPr>
           <a:xfrm>
-            <a:off x="839788" y="2057400"/>
-            <a:ext cx="3932237" cy="3811588"/>
+            <a:off x="1097280" y="5907024"/>
+            <a:ext cx="10113264" cy="594360"/>
           </a:xfrm>
         </p:spPr>
         <p:txBody>
-          <a:bodyPr/>
+          <a:bodyPr lIns="91440" tIns="0" rIns="91440" bIns="0">
+            <a:normAutofit/>
+          </a:bodyPr>
           <a:lstStyle>
             <a:lvl1pPr marL="0" indent="0">
-              <a:buNone/>
-              <a:defRPr sz="1600"/>
+              <a:spcBef>
+                <a:spcPts val="0"/>
+              </a:spcBef>
+              <a:spcAft>
+                <a:spcPts val="600"/>
+              </a:spcAft>
+              <a:buNone/>
+              <a:defRPr sz="1500">
+                <a:solidFill>
+                  <a:schemeClr val="tx1"/>
+                </a:solidFill>
+              </a:defRPr>
             </a:lvl1pPr>
             <a:lvl2pPr marL="457200" indent="0">
               <a:buNone/>
-              <a:defRPr sz="1400"/>
+              <a:defRPr sz="1200"/>
             </a:lvl2pPr>
             <a:lvl3pPr marL="914400" indent="0">
               <a:buNone/>
-              <a:defRPr sz="1200"/>
+              <a:defRPr sz="1000"/>
             </a:lvl3pPr>
             <a:lvl4pPr marL="1371600" indent="0">
               <a:buNone/>
-              <a:defRPr sz="1000"/>
+              <a:defRPr sz="900"/>
             </a:lvl4pPr>
             <a:lvl5pPr marL="1828800" indent="0">
               <a:buNone/>
-              <a:defRPr sz="1000"/>
+              <a:defRPr sz="900"/>
             </a:lvl5pPr>
             <a:lvl6pPr marL="2286000" indent="0">
               <a:buNone/>
-              <a:defRPr sz="1000"/>
+              <a:defRPr sz="900"/>
             </a:lvl6pPr>
             <a:lvl7pPr marL="2743200" indent="0">
               <a:buNone/>
-              <a:defRPr sz="1000"/>
+              <a:defRPr sz="900"/>
             </a:lvl7pPr>
             <a:lvl8pPr marL="3200400" indent="0">
               <a:buNone/>
-              <a:defRPr sz="1000"/>
+              <a:defRPr sz="900"/>
             </a:lvl8pPr>
             <a:lvl9pPr marL="3657600" indent="0">
               <a:buNone/>
-              <a:defRPr sz="1000"/>
+              <a:defRPr sz="900"/>
             </a:lvl9pPr>
           </a:lstStyle>
           <a:p>
@@ -2642,13 +5891,7 @@
       </p:sp>
       <p:sp>
         <p:nvSpPr>
-          <p:cNvPr id="5" name="Date Placeholder 4">
-            <a:extLst>
-              <a:ext uri="{FF2B5EF4-FFF2-40B4-BE49-F238E27FC236}">
-                <a16:creationId xmlns:a16="http://schemas.microsoft.com/office/drawing/2014/main" id="{05BC8641-6EBE-44E1-A5B6-CA7271B1BE95}"/>
-              </a:ext>
-            </a:extLst>
-          </p:cNvPr>
+          <p:cNvPr id="5" name="Date Placeholder 4"/>
           <p:cNvSpPr>
             <a:spLocks noGrp="1"/>
           </p:cNvSpPr>
@@ -2659,11 +5902,19 @@
         <p:spPr/>
         <p:txBody>
           <a:bodyPr/>
-          <a:lstStyle/>
+          <a:lstStyle>
+            <a:lvl1pPr>
+              <a:defRPr>
+                <a:solidFill>
+                  <a:schemeClr val="tx2"/>
+                </a:solidFill>
+              </a:defRPr>
+            </a:lvl1pPr>
+          </a:lstStyle>
           <a:p>
             <a:fld id="{05ACA978-D5B7-49B2-BADF-42AFEF967A7A}" type="datetimeFigureOut">
               <a:rPr lang="en-US" smtClean="0"/>
-              <a:t>8/30/2021</a:t>
+              <a:t>9/22/2021</a:t>
             </a:fld>
             <a:endParaRPr lang="en-US"/>
           </a:p>
@@ -2671,13 +5922,7 @@
       </p:sp>
       <p:sp>
         <p:nvSpPr>
-          <p:cNvPr id="6" name="Footer Placeholder 5">
-            <a:extLst>
-              <a:ext uri="{FF2B5EF4-FFF2-40B4-BE49-F238E27FC236}">
-                <a16:creationId xmlns:a16="http://schemas.microsoft.com/office/drawing/2014/main" id="{A8078FC8-D1F5-41CB-B889-680CF0926C80}"/>
-              </a:ext>
-            </a:extLst>
-          </p:cNvPr>
+          <p:cNvPr id="6" name="Footer Placeholder 5"/>
           <p:cNvSpPr>
             <a:spLocks noGrp="1"/>
           </p:cNvSpPr>
@@ -2688,7 +5933,15 @@
         <p:spPr/>
         <p:txBody>
           <a:bodyPr/>
-          <a:lstStyle/>
+          <a:lstStyle>
+            <a:lvl1pPr>
+              <a:defRPr>
+                <a:solidFill>
+                  <a:schemeClr val="tx2"/>
+                </a:solidFill>
+              </a:defRPr>
+            </a:lvl1pPr>
+          </a:lstStyle>
           <a:p>
             <a:endParaRPr lang="en-US"/>
           </a:p>
@@ -2696,13 +5949,7 @@
       </p:sp>
       <p:sp>
         <p:nvSpPr>
-          <p:cNvPr id="7" name="Slide Number Placeholder 6">
-            <a:extLst>
-              <a:ext uri="{FF2B5EF4-FFF2-40B4-BE49-F238E27FC236}">
-                <a16:creationId xmlns:a16="http://schemas.microsoft.com/office/drawing/2014/main" id="{55973CF4-21FB-42CE-8DB6-E5045F8F0182}"/>
-              </a:ext>
-            </a:extLst>
-          </p:cNvPr>
+          <p:cNvPr id="7" name="Slide Number Placeholder 6"/>
           <p:cNvSpPr>
             <a:spLocks noGrp="1"/>
           </p:cNvSpPr>
@@ -2713,7 +5960,15 @@
         <p:spPr/>
         <p:txBody>
           <a:bodyPr/>
-          <a:lstStyle/>
+          <a:lstStyle>
+            <a:lvl1pPr>
+              <a:defRPr>
+                <a:solidFill>
+                  <a:schemeClr val="tx2"/>
+                </a:solidFill>
+              </a:defRPr>
+            </a:lvl1pPr>
+          </a:lstStyle>
           <a:p>
             <a:fld id="{7F4C3BD3-7697-49EE-8BFE-FA20DB920AA7}" type="slidenum">
               <a:rPr lang="en-US" smtClean="0"/>
@@ -2726,7 +5981,7 @@
     </p:spTree>
     <p:extLst>
       <p:ext uri="{BB962C8B-B14F-4D97-AF65-F5344CB8AC3E}">
-        <p14:creationId xmlns:p14="http://schemas.microsoft.com/office/powerpoint/2010/main" val="958437799"/>
+        <p14:creationId xmlns:p14="http://schemas.microsoft.com/office/powerpoint/2010/main" val="3853150126"/>
       </p:ext>
     </p:extLst>
   </p:cSld>
@@ -2740,9 +5995,15 @@
 <p:sldMaster xmlns:a="http://schemas.openxmlformats.org/drawingml/2006/main" xmlns:r="http://schemas.openxmlformats.org/officeDocument/2006/relationships" xmlns:p="http://schemas.openxmlformats.org/presentationml/2006/main">
   <p:cSld>
     <p:bg>
-      <p:bgRef idx="1001">
-        <a:schemeClr val="bg1"/>
-      </p:bgRef>
+      <p:bgPr>
+        <a:solidFill>
+          <a:schemeClr val="bg1">
+            <a:lumMod val="75000"/>
+            <a:lumOff val="25000"/>
+          </a:schemeClr>
+        </a:solidFill>
+        <a:effectLst/>
+      </p:bgPr>
     </p:bg>
     <p:spTree>
       <p:nvGrpSpPr>
@@ -2760,31 +6021,103 @@
       </p:grpSpPr>
       <p:sp>
         <p:nvSpPr>
-          <p:cNvPr id="2" name="Title Placeholder 1">
-            <a:extLst>
-              <a:ext uri="{FF2B5EF4-FFF2-40B4-BE49-F238E27FC236}">
-                <a16:creationId xmlns:a16="http://schemas.microsoft.com/office/drawing/2014/main" id="{5A1A330C-16DD-42CC-8589-68E66DB3F258}"/>
-              </a:ext>
-            </a:extLst>
-          </p:cNvPr>
-          <p:cNvSpPr>
-            <a:spLocks noGrp="1"/>
-          </p:cNvSpPr>
-          <p:nvPr>
-            <p:ph type="title"/>
-          </p:nvPr>
+          <p:cNvPr id="7" name="Rectangle 6"/>
+          <p:cNvSpPr/>
+          <p:nvPr/>
         </p:nvSpPr>
         <p:spPr>
           <a:xfrm>
-            <a:off x="838200" y="365125"/>
-            <a:ext cx="10515600" cy="1325563"/>
+            <a:off x="1" y="6400800"/>
+            <a:ext cx="12192000" cy="457200"/>
+          </a:xfrm>
+          <a:prstGeom prst="rect">
+            <a:avLst/>
+          </a:prstGeom>
+          <a:solidFill>
+            <a:schemeClr val="accent1">
+              <a:lumMod val="75000"/>
+            </a:schemeClr>
+          </a:solidFill>
+          <a:ln>
+            <a:noFill/>
+          </a:ln>
+        </p:spPr>
+        <p:style>
+          <a:lnRef idx="2">
+            <a:schemeClr val="accent1">
+              <a:shade val="50000"/>
+            </a:schemeClr>
+          </a:lnRef>
+          <a:fillRef idx="1">
+            <a:schemeClr val="accent1"/>
+          </a:fillRef>
+          <a:effectRef idx="0">
+            <a:schemeClr val="accent1"/>
+          </a:effectRef>
+          <a:fontRef idx="minor">
+            <a:schemeClr val="lt1"/>
+          </a:fontRef>
+        </p:style>
+      </p:sp>
+      <p:sp>
+        <p:nvSpPr>
+          <p:cNvPr id="9" name="Rectangle 8"/>
+          <p:cNvSpPr/>
+          <p:nvPr/>
+        </p:nvSpPr>
+        <p:spPr>
+          <a:xfrm>
+            <a:off x="1" y="6334316"/>
+            <a:ext cx="12192000" cy="66484"/>
+          </a:xfrm>
+          <a:prstGeom prst="rect">
+            <a:avLst/>
+          </a:prstGeom>
+          <a:solidFill>
+            <a:schemeClr val="accent1"/>
+          </a:solidFill>
+          <a:ln>
+            <a:noFill/>
+          </a:ln>
+        </p:spPr>
+        <p:style>
+          <a:lnRef idx="2">
+            <a:schemeClr val="accent1">
+              <a:shade val="50000"/>
+            </a:schemeClr>
+          </a:lnRef>
+          <a:fillRef idx="1">
+            <a:schemeClr val="accent1"/>
+          </a:fillRef>
+          <a:effectRef idx="0">
+            <a:schemeClr val="accent1"/>
+          </a:effectRef>
+          <a:fontRef idx="minor">
+            <a:schemeClr val="lt1"/>
+          </a:fontRef>
+        </p:style>
+      </p:sp>
+      <p:sp>
+        <p:nvSpPr>
+          <p:cNvPr id="2" name="Title Placeholder 1"/>
+          <p:cNvSpPr>
+            <a:spLocks noGrp="1"/>
+          </p:cNvSpPr>
+          <p:nvPr>
+            <p:ph type="title"/>
+          </p:nvPr>
+        </p:nvSpPr>
+        <p:spPr>
+          <a:xfrm>
+            <a:off x="1097280" y="286603"/>
+            <a:ext cx="10058400" cy="1450757"/>
           </a:xfrm>
           <a:prstGeom prst="rect">
             <a:avLst/>
           </a:prstGeom>
         </p:spPr>
         <p:txBody>
-          <a:bodyPr vert="horz" lIns="91440" tIns="45720" rIns="91440" bIns="45720" rtlCol="0" anchor="ctr">
+          <a:bodyPr vert="horz" lIns="91440" tIns="45720" rIns="91440" bIns="45720" rtlCol="0" anchor="b">
             <a:normAutofit/>
           </a:bodyPr>
           <a:lstStyle/>
@@ -2793,18 +6126,13 @@
               <a:rPr lang="en-US"/>
               <a:t>Click to edit Master title style</a:t>
             </a:r>
-          </a:p>
-        </p:txBody>
-      </p:sp>
-      <p:sp>
-        <p:nvSpPr>
-          <p:cNvPr id="3" name="Text Placeholder 2">
-            <a:extLst>
-              <a:ext uri="{FF2B5EF4-FFF2-40B4-BE49-F238E27FC236}">
-                <a16:creationId xmlns:a16="http://schemas.microsoft.com/office/drawing/2014/main" id="{2966F96D-17C1-438F-921F-766DF2B43545}"/>
-              </a:ext>
-            </a:extLst>
-          </p:cNvPr>
+            <a:endParaRPr lang="en-US" dirty="0"/>
+          </a:p>
+        </p:txBody>
+      </p:sp>
+      <p:sp>
+        <p:nvSpPr>
+          <p:cNvPr id="3" name="Text Placeholder 2"/>
           <p:cNvSpPr>
             <a:spLocks noGrp="1"/>
           </p:cNvSpPr>
@@ -2814,15 +6142,15 @@
         </p:nvSpPr>
         <p:spPr>
           <a:xfrm>
-            <a:off x="838200" y="1825625"/>
-            <a:ext cx="10515600" cy="4351338"/>
+            <a:off x="1097280" y="1845734"/>
+            <a:ext cx="10058400" cy="4023360"/>
           </a:xfrm>
           <a:prstGeom prst="rect">
             <a:avLst/>
           </a:prstGeom>
         </p:spPr>
         <p:txBody>
-          <a:bodyPr vert="horz" lIns="91440" tIns="45720" rIns="91440" bIns="45720" rtlCol="0">
+          <a:bodyPr vert="horz" lIns="0" tIns="45720" rIns="0" bIns="45720" rtlCol="0">
             <a:normAutofit/>
           </a:bodyPr>
           <a:lstStyle/>
@@ -2860,18 +6188,13 @@
               <a:rPr lang="en-US"/>
               <a:t>Fifth level</a:t>
             </a:r>
-          </a:p>
-        </p:txBody>
-      </p:sp>
-      <p:sp>
-        <p:nvSpPr>
-          <p:cNvPr id="4" name="Date Placeholder 3">
-            <a:extLst>
-              <a:ext uri="{FF2B5EF4-FFF2-40B4-BE49-F238E27FC236}">
-                <a16:creationId xmlns:a16="http://schemas.microsoft.com/office/drawing/2014/main" id="{F62DF042-DE67-4281-933F-F90E48F9CE94}"/>
-              </a:ext>
-            </a:extLst>
-          </p:cNvPr>
+            <a:endParaRPr lang="en-US" dirty="0"/>
+          </a:p>
+        </p:txBody>
+      </p:sp>
+      <p:sp>
+        <p:nvSpPr>
+          <p:cNvPr id="4" name="Date Placeholder 3"/>
           <p:cNvSpPr>
             <a:spLocks noGrp="1"/>
           </p:cNvSpPr>
@@ -2881,8 +6204,8 @@
         </p:nvSpPr>
         <p:spPr>
           <a:xfrm>
-            <a:off x="838200" y="6356350"/>
-            <a:ext cx="2743200" cy="365125"/>
+            <a:off x="1097280" y="6459785"/>
+            <a:ext cx="2472271" cy="365125"/>
           </a:xfrm>
           <a:prstGeom prst="rect">
             <a:avLst/>
@@ -2892,11 +6215,9 @@
           <a:bodyPr vert="horz" lIns="91440" tIns="45720" rIns="91440" bIns="45720" rtlCol="0" anchor="ctr"/>
           <a:lstStyle>
             <a:lvl1pPr algn="l">
-              <a:defRPr sz="1200">
+              <a:defRPr sz="900">
                 <a:solidFill>
-                  <a:schemeClr val="tx1">
-                    <a:tint val="75000"/>
-                  </a:schemeClr>
+                  <a:srgbClr val="FFFFFF"/>
                 </a:solidFill>
               </a:defRPr>
             </a:lvl1pPr>
@@ -2904,7 +6225,7 @@
           <a:p>
             <a:fld id="{05ACA978-D5B7-49B2-BADF-42AFEF967A7A}" type="datetimeFigureOut">
               <a:rPr lang="en-US" smtClean="0"/>
-              <a:t>8/30/2021</a:t>
+              <a:t>9/22/2021</a:t>
             </a:fld>
             <a:endParaRPr lang="en-US"/>
           </a:p>
@@ -2912,13 +6233,7 @@
       </p:sp>
       <p:sp>
         <p:nvSpPr>
-          <p:cNvPr id="5" name="Footer Placeholder 4">
-            <a:extLst>
-              <a:ext uri="{FF2B5EF4-FFF2-40B4-BE49-F238E27FC236}">
-                <a16:creationId xmlns:a16="http://schemas.microsoft.com/office/drawing/2014/main" id="{0C763827-6172-4942-BFFF-70F5237EC87D}"/>
-              </a:ext>
-            </a:extLst>
-          </p:cNvPr>
+          <p:cNvPr id="5" name="Footer Placeholder 4"/>
           <p:cNvSpPr>
             <a:spLocks noGrp="1"/>
           </p:cNvSpPr>
@@ -2928,8 +6243,8 @@
         </p:nvSpPr>
         <p:spPr>
           <a:xfrm>
-            <a:off x="4038600" y="6356350"/>
-            <a:ext cx="4114800" cy="365125"/>
+            <a:off x="3686185" y="6459785"/>
+            <a:ext cx="4822804" cy="365125"/>
           </a:xfrm>
           <a:prstGeom prst="rect">
             <a:avLst/>
@@ -2939,11 +6254,9 @@
           <a:bodyPr vert="horz" lIns="91440" tIns="45720" rIns="91440" bIns="45720" rtlCol="0" anchor="ctr"/>
           <a:lstStyle>
             <a:lvl1pPr algn="ctr">
-              <a:defRPr sz="1200">
+              <a:defRPr sz="900" cap="all" baseline="0">
                 <a:solidFill>
-                  <a:schemeClr val="tx1">
-                    <a:tint val="75000"/>
-                  </a:schemeClr>
+                  <a:srgbClr val="FFFFFF"/>
                 </a:solidFill>
               </a:defRPr>
             </a:lvl1pPr>
@@ -2955,13 +6268,7 @@
       </p:sp>
       <p:sp>
         <p:nvSpPr>
-          <p:cNvPr id="6" name="Slide Number Placeholder 5">
-            <a:extLst>
-              <a:ext uri="{FF2B5EF4-FFF2-40B4-BE49-F238E27FC236}">
-                <a16:creationId xmlns:a16="http://schemas.microsoft.com/office/drawing/2014/main" id="{E6FA1B3F-02DF-4250-838D-E16B61823877}"/>
-              </a:ext>
-            </a:extLst>
-          </p:cNvPr>
+          <p:cNvPr id="6" name="Slide Number Placeholder 5"/>
           <p:cNvSpPr>
             <a:spLocks noGrp="1"/>
           </p:cNvSpPr>
@@ -2971,8 +6278,8 @@
         </p:nvSpPr>
         <p:spPr>
           <a:xfrm>
-            <a:off x="8610600" y="6356350"/>
-            <a:ext cx="2743200" cy="365125"/>
+            <a:off x="9900458" y="6459785"/>
+            <a:ext cx="1312025" cy="365125"/>
           </a:xfrm>
           <a:prstGeom prst="rect">
             <a:avLst/>
@@ -2982,11 +6289,9 @@
           <a:bodyPr vert="horz" lIns="91440" tIns="45720" rIns="91440" bIns="45720" rtlCol="0" anchor="ctr"/>
           <a:lstStyle>
             <a:lvl1pPr algn="r">
-              <a:defRPr sz="1200">
+              <a:defRPr sz="1050">
                 <a:solidFill>
-                  <a:schemeClr val="tx1">
-                    <a:tint val="75000"/>
-                  </a:schemeClr>
+                  <a:srgbClr val="FFFFFF"/>
                 </a:solidFill>
               </a:defRPr>
             </a:lvl1pPr>
@@ -3000,40 +6305,81 @@
           </a:p>
         </p:txBody>
       </p:sp>
+      <p:cxnSp>
+        <p:nvCxnSpPr>
+          <p:cNvPr id="10" name="Straight Connector 9"/>
+          <p:cNvCxnSpPr/>
+          <p:nvPr/>
+        </p:nvCxnSpPr>
+        <p:spPr>
+          <a:xfrm>
+            <a:off x="1193532" y="1737845"/>
+            <a:ext cx="9966960" cy="0"/>
+          </a:xfrm>
+          <a:prstGeom prst="line">
+            <a:avLst/>
+          </a:prstGeom>
+          <a:ln w="6350">
+            <a:solidFill>
+              <a:schemeClr val="tx1">
+                <a:lumMod val="50000"/>
+                <a:lumOff val="50000"/>
+              </a:schemeClr>
+            </a:solidFill>
+          </a:ln>
+        </p:spPr>
+        <p:style>
+          <a:lnRef idx="1">
+            <a:schemeClr val="accent1"/>
+          </a:lnRef>
+          <a:fillRef idx="0">
+            <a:schemeClr val="accent1"/>
+          </a:fillRef>
+          <a:effectRef idx="0">
+            <a:schemeClr val="accent1"/>
+          </a:effectRef>
+          <a:fontRef idx="minor">
+            <a:schemeClr val="tx1"/>
+          </a:fontRef>
+        </p:style>
+      </p:cxnSp>
     </p:spTree>
     <p:extLst>
       <p:ext uri="{BB962C8B-B14F-4D97-AF65-F5344CB8AC3E}">
-        <p14:creationId xmlns:p14="http://schemas.microsoft.com/office/powerpoint/2010/main" val="3019485940"/>
+        <p14:creationId xmlns:p14="http://schemas.microsoft.com/office/powerpoint/2010/main" val="285306602"/>
       </p:ext>
     </p:extLst>
   </p:cSld>
-  <p:clrMap bg1="lt1" tx1="dk1" bg2="lt2" tx2="dk2" accent1="accent1" accent2="accent2" accent3="accent3" accent4="accent4" accent5="accent5" accent6="accent6" hlink="hlink" folHlink="folHlink"/>
+  <p:clrMap bg1="dk1" tx1="lt1" bg2="dk2" tx2="lt2" accent1="accent1" accent2="accent2" accent3="accent3" accent4="accent4" accent5="accent5" accent6="accent6" hlink="hlink" folHlink="folHlink"/>
   <p:sldLayoutIdLst>
-    <p:sldLayoutId id="2147483649" r:id="rId1"/>
-    <p:sldLayoutId id="2147483650" r:id="rId2"/>
-    <p:sldLayoutId id="2147483651" r:id="rId3"/>
-    <p:sldLayoutId id="2147483652" r:id="rId4"/>
-    <p:sldLayoutId id="2147483653" r:id="rId5"/>
-    <p:sldLayoutId id="2147483654" r:id="rId6"/>
-    <p:sldLayoutId id="2147483655" r:id="rId7"/>
-    <p:sldLayoutId id="2147483656" r:id="rId8"/>
-    <p:sldLayoutId id="2147483657" r:id="rId9"/>
-    <p:sldLayoutId id="2147483658" r:id="rId10"/>
-    <p:sldLayoutId id="2147483659" r:id="rId11"/>
+    <p:sldLayoutId id="2147483673" r:id="rId1"/>
+    <p:sldLayoutId id="2147483674" r:id="rId2"/>
+    <p:sldLayoutId id="2147483675" r:id="rId3"/>
+    <p:sldLayoutId id="2147483676" r:id="rId4"/>
+    <p:sldLayoutId id="2147483677" r:id="rId5"/>
+    <p:sldLayoutId id="2147483678" r:id="rId6"/>
+    <p:sldLayoutId id="2147483679" r:id="rId7"/>
+    <p:sldLayoutId id="2147483680" r:id="rId8"/>
+    <p:sldLayoutId id="2147483681" r:id="rId9"/>
+    <p:sldLayoutId id="2147483682" r:id="rId10"/>
+    <p:sldLayoutId id="2147483683" r:id="rId11"/>
   </p:sldLayoutIdLst>
   <p:txStyles>
     <p:titleStyle>
       <a:lvl1pPr algn="l" defTabSz="914400" rtl="0" eaLnBrk="1" latinLnBrk="0" hangingPunct="1">
         <a:lnSpc>
-          <a:spcPct val="90000"/>
+          <a:spcPct val="85000"/>
         </a:lnSpc>
         <a:spcBef>
           <a:spcPct val="0"/>
         </a:spcBef>
         <a:buNone/>
-        <a:defRPr sz="4400" kern="1200">
+        <a:defRPr sz="4800" kern="1200" spc="-50" baseline="0">
           <a:solidFill>
-            <a:schemeClr val="tx1"/>
+            <a:schemeClr val="tx1">
+              <a:lumMod val="75000"/>
+              <a:lumOff val="25000"/>
+            </a:schemeClr>
           </a:solidFill>
           <a:latin typeface="+mj-lt"/>
           <a:ea typeface="+mj-ea"/>
@@ -3042,162 +6388,244 @@
       </a:lvl1pPr>
     </p:titleStyle>
     <p:bodyStyle>
-      <a:lvl1pPr marL="228600" indent="-228600" algn="l" defTabSz="914400" rtl="0" eaLnBrk="1" latinLnBrk="0" hangingPunct="1">
+      <a:lvl1pPr marL="91440" indent="-91440" algn="l" defTabSz="914400" rtl="0" eaLnBrk="1" latinLnBrk="0" hangingPunct="1">
         <a:lnSpc>
           <a:spcPct val="90000"/>
         </a:lnSpc>
         <a:spcBef>
-          <a:spcPts val="1000"/>
+          <a:spcPts val="1200"/>
         </a:spcBef>
-        <a:buFont typeface="Arial" panose="020B0604020202020204" pitchFamily="34" charset="0"/>
-        <a:buChar char="•"/>
-        <a:defRPr sz="2800" kern="1200">
+        <a:spcAft>
+          <a:spcPts val="200"/>
+        </a:spcAft>
+        <a:buClr>
+          <a:schemeClr val="accent3"/>
+        </a:buClr>
+        <a:buSzPct val="100000"/>
+        <a:buFont typeface="Calibri" panose="020F0502020204030204" pitchFamily="34" charset="0"/>
+        <a:buChar char=" "/>
+        <a:defRPr sz="2000" kern="1200">
           <a:solidFill>
-            <a:schemeClr val="tx1"/>
+            <a:schemeClr val="tx1">
+              <a:lumMod val="75000"/>
+              <a:lumOff val="25000"/>
+            </a:schemeClr>
           </a:solidFill>
           <a:latin typeface="+mn-lt"/>
           <a:ea typeface="+mn-ea"/>
           <a:cs typeface="+mn-cs"/>
         </a:defRPr>
       </a:lvl1pPr>
-      <a:lvl2pPr marL="685800" indent="-228600" algn="l" defTabSz="914400" rtl="0" eaLnBrk="1" latinLnBrk="0" hangingPunct="1">
+      <a:lvl2pPr marL="384048" indent="-182880" algn="l" defTabSz="914400" rtl="0" eaLnBrk="1" latinLnBrk="0" hangingPunct="1">
         <a:lnSpc>
           <a:spcPct val="90000"/>
         </a:lnSpc>
         <a:spcBef>
-          <a:spcPts val="500"/>
+          <a:spcPts val="200"/>
         </a:spcBef>
-        <a:buFont typeface="Arial" panose="020B0604020202020204" pitchFamily="34" charset="0"/>
-        <a:buChar char="•"/>
-        <a:defRPr sz="2400" kern="1200">
+        <a:spcAft>
+          <a:spcPts val="400"/>
+        </a:spcAft>
+        <a:buClr>
+          <a:schemeClr val="accent3"/>
+        </a:buClr>
+        <a:buFont typeface="Calibri" pitchFamily="34" charset="0"/>
+        <a:buChar char="◦"/>
+        <a:defRPr sz="1800" kern="1200">
           <a:solidFill>
-            <a:schemeClr val="tx1"/>
+            <a:schemeClr val="tx1">
+              <a:lumMod val="75000"/>
+              <a:lumOff val="25000"/>
+            </a:schemeClr>
           </a:solidFill>
           <a:latin typeface="+mn-lt"/>
           <a:ea typeface="+mn-ea"/>
           <a:cs typeface="+mn-cs"/>
         </a:defRPr>
       </a:lvl2pPr>
-      <a:lvl3pPr marL="1143000" indent="-228600" algn="l" defTabSz="914400" rtl="0" eaLnBrk="1" latinLnBrk="0" hangingPunct="1">
+      <a:lvl3pPr marL="566928" indent="-182880" algn="l" defTabSz="914400" rtl="0" eaLnBrk="1" latinLnBrk="0" hangingPunct="1">
         <a:lnSpc>
           <a:spcPct val="90000"/>
         </a:lnSpc>
         <a:spcBef>
-          <a:spcPts val="500"/>
+          <a:spcPts val="200"/>
         </a:spcBef>
-        <a:buFont typeface="Arial" panose="020B0604020202020204" pitchFamily="34" charset="0"/>
-        <a:buChar char="•"/>
-        <a:defRPr sz="2000" kern="1200">
+        <a:spcAft>
+          <a:spcPts val="400"/>
+        </a:spcAft>
+        <a:buClr>
+          <a:schemeClr val="accent3"/>
+        </a:buClr>
+        <a:buFont typeface="Calibri" pitchFamily="34" charset="0"/>
+        <a:buChar char="◦"/>
+        <a:defRPr sz="1400" kern="1200">
           <a:solidFill>
-            <a:schemeClr val="tx1"/>
+            <a:schemeClr val="tx1">
+              <a:lumMod val="75000"/>
+              <a:lumOff val="25000"/>
+            </a:schemeClr>
           </a:solidFill>
           <a:latin typeface="+mn-lt"/>
           <a:ea typeface="+mn-ea"/>
           <a:cs typeface="+mn-cs"/>
         </a:defRPr>
       </a:lvl3pPr>
-      <a:lvl4pPr marL="1600200" indent="-228600" algn="l" defTabSz="914400" rtl="0" eaLnBrk="1" latinLnBrk="0" hangingPunct="1">
+      <a:lvl4pPr marL="749808" indent="-182880" algn="l" defTabSz="914400" rtl="0" eaLnBrk="1" latinLnBrk="0" hangingPunct="1">
         <a:lnSpc>
           <a:spcPct val="90000"/>
         </a:lnSpc>
         <a:spcBef>
-          <a:spcPts val="500"/>
+          <a:spcPts val="200"/>
         </a:spcBef>
-        <a:buFont typeface="Arial" panose="020B0604020202020204" pitchFamily="34" charset="0"/>
-        <a:buChar char="•"/>
-        <a:defRPr sz="1800" kern="1200">
+        <a:spcAft>
+          <a:spcPts val="400"/>
+        </a:spcAft>
+        <a:buClr>
+          <a:schemeClr val="accent3"/>
+        </a:buClr>
+        <a:buFont typeface="Calibri" pitchFamily="34" charset="0"/>
+        <a:buChar char="◦"/>
+        <a:defRPr sz="1400" kern="1200">
           <a:solidFill>
-            <a:schemeClr val="tx1"/>
+            <a:schemeClr val="tx1">
+              <a:lumMod val="75000"/>
+              <a:lumOff val="25000"/>
+            </a:schemeClr>
           </a:solidFill>
           <a:latin typeface="+mn-lt"/>
           <a:ea typeface="+mn-ea"/>
           <a:cs typeface="+mn-cs"/>
         </a:defRPr>
       </a:lvl4pPr>
-      <a:lvl5pPr marL="2057400" indent="-228600" algn="l" defTabSz="914400" rtl="0" eaLnBrk="1" latinLnBrk="0" hangingPunct="1">
+      <a:lvl5pPr marL="932688" indent="-182880" algn="l" defTabSz="914400" rtl="0" eaLnBrk="1" latinLnBrk="0" hangingPunct="1">
         <a:lnSpc>
           <a:spcPct val="90000"/>
         </a:lnSpc>
         <a:spcBef>
-          <a:spcPts val="500"/>
+          <a:spcPts val="200"/>
         </a:spcBef>
-        <a:buFont typeface="Arial" panose="020B0604020202020204" pitchFamily="34" charset="0"/>
-        <a:buChar char="•"/>
-        <a:defRPr sz="1800" kern="1200">
+        <a:spcAft>
+          <a:spcPts val="400"/>
+        </a:spcAft>
+        <a:buClr>
+          <a:schemeClr val="accent3"/>
+        </a:buClr>
+        <a:buFont typeface="Calibri" pitchFamily="34" charset="0"/>
+        <a:buChar char="◦"/>
+        <a:defRPr sz="1400" kern="1200">
           <a:solidFill>
-            <a:schemeClr val="tx1"/>
+            <a:schemeClr val="tx1">
+              <a:lumMod val="75000"/>
+              <a:lumOff val="25000"/>
+            </a:schemeClr>
           </a:solidFill>
           <a:latin typeface="+mn-lt"/>
           <a:ea typeface="+mn-ea"/>
           <a:cs typeface="+mn-cs"/>
         </a:defRPr>
       </a:lvl5pPr>
-      <a:lvl6pPr marL="2514600" indent="-228600" algn="l" defTabSz="914400" rtl="0" eaLnBrk="1" latinLnBrk="0" hangingPunct="1">
+      <a:lvl6pPr marL="1100000" indent="-228600" algn="l" defTabSz="914400" rtl="0" eaLnBrk="1" latinLnBrk="0" hangingPunct="1">
         <a:lnSpc>
           <a:spcPct val="90000"/>
         </a:lnSpc>
         <a:spcBef>
-          <a:spcPts val="500"/>
+          <a:spcPts val="200"/>
         </a:spcBef>
-        <a:buFont typeface="Arial" panose="020B0604020202020204" pitchFamily="34" charset="0"/>
-        <a:buChar char="•"/>
-        <a:defRPr sz="1800" kern="1200">
+        <a:spcAft>
+          <a:spcPts val="400"/>
+        </a:spcAft>
+        <a:buClr>
+          <a:schemeClr val="accent3"/>
+        </a:buClr>
+        <a:buFont typeface="Calibri" pitchFamily="34" charset="0"/>
+        <a:buChar char="◦"/>
+        <a:defRPr sz="1400" kern="1200">
           <a:solidFill>
-            <a:schemeClr val="tx1"/>
+            <a:schemeClr val="tx1">
+              <a:lumMod val="75000"/>
+              <a:lumOff val="25000"/>
+            </a:schemeClr>
           </a:solidFill>
           <a:latin typeface="+mn-lt"/>
           <a:ea typeface="+mn-ea"/>
           <a:cs typeface="+mn-cs"/>
         </a:defRPr>
       </a:lvl6pPr>
-      <a:lvl7pPr marL="2971800" indent="-228600" algn="l" defTabSz="914400" rtl="0" eaLnBrk="1" latinLnBrk="0" hangingPunct="1">
+      <a:lvl7pPr marL="1300000" indent="-228600" algn="l" defTabSz="914400" rtl="0" eaLnBrk="1" latinLnBrk="0" hangingPunct="1">
         <a:lnSpc>
           <a:spcPct val="90000"/>
         </a:lnSpc>
         <a:spcBef>
-          <a:spcPts val="500"/>
+          <a:spcPts val="200"/>
         </a:spcBef>
-        <a:buFont typeface="Arial" panose="020B0604020202020204" pitchFamily="34" charset="0"/>
-        <a:buChar char="•"/>
-        <a:defRPr sz="1800" kern="1200">
+        <a:spcAft>
+          <a:spcPts val="400"/>
+        </a:spcAft>
+        <a:buClr>
+          <a:schemeClr val="accent3"/>
+        </a:buClr>
+        <a:buFont typeface="Calibri" pitchFamily="34" charset="0"/>
+        <a:buChar char="◦"/>
+        <a:defRPr sz="1400" kern="1200">
           <a:solidFill>
-            <a:schemeClr val="tx1"/>
+            <a:schemeClr val="tx1">
+              <a:lumMod val="75000"/>
+              <a:lumOff val="25000"/>
+            </a:schemeClr>
           </a:solidFill>
           <a:latin typeface="+mn-lt"/>
           <a:ea typeface="+mn-ea"/>
           <a:cs typeface="+mn-cs"/>
         </a:defRPr>
       </a:lvl7pPr>
-      <a:lvl8pPr marL="3429000" indent="-228600" algn="l" defTabSz="914400" rtl="0" eaLnBrk="1" latinLnBrk="0" hangingPunct="1">
+      <a:lvl8pPr marL="1500000" indent="-228600" algn="l" defTabSz="914400" rtl="0" eaLnBrk="1" latinLnBrk="0" hangingPunct="1">
         <a:lnSpc>
           <a:spcPct val="90000"/>
         </a:lnSpc>
         <a:spcBef>
-          <a:spcPts val="500"/>
+          <a:spcPts val="200"/>
         </a:spcBef>
-        <a:buFont typeface="Arial" panose="020B0604020202020204" pitchFamily="34" charset="0"/>
-        <a:buChar char="•"/>
-        <a:defRPr sz="1800" kern="1200">
+        <a:spcAft>
+          <a:spcPts val="400"/>
+        </a:spcAft>
+        <a:buClr>
+          <a:schemeClr val="accent3"/>
+        </a:buClr>
+        <a:buFont typeface="Calibri" pitchFamily="34" charset="0"/>
+        <a:buChar char="◦"/>
+        <a:defRPr sz="1400" kern="1200">
           <a:solidFill>
-            <a:schemeClr val="tx1"/>
+            <a:schemeClr val="tx1">
+              <a:lumMod val="75000"/>
+              <a:lumOff val="25000"/>
+            </a:schemeClr>
           </a:solidFill>
           <a:latin typeface="+mn-lt"/>
           <a:ea typeface="+mn-ea"/>
           <a:cs typeface="+mn-cs"/>
         </a:defRPr>
       </a:lvl8pPr>
-      <a:lvl9pPr marL="3886200" indent="-228600" algn="l" defTabSz="914400" rtl="0" eaLnBrk="1" latinLnBrk="0" hangingPunct="1">
+      <a:lvl9pPr marL="1700000" indent="-228600" algn="l" defTabSz="914400" rtl="0" eaLnBrk="1" latinLnBrk="0" hangingPunct="1">
         <a:lnSpc>
           <a:spcPct val="90000"/>
         </a:lnSpc>
         <a:spcBef>
-          <a:spcPts val="500"/>
+          <a:spcPts val="200"/>
         </a:spcBef>
-        <a:buFont typeface="Arial" panose="020B0604020202020204" pitchFamily="34" charset="0"/>
-        <a:buChar char="•"/>
-        <a:defRPr sz="1800" kern="1200">
+        <a:spcAft>
+          <a:spcPts val="400"/>
+        </a:spcAft>
+        <a:buClr>
+          <a:schemeClr val="accent3"/>
+        </a:buClr>
+        <a:buFont typeface="Calibri" pitchFamily="34" charset="0"/>
+        <a:buChar char="◦"/>
+        <a:defRPr sz="1400" kern="1200">
           <a:solidFill>
-            <a:schemeClr val="tx1"/>
+            <a:schemeClr val="tx1">
+              <a:lumMod val="75000"/>
+              <a:lumOff val="25000"/>
+            </a:schemeClr>
           </a:solidFill>
           <a:latin typeface="+mn-lt"/>
           <a:ea typeface="+mn-ea"/>
@@ -3304,6 +6732,523 @@
 </p:sldMaster>
 </file>
 
+<file path=ppt/slideMasters/slideMaster2.xml><?xml version="1.0" encoding="utf-8"?>
+<p:sldMaster xmlns:a="http://schemas.openxmlformats.org/drawingml/2006/main" xmlns:r="http://schemas.openxmlformats.org/officeDocument/2006/relationships" xmlns:p="http://schemas.openxmlformats.org/presentationml/2006/main" preserve="1">
+  <p:cSld>
+    <p:bg>
+      <p:bgPr>
+        <a:blipFill dpi="0" rotWithShape="1">
+          <a:blip r:embed="rId13">
+            <a:lum/>
+          </a:blip>
+          <a:srcRect/>
+          <a:stretch>
+            <a:fillRect/>
+          </a:stretch>
+        </a:blipFill>
+        <a:effectLst/>
+      </p:bgPr>
+    </p:bg>
+    <p:spTree>
+      <p:nvGrpSpPr>
+        <p:cNvPr id="1" name=""/>
+        <p:cNvGrpSpPr/>
+        <p:nvPr/>
+      </p:nvGrpSpPr>
+      <p:grpSpPr>
+        <a:xfrm>
+          <a:off x="0" y="0"/>
+          <a:ext cx="0" cy="0"/>
+          <a:chOff x="0" y="0"/>
+          <a:chExt cx="0" cy="0"/>
+        </a:xfrm>
+      </p:grpSpPr>
+      <p:sp>
+        <p:nvSpPr>
+          <p:cNvPr id="2" name="Title Placeholder 1"/>
+          <p:cNvSpPr>
+            <a:spLocks noGrp="1"/>
+          </p:cNvSpPr>
+          <p:nvPr>
+            <p:ph type="title"/>
+          </p:nvPr>
+        </p:nvSpPr>
+        <p:spPr>
+          <a:xfrm>
+            <a:off x="609600" y="275167"/>
+            <a:ext cx="10972800" cy="1143000"/>
+          </a:xfrm>
+          <a:prstGeom prst="rect">
+            <a:avLst/>
+          </a:prstGeom>
+        </p:spPr>
+        <p:txBody>
+          <a:bodyPr vert="horz" lIns="91440" tIns="45720" rIns="91440" bIns="45720" rtlCol="0" anchor="ctr">
+            <a:normAutofit/>
+          </a:bodyPr>
+          <a:lstStyle/>
+          <a:p>
+            <a:r>
+              <a:rPr lang="en-US"/>
+              <a:t>Click to edit Master title style</a:t>
+            </a:r>
+          </a:p>
+        </p:txBody>
+      </p:sp>
+      <p:sp>
+        <p:nvSpPr>
+          <p:cNvPr id="3" name="Text Placeholder 2"/>
+          <p:cNvSpPr>
+            <a:spLocks noGrp="1"/>
+          </p:cNvSpPr>
+          <p:nvPr>
+            <p:ph type="body" idx="1"/>
+          </p:nvPr>
+        </p:nvSpPr>
+        <p:spPr>
+          <a:xfrm>
+            <a:off x="609600" y="1600201"/>
+            <a:ext cx="10972800" cy="4525433"/>
+          </a:xfrm>
+          <a:prstGeom prst="rect">
+            <a:avLst/>
+          </a:prstGeom>
+        </p:spPr>
+        <p:txBody>
+          <a:bodyPr vert="horz" lIns="91440" tIns="45720" rIns="91440" bIns="45720" rtlCol="0">
+            <a:normAutofit/>
+          </a:bodyPr>
+          <a:lstStyle/>
+          <a:p>
+            <a:pPr lvl="0"/>
+            <a:r>
+              <a:rPr lang="en-US"/>
+              <a:t>Click to edit Master text styles</a:t>
+            </a:r>
+          </a:p>
+          <a:p>
+            <a:pPr lvl="1"/>
+            <a:r>
+              <a:rPr lang="en-US"/>
+              <a:t>Second level</a:t>
+            </a:r>
+          </a:p>
+          <a:p>
+            <a:pPr lvl="2"/>
+            <a:r>
+              <a:rPr lang="en-US"/>
+              <a:t>Third level</a:t>
+            </a:r>
+          </a:p>
+          <a:p>
+            <a:pPr lvl="3"/>
+            <a:r>
+              <a:rPr lang="en-US"/>
+              <a:t>Fourth level</a:t>
+            </a:r>
+          </a:p>
+          <a:p>
+            <a:pPr lvl="4"/>
+            <a:r>
+              <a:rPr lang="en-US"/>
+              <a:t>Fifth level</a:t>
+            </a:r>
+          </a:p>
+        </p:txBody>
+      </p:sp>
+      <p:sp>
+        <p:nvSpPr>
+          <p:cNvPr id="4" name="Date Placeholder 3"/>
+          <p:cNvSpPr>
+            <a:spLocks noGrp="1"/>
+          </p:cNvSpPr>
+          <p:nvPr>
+            <p:ph type="dt" sz="half" idx="2"/>
+          </p:nvPr>
+        </p:nvSpPr>
+        <p:spPr>
+          <a:xfrm>
+            <a:off x="609600" y="6356351"/>
+            <a:ext cx="2844800" cy="366183"/>
+          </a:xfrm>
+          <a:prstGeom prst="rect">
+            <a:avLst/>
+          </a:prstGeom>
+        </p:spPr>
+        <p:txBody>
+          <a:bodyPr vert="horz" lIns="91440" tIns="45720" rIns="91440" bIns="45720" rtlCol="0" anchor="ctr"/>
+          <a:lstStyle>
+            <a:lvl1pPr algn="l">
+              <a:defRPr sz="1600">
+                <a:solidFill>
+                  <a:schemeClr val="tx1">
+                    <a:tint val="75000"/>
+                  </a:schemeClr>
+                </a:solidFill>
+              </a:defRPr>
+            </a:lvl1pPr>
+          </a:lstStyle>
+          <a:p>
+            <a:fld id="{D088F999-7A4E-6B4F-9FED-EF75B73AD044}" type="datetimeFigureOut">
+              <a:rPr lang="en-US" smtClean="0"/>
+              <a:t>9/22/2021</a:t>
+            </a:fld>
+            <a:endParaRPr lang="en-US"/>
+          </a:p>
+        </p:txBody>
+      </p:sp>
+      <p:sp>
+        <p:nvSpPr>
+          <p:cNvPr id="5" name="Footer Placeholder 4"/>
+          <p:cNvSpPr>
+            <a:spLocks noGrp="1"/>
+          </p:cNvSpPr>
+          <p:nvPr>
+            <p:ph type="ftr" sz="quarter" idx="3"/>
+          </p:nvPr>
+        </p:nvSpPr>
+        <p:spPr>
+          <a:xfrm>
+            <a:off x="4165600" y="6356351"/>
+            <a:ext cx="3860800" cy="366183"/>
+          </a:xfrm>
+          <a:prstGeom prst="rect">
+            <a:avLst/>
+          </a:prstGeom>
+        </p:spPr>
+        <p:txBody>
+          <a:bodyPr vert="horz" lIns="91440" tIns="45720" rIns="91440" bIns="45720" rtlCol="0" anchor="ctr"/>
+          <a:lstStyle>
+            <a:lvl1pPr algn="ctr">
+              <a:defRPr sz="1600">
+                <a:solidFill>
+                  <a:schemeClr val="tx1">
+                    <a:tint val="75000"/>
+                  </a:schemeClr>
+                </a:solidFill>
+              </a:defRPr>
+            </a:lvl1pPr>
+          </a:lstStyle>
+          <a:p>
+            <a:endParaRPr lang="en-US"/>
+          </a:p>
+        </p:txBody>
+      </p:sp>
+      <p:sp>
+        <p:nvSpPr>
+          <p:cNvPr id="6" name="Slide Number Placeholder 5"/>
+          <p:cNvSpPr>
+            <a:spLocks noGrp="1"/>
+          </p:cNvSpPr>
+          <p:nvPr>
+            <p:ph type="sldNum" sz="quarter" idx="4"/>
+          </p:nvPr>
+        </p:nvSpPr>
+        <p:spPr>
+          <a:xfrm>
+            <a:off x="8737600" y="6356351"/>
+            <a:ext cx="2844800" cy="366183"/>
+          </a:xfrm>
+          <a:prstGeom prst="rect">
+            <a:avLst/>
+          </a:prstGeom>
+        </p:spPr>
+        <p:txBody>
+          <a:bodyPr vert="horz" lIns="91440" tIns="45720" rIns="91440" bIns="45720" rtlCol="0" anchor="ctr"/>
+          <a:lstStyle>
+            <a:lvl1pPr algn="r">
+              <a:defRPr sz="1600">
+                <a:solidFill>
+                  <a:schemeClr val="tx1">
+                    <a:tint val="75000"/>
+                  </a:schemeClr>
+                </a:solidFill>
+              </a:defRPr>
+            </a:lvl1pPr>
+          </a:lstStyle>
+          <a:p>
+            <a:fld id="{5D024AAD-DF78-DE44-A1F3-EEB19EDC9165}" type="slidenum">
+              <a:rPr lang="en-US" smtClean="0"/>
+              <a:t>‹#›</a:t>
+            </a:fld>
+            <a:endParaRPr lang="en-US"/>
+          </a:p>
+        </p:txBody>
+      </p:sp>
+    </p:spTree>
+    <p:extLst>
+      <p:ext uri="{BB962C8B-B14F-4D97-AF65-F5344CB8AC3E}">
+        <p14:creationId xmlns:p14="http://schemas.microsoft.com/office/powerpoint/2010/main" val="2046307674"/>
+      </p:ext>
+    </p:extLst>
+  </p:cSld>
+  <p:clrMap bg1="lt1" tx1="dk1" bg2="lt2" tx2="dk2" accent1="accent1" accent2="accent2" accent3="accent3" accent4="accent4" accent5="accent5" accent6="accent6" hlink="hlink" folHlink="folHlink"/>
+  <p:sldLayoutIdLst>
+    <p:sldLayoutId id="2147483685" r:id="rId1"/>
+    <p:sldLayoutId id="2147483686" r:id="rId2"/>
+    <p:sldLayoutId id="2147483687" r:id="rId3"/>
+    <p:sldLayoutId id="2147483688" r:id="rId4"/>
+    <p:sldLayoutId id="2147483689" r:id="rId5"/>
+    <p:sldLayoutId id="2147483690" r:id="rId6"/>
+    <p:sldLayoutId id="2147483691" r:id="rId7"/>
+    <p:sldLayoutId id="2147483692" r:id="rId8"/>
+    <p:sldLayoutId id="2147483693" r:id="rId9"/>
+    <p:sldLayoutId id="2147483694" r:id="rId10"/>
+    <p:sldLayoutId id="2147483695" r:id="rId11"/>
+  </p:sldLayoutIdLst>
+  <p:txStyles>
+    <p:titleStyle>
+      <a:lvl1pPr algn="ctr" defTabSz="609585" rtl="0" eaLnBrk="1" latinLnBrk="0" hangingPunct="1">
+        <a:spcBef>
+          <a:spcPct val="0"/>
+        </a:spcBef>
+        <a:buNone/>
+        <a:defRPr sz="5867" kern="1200">
+          <a:solidFill>
+            <a:schemeClr val="tx1"/>
+          </a:solidFill>
+          <a:latin typeface="+mj-lt"/>
+          <a:ea typeface="+mj-ea"/>
+          <a:cs typeface="+mj-cs"/>
+        </a:defRPr>
+      </a:lvl1pPr>
+    </p:titleStyle>
+    <p:bodyStyle>
+      <a:lvl1pPr marL="457189" indent="-457189" algn="l" defTabSz="609585" rtl="0" eaLnBrk="1" latinLnBrk="0" hangingPunct="1">
+        <a:spcBef>
+          <a:spcPct val="20000"/>
+        </a:spcBef>
+        <a:buFont typeface="Arial"/>
+        <a:buChar char="•"/>
+        <a:defRPr sz="4267" kern="1200">
+          <a:solidFill>
+            <a:schemeClr val="tx1"/>
+          </a:solidFill>
+          <a:latin typeface="+mn-lt"/>
+          <a:ea typeface="+mn-ea"/>
+          <a:cs typeface="+mn-cs"/>
+        </a:defRPr>
+      </a:lvl1pPr>
+      <a:lvl2pPr marL="990575" indent="-380990" algn="l" defTabSz="609585" rtl="0" eaLnBrk="1" latinLnBrk="0" hangingPunct="1">
+        <a:spcBef>
+          <a:spcPct val="20000"/>
+        </a:spcBef>
+        <a:buFont typeface="Arial"/>
+        <a:buChar char="–"/>
+        <a:defRPr sz="3733" kern="1200">
+          <a:solidFill>
+            <a:schemeClr val="tx1"/>
+          </a:solidFill>
+          <a:latin typeface="+mn-lt"/>
+          <a:ea typeface="+mn-ea"/>
+          <a:cs typeface="+mn-cs"/>
+        </a:defRPr>
+      </a:lvl2pPr>
+      <a:lvl3pPr marL="1523962" indent="-304792" algn="l" defTabSz="609585" rtl="0" eaLnBrk="1" latinLnBrk="0" hangingPunct="1">
+        <a:spcBef>
+          <a:spcPct val="20000"/>
+        </a:spcBef>
+        <a:buFont typeface="Arial"/>
+        <a:buChar char="•"/>
+        <a:defRPr sz="3200" kern="1200">
+          <a:solidFill>
+            <a:schemeClr val="tx1"/>
+          </a:solidFill>
+          <a:latin typeface="+mn-lt"/>
+          <a:ea typeface="+mn-ea"/>
+          <a:cs typeface="+mn-cs"/>
+        </a:defRPr>
+      </a:lvl3pPr>
+      <a:lvl4pPr marL="2133547" indent="-304792" algn="l" defTabSz="609585" rtl="0" eaLnBrk="1" latinLnBrk="0" hangingPunct="1">
+        <a:spcBef>
+          <a:spcPct val="20000"/>
+        </a:spcBef>
+        <a:buFont typeface="Arial"/>
+        <a:buChar char="–"/>
+        <a:defRPr sz="2667" kern="1200">
+          <a:solidFill>
+            <a:schemeClr val="tx1"/>
+          </a:solidFill>
+          <a:latin typeface="+mn-lt"/>
+          <a:ea typeface="+mn-ea"/>
+          <a:cs typeface="+mn-cs"/>
+        </a:defRPr>
+      </a:lvl4pPr>
+      <a:lvl5pPr marL="2743131" indent="-304792" algn="l" defTabSz="609585" rtl="0" eaLnBrk="1" latinLnBrk="0" hangingPunct="1">
+        <a:spcBef>
+          <a:spcPct val="20000"/>
+        </a:spcBef>
+        <a:buFont typeface="Arial"/>
+        <a:buChar char="»"/>
+        <a:defRPr sz="2667" kern="1200">
+          <a:solidFill>
+            <a:schemeClr val="tx1"/>
+          </a:solidFill>
+          <a:latin typeface="+mn-lt"/>
+          <a:ea typeface="+mn-ea"/>
+          <a:cs typeface="+mn-cs"/>
+        </a:defRPr>
+      </a:lvl5pPr>
+      <a:lvl6pPr marL="3352716" indent="-304792" algn="l" defTabSz="609585" rtl="0" eaLnBrk="1" latinLnBrk="0" hangingPunct="1">
+        <a:spcBef>
+          <a:spcPct val="20000"/>
+        </a:spcBef>
+        <a:buFont typeface="Arial"/>
+        <a:buChar char="•"/>
+        <a:defRPr sz="2667" kern="1200">
+          <a:solidFill>
+            <a:schemeClr val="tx1"/>
+          </a:solidFill>
+          <a:latin typeface="+mn-lt"/>
+          <a:ea typeface="+mn-ea"/>
+          <a:cs typeface="+mn-cs"/>
+        </a:defRPr>
+      </a:lvl6pPr>
+      <a:lvl7pPr marL="3962301" indent="-304792" algn="l" defTabSz="609585" rtl="0" eaLnBrk="1" latinLnBrk="0" hangingPunct="1">
+        <a:spcBef>
+          <a:spcPct val="20000"/>
+        </a:spcBef>
+        <a:buFont typeface="Arial"/>
+        <a:buChar char="•"/>
+        <a:defRPr sz="2667" kern="1200">
+          <a:solidFill>
+            <a:schemeClr val="tx1"/>
+          </a:solidFill>
+          <a:latin typeface="+mn-lt"/>
+          <a:ea typeface="+mn-ea"/>
+          <a:cs typeface="+mn-cs"/>
+        </a:defRPr>
+      </a:lvl7pPr>
+      <a:lvl8pPr marL="4571886" indent="-304792" algn="l" defTabSz="609585" rtl="0" eaLnBrk="1" latinLnBrk="0" hangingPunct="1">
+        <a:spcBef>
+          <a:spcPct val="20000"/>
+        </a:spcBef>
+        <a:buFont typeface="Arial"/>
+        <a:buChar char="•"/>
+        <a:defRPr sz="2667" kern="1200">
+          <a:solidFill>
+            <a:schemeClr val="tx1"/>
+          </a:solidFill>
+          <a:latin typeface="+mn-lt"/>
+          <a:ea typeface="+mn-ea"/>
+          <a:cs typeface="+mn-cs"/>
+        </a:defRPr>
+      </a:lvl8pPr>
+      <a:lvl9pPr marL="5181470" indent="-304792" algn="l" defTabSz="609585" rtl="0" eaLnBrk="1" latinLnBrk="0" hangingPunct="1">
+        <a:spcBef>
+          <a:spcPct val="20000"/>
+        </a:spcBef>
+        <a:buFont typeface="Arial"/>
+        <a:buChar char="•"/>
+        <a:defRPr sz="2667" kern="1200">
+          <a:solidFill>
+            <a:schemeClr val="tx1"/>
+          </a:solidFill>
+          <a:latin typeface="+mn-lt"/>
+          <a:ea typeface="+mn-ea"/>
+          <a:cs typeface="+mn-cs"/>
+        </a:defRPr>
+      </a:lvl9pPr>
+    </p:bodyStyle>
+    <p:otherStyle>
+      <a:defPPr>
+        <a:defRPr lang="en-US"/>
+      </a:defPPr>
+      <a:lvl1pPr marL="0" algn="l" defTabSz="609585" rtl="0" eaLnBrk="1" latinLnBrk="0" hangingPunct="1">
+        <a:defRPr sz="2400" kern="1200">
+          <a:solidFill>
+            <a:schemeClr val="tx1"/>
+          </a:solidFill>
+          <a:latin typeface="+mn-lt"/>
+          <a:ea typeface="+mn-ea"/>
+          <a:cs typeface="+mn-cs"/>
+        </a:defRPr>
+      </a:lvl1pPr>
+      <a:lvl2pPr marL="609585" algn="l" defTabSz="609585" rtl="0" eaLnBrk="1" latinLnBrk="0" hangingPunct="1">
+        <a:defRPr sz="2400" kern="1200">
+          <a:solidFill>
+            <a:schemeClr val="tx1"/>
+          </a:solidFill>
+          <a:latin typeface="+mn-lt"/>
+          <a:ea typeface="+mn-ea"/>
+          <a:cs typeface="+mn-cs"/>
+        </a:defRPr>
+      </a:lvl2pPr>
+      <a:lvl3pPr marL="1219170" algn="l" defTabSz="609585" rtl="0" eaLnBrk="1" latinLnBrk="0" hangingPunct="1">
+        <a:defRPr sz="2400" kern="1200">
+          <a:solidFill>
+            <a:schemeClr val="tx1"/>
+          </a:solidFill>
+          <a:latin typeface="+mn-lt"/>
+          <a:ea typeface="+mn-ea"/>
+          <a:cs typeface="+mn-cs"/>
+        </a:defRPr>
+      </a:lvl3pPr>
+      <a:lvl4pPr marL="1828754" algn="l" defTabSz="609585" rtl="0" eaLnBrk="1" latinLnBrk="0" hangingPunct="1">
+        <a:defRPr sz="2400" kern="1200">
+          <a:solidFill>
+            <a:schemeClr val="tx1"/>
+          </a:solidFill>
+          <a:latin typeface="+mn-lt"/>
+          <a:ea typeface="+mn-ea"/>
+          <a:cs typeface="+mn-cs"/>
+        </a:defRPr>
+      </a:lvl4pPr>
+      <a:lvl5pPr marL="2438339" algn="l" defTabSz="609585" rtl="0" eaLnBrk="1" latinLnBrk="0" hangingPunct="1">
+        <a:defRPr sz="2400" kern="1200">
+          <a:solidFill>
+            <a:schemeClr val="tx1"/>
+          </a:solidFill>
+          <a:latin typeface="+mn-lt"/>
+          <a:ea typeface="+mn-ea"/>
+          <a:cs typeface="+mn-cs"/>
+        </a:defRPr>
+      </a:lvl5pPr>
+      <a:lvl6pPr marL="3047924" algn="l" defTabSz="609585" rtl="0" eaLnBrk="1" latinLnBrk="0" hangingPunct="1">
+        <a:defRPr sz="2400" kern="1200">
+          <a:solidFill>
+            <a:schemeClr val="tx1"/>
+          </a:solidFill>
+          <a:latin typeface="+mn-lt"/>
+          <a:ea typeface="+mn-ea"/>
+          <a:cs typeface="+mn-cs"/>
+        </a:defRPr>
+      </a:lvl6pPr>
+      <a:lvl7pPr marL="3657509" algn="l" defTabSz="609585" rtl="0" eaLnBrk="1" latinLnBrk="0" hangingPunct="1">
+        <a:defRPr sz="2400" kern="1200">
+          <a:solidFill>
+            <a:schemeClr val="tx1"/>
+          </a:solidFill>
+          <a:latin typeface="+mn-lt"/>
+          <a:ea typeface="+mn-ea"/>
+          <a:cs typeface="+mn-cs"/>
+        </a:defRPr>
+      </a:lvl7pPr>
+      <a:lvl8pPr marL="4267093" algn="l" defTabSz="609585" rtl="0" eaLnBrk="1" latinLnBrk="0" hangingPunct="1">
+        <a:defRPr sz="2400" kern="1200">
+          <a:solidFill>
+            <a:schemeClr val="tx1"/>
+          </a:solidFill>
+          <a:latin typeface="+mn-lt"/>
+          <a:ea typeface="+mn-ea"/>
+          <a:cs typeface="+mn-cs"/>
+        </a:defRPr>
+      </a:lvl8pPr>
+      <a:lvl9pPr marL="4876678" algn="l" defTabSz="609585" rtl="0" eaLnBrk="1" latinLnBrk="0" hangingPunct="1">
+        <a:defRPr sz="2400" kern="1200">
+          <a:solidFill>
+            <a:schemeClr val="tx1"/>
+          </a:solidFill>
+          <a:latin typeface="+mn-lt"/>
+          <a:ea typeface="+mn-ea"/>
+          <a:cs typeface="+mn-cs"/>
+        </a:defRPr>
+      </a:lvl9pPr>
+    </p:otherStyle>
+  </p:txStyles>
+</p:sldMaster>
+</file>
+
 <file path=ppt/slides/slide1.xml><?xml version="1.0" encoding="utf-8"?>
 <p:sld xmlns:a="http://schemas.openxmlformats.org/drawingml/2006/main" xmlns:r="http://schemas.openxmlformats.org/officeDocument/2006/relationships" xmlns:p="http://schemas.openxmlformats.org/presentationml/2006/main">
   <p:cSld>
@@ -3321,9 +7266,437 @@
           <a:chExt cx="0" cy="0"/>
         </a:xfrm>
       </p:grpSpPr>
+      <p:sp>
+        <p:nvSpPr>
+          <p:cNvPr id="4" name="Rectangle 3">
+            <a:extLst>
+              <a:ext uri="{FF2B5EF4-FFF2-40B4-BE49-F238E27FC236}">
+                <a16:creationId xmlns:a16="http://schemas.microsoft.com/office/drawing/2014/main" id="{2DB7453A-5DFD-6B43-9EF9-B4DB30288921}"/>
+              </a:ext>
+            </a:extLst>
+          </p:cNvPr>
+          <p:cNvSpPr/>
+          <p:nvPr/>
+        </p:nvSpPr>
+        <p:spPr>
+          <a:xfrm>
+            <a:off x="0" y="4343400"/>
+            <a:ext cx="12192000" cy="2514600"/>
+          </a:xfrm>
+          <a:prstGeom prst="rect">
+            <a:avLst/>
+          </a:prstGeom>
+          <a:solidFill>
+            <a:srgbClr val="403938"/>
+          </a:solidFill>
+          <a:ln>
+            <a:noFill/>
+          </a:ln>
+        </p:spPr>
+        <p:style>
+          <a:lnRef idx="1">
+            <a:schemeClr val="accent1"/>
+          </a:lnRef>
+          <a:fillRef idx="3">
+            <a:schemeClr val="accent1"/>
+          </a:fillRef>
+          <a:effectRef idx="2">
+            <a:schemeClr val="accent1"/>
+          </a:effectRef>
+          <a:fontRef idx="minor">
+            <a:schemeClr val="lt1"/>
+          </a:fontRef>
+        </p:style>
+        <p:txBody>
+          <a:bodyPr rtlCol="0" anchor="ctr"/>
+          <a:lstStyle/>
+          <a:p>
+            <a:pPr algn="ctr" defTabSz="1219170"/>
+            <a:endParaRPr lang="en-US" sz="2400" dirty="0">
+              <a:solidFill>
+                <a:prstClr val="white"/>
+              </a:solidFill>
+              <a:latin typeface="Calibri"/>
+            </a:endParaRPr>
+          </a:p>
+        </p:txBody>
+      </p:sp>
+      <p:sp>
+        <p:nvSpPr>
+          <p:cNvPr id="6" name="Rectangle 5"/>
+          <p:cNvSpPr>
+            <a:spLocks noChangeArrowheads="1"/>
+          </p:cNvSpPr>
+          <p:nvPr/>
+        </p:nvSpPr>
+        <p:spPr bwMode="auto">
+          <a:xfrm>
+            <a:off x="304800" y="4826683"/>
+            <a:ext cx="5317067" cy="1727200"/>
+          </a:xfrm>
+          <a:prstGeom prst="rect">
+            <a:avLst/>
+          </a:prstGeom>
+          <a:noFill/>
+          <a:ln>
+            <a:noFill/>
+          </a:ln>
+          <a:effectLst/>
+          <a:extLst>
+            <a:ext uri="{909E8E84-426E-40DD-AFC4-6F175D3DCCD1}">
+              <a14:hiddenFill xmlns:a14="http://schemas.microsoft.com/office/drawing/2010/main">
+                <a:solidFill>
+                  <a:schemeClr val="accent1"/>
+                </a:solidFill>
+              </a14:hiddenFill>
+            </a:ext>
+            <a:ext uri="{91240B29-F687-4F45-9708-019B960494DF}">
+              <a14:hiddenLine xmlns:a14="http://schemas.microsoft.com/office/drawing/2010/main" w="9525">
+                <a:solidFill>
+                  <a:schemeClr val="tx1"/>
+                </a:solidFill>
+                <a:miter lim="800000"/>
+                <a:headEnd/>
+                <a:tailEnd/>
+              </a14:hiddenLine>
+            </a:ext>
+            <a:ext uri="{AF507438-7753-43E0-B8FC-AC1667EBCBE1}">
+              <a14:hiddenEffects xmlns:a14="http://schemas.microsoft.com/office/drawing/2010/main">
+                <a:effectLst>
+                  <a:outerShdw dist="35921" dir="2700000" algn="ctr" rotWithShape="0">
+                    <a:schemeClr val="bg2"/>
+                  </a:outerShdw>
+                </a:effectLst>
+              </a14:hiddenEffects>
+            </a:ext>
+          </a:extLst>
+        </p:spPr>
+        <p:txBody>
+          <a:bodyPr lIns="114564" tIns="57283" rIns="114564" bIns="57283"/>
+          <a:lstStyle/>
+          <a:p>
+            <a:pPr defTabSz="1219170">
+              <a:defRPr/>
+            </a:pPr>
+            <a:r>
+              <a:rPr lang="en-US" sz="4267" b="1" dirty="0">
+                <a:solidFill>
+                  <a:prstClr val="white"/>
+                </a:solidFill>
+                <a:latin typeface="Arial" charset="0"/>
+              </a:rPr>
+              <a:t>Chris Woodruff</a:t>
+            </a:r>
+            <a:endParaRPr lang="en-US" sz="3733" b="1" dirty="0">
+              <a:solidFill>
+                <a:prstClr val="white"/>
+              </a:solidFill>
+              <a:latin typeface="Arial" charset="0"/>
+            </a:endParaRPr>
+          </a:p>
+          <a:p>
+            <a:pPr defTabSz="1219170">
+              <a:defRPr/>
+            </a:pPr>
+            <a:r>
+              <a:rPr lang="en-US" sz="3200" b="1" dirty="0" err="1">
+                <a:solidFill>
+                  <a:prstClr val="white"/>
+                </a:solidFill>
+                <a:latin typeface="Arial" charset="0"/>
+              </a:rPr>
+              <a:t>LearningAbout.Dev</a:t>
+            </a:r>
+            <a:endParaRPr lang="en-US" sz="3200" b="1" dirty="0">
+              <a:solidFill>
+                <a:prstClr val="white"/>
+              </a:solidFill>
+              <a:latin typeface="Arial" charset="0"/>
+            </a:endParaRPr>
+          </a:p>
+          <a:p>
+            <a:pPr defTabSz="1219170">
+              <a:defRPr/>
+            </a:pPr>
+            <a:endParaRPr lang="en-US" sz="2400" b="1" dirty="0">
+              <a:solidFill>
+                <a:prstClr val="white"/>
+              </a:solidFill>
+              <a:latin typeface="Arial" charset="0"/>
+            </a:endParaRPr>
+          </a:p>
+          <a:p>
+            <a:pPr defTabSz="1219170">
+              <a:defRPr/>
+            </a:pPr>
+            <a:endParaRPr lang="en-US" sz="1867" dirty="0">
+              <a:solidFill>
+                <a:prstClr val="white"/>
+              </a:solidFill>
+              <a:latin typeface="Times New Roman" pitchFamily="28" charset="0"/>
+            </a:endParaRPr>
+          </a:p>
+        </p:txBody>
+      </p:sp>
+      <p:sp>
+        <p:nvSpPr>
+          <p:cNvPr id="7" name="Text Box 7"/>
+          <p:cNvSpPr txBox="1">
+            <a:spLocks noChangeArrowheads="1"/>
+          </p:cNvSpPr>
+          <p:nvPr/>
+        </p:nvSpPr>
+        <p:spPr bwMode="auto">
+          <a:xfrm>
+            <a:off x="7924801" y="4824276"/>
+            <a:ext cx="4889497" cy="830997"/>
+          </a:xfrm>
+          <a:prstGeom prst="rect">
+            <a:avLst/>
+          </a:prstGeom>
+          <a:noFill/>
+          <a:ln>
+            <a:noFill/>
+          </a:ln>
+          <a:effectLst/>
+          <a:extLst>
+            <a:ext uri="{909E8E84-426E-40DD-AFC4-6F175D3DCCD1}">
+              <a14:hiddenFill xmlns:a14="http://schemas.microsoft.com/office/drawing/2010/main">
+                <a:solidFill>
+                  <a:schemeClr val="accent1"/>
+                </a:solidFill>
+              </a14:hiddenFill>
+            </a:ext>
+            <a:ext uri="{91240B29-F687-4F45-9708-019B960494DF}">
+              <a14:hiddenLine xmlns:a14="http://schemas.microsoft.com/office/drawing/2010/main" w="9525" algn="ctr">
+                <a:solidFill>
+                  <a:schemeClr val="tx1"/>
+                </a:solidFill>
+                <a:miter lim="800000"/>
+                <a:headEnd/>
+                <a:tailEnd/>
+              </a14:hiddenLine>
+            </a:ext>
+            <a:ext uri="{AF507438-7753-43E0-B8FC-AC1667EBCBE1}">
+              <a14:hiddenEffects xmlns:a14="http://schemas.microsoft.com/office/drawing/2010/main">
+                <a:effectLst>
+                  <a:outerShdw dist="35921" dir="2700000" algn="ctr" rotWithShape="0">
+                    <a:schemeClr val="bg2"/>
+                  </a:outerShdw>
+                </a:effectLst>
+              </a14:hiddenEffects>
+            </a:ext>
+          </a:extLst>
+        </p:spPr>
+        <p:txBody>
+          <a:bodyPr wrap="square">
+            <a:spAutoFit/>
+          </a:bodyPr>
+          <a:lstStyle>
+            <a:lvl1pPr>
+              <a:defRPr sz="1600">
+                <a:solidFill>
+                  <a:schemeClr val="tx1"/>
+                </a:solidFill>
+                <a:latin typeface="Lucida Console" pitchFamily="49" charset="0"/>
+                <a:cs typeface="Arial" charset="0"/>
+              </a:defRPr>
+            </a:lvl1pPr>
+            <a:lvl2pPr marL="742950" indent="-285750">
+              <a:defRPr sz="1600">
+                <a:solidFill>
+                  <a:schemeClr val="tx1"/>
+                </a:solidFill>
+                <a:latin typeface="Lucida Console" pitchFamily="49" charset="0"/>
+                <a:cs typeface="Arial" charset="0"/>
+              </a:defRPr>
+            </a:lvl2pPr>
+            <a:lvl3pPr marL="1143000" indent="-228600">
+              <a:defRPr sz="1600">
+                <a:solidFill>
+                  <a:schemeClr val="tx1"/>
+                </a:solidFill>
+                <a:latin typeface="Lucida Console" pitchFamily="49" charset="0"/>
+                <a:cs typeface="Arial" charset="0"/>
+              </a:defRPr>
+            </a:lvl3pPr>
+            <a:lvl4pPr marL="1600200" indent="-228600">
+              <a:defRPr sz="1600">
+                <a:solidFill>
+                  <a:schemeClr val="tx1"/>
+                </a:solidFill>
+                <a:latin typeface="Lucida Console" pitchFamily="49" charset="0"/>
+                <a:cs typeface="Arial" charset="0"/>
+              </a:defRPr>
+            </a:lvl4pPr>
+            <a:lvl5pPr marL="2057400" indent="-228600">
+              <a:defRPr sz="1600">
+                <a:solidFill>
+                  <a:schemeClr val="tx1"/>
+                </a:solidFill>
+                <a:latin typeface="Lucida Console" pitchFamily="49" charset="0"/>
+                <a:cs typeface="Arial" charset="0"/>
+              </a:defRPr>
+            </a:lvl5pPr>
+            <a:lvl6pPr marL="2514600" indent="-228600" eaLnBrk="0" fontAlgn="base" hangingPunct="0">
+              <a:spcBef>
+                <a:spcPct val="0"/>
+              </a:spcBef>
+              <a:spcAft>
+                <a:spcPct val="0"/>
+              </a:spcAft>
+              <a:defRPr sz="1600">
+                <a:solidFill>
+                  <a:schemeClr val="tx1"/>
+                </a:solidFill>
+                <a:latin typeface="Lucida Console" pitchFamily="49" charset="0"/>
+                <a:cs typeface="Arial" charset="0"/>
+              </a:defRPr>
+            </a:lvl6pPr>
+            <a:lvl7pPr marL="2971800" indent="-228600" eaLnBrk="0" fontAlgn="base" hangingPunct="0">
+              <a:spcBef>
+                <a:spcPct val="0"/>
+              </a:spcBef>
+              <a:spcAft>
+                <a:spcPct val="0"/>
+              </a:spcAft>
+              <a:defRPr sz="1600">
+                <a:solidFill>
+                  <a:schemeClr val="tx1"/>
+                </a:solidFill>
+                <a:latin typeface="Lucida Console" pitchFamily="49" charset="0"/>
+                <a:cs typeface="Arial" charset="0"/>
+              </a:defRPr>
+            </a:lvl7pPr>
+            <a:lvl8pPr marL="3429000" indent="-228600" eaLnBrk="0" fontAlgn="base" hangingPunct="0">
+              <a:spcBef>
+                <a:spcPct val="0"/>
+              </a:spcBef>
+              <a:spcAft>
+                <a:spcPct val="0"/>
+              </a:spcAft>
+              <a:defRPr sz="1600">
+                <a:solidFill>
+                  <a:schemeClr val="tx1"/>
+                </a:solidFill>
+                <a:latin typeface="Lucida Console" pitchFamily="49" charset="0"/>
+                <a:cs typeface="Arial" charset="0"/>
+              </a:defRPr>
+            </a:lvl8pPr>
+            <a:lvl9pPr marL="3886200" indent="-228600" eaLnBrk="0" fontAlgn="base" hangingPunct="0">
+              <a:spcBef>
+                <a:spcPct val="0"/>
+              </a:spcBef>
+              <a:spcAft>
+                <a:spcPct val="0"/>
+              </a:spcAft>
+              <a:defRPr sz="1600">
+                <a:solidFill>
+                  <a:schemeClr val="tx1"/>
+                </a:solidFill>
+                <a:latin typeface="Lucida Console" pitchFamily="49" charset="0"/>
+                <a:cs typeface="Arial" charset="0"/>
+              </a:defRPr>
+            </a:lvl9pPr>
+          </a:lstStyle>
+          <a:p>
+            <a:pPr defTabSz="1219170"/>
+            <a:r>
+              <a:rPr lang="en-US" sz="2667" dirty="0">
+                <a:solidFill>
+                  <a:prstClr val="white"/>
+                </a:solidFill>
+                <a:latin typeface="Arial" charset="0"/>
+              </a:rPr>
+              <a:t>Level: Intermediate, etc.</a:t>
+            </a:r>
+          </a:p>
+          <a:p>
+            <a:pPr defTabSz="1219170"/>
+            <a:endParaRPr lang="en-US" sz="2133" b="1" dirty="0">
+              <a:solidFill>
+                <a:prstClr val="white"/>
+              </a:solidFill>
+              <a:latin typeface="Arial" charset="0"/>
+            </a:endParaRPr>
+          </a:p>
+        </p:txBody>
+      </p:sp>
       <p:pic>
         <p:nvPicPr>
-          <p:cNvPr id="5" name="Picture 4">
+          <p:cNvPr id="2" name="Picture 1"/>
+          <p:cNvPicPr>
+            <a:picLocks noChangeAspect="1"/>
+          </p:cNvPicPr>
+          <p:nvPr/>
+        </p:nvPicPr>
+        <p:blipFill>
+          <a:blip r:embed="rId3">
+            <a:extLst>
+              <a:ext uri="{28A0092B-C50C-407E-A947-70E740481C1C}">
+                <a14:useLocalDpi xmlns:a14="http://schemas.microsoft.com/office/drawing/2010/main" val="0"/>
+              </a:ext>
+            </a:extLst>
+          </a:blip>
+          <a:stretch>
+            <a:fillRect/>
+          </a:stretch>
+        </p:blipFill>
+        <p:spPr>
+          <a:xfrm>
+            <a:off x="0" y="-17379"/>
+            <a:ext cx="12192000" cy="4665579"/>
+          </a:xfrm>
+          <a:prstGeom prst="rect">
+            <a:avLst/>
+          </a:prstGeom>
+        </p:spPr>
+      </p:pic>
+    </p:spTree>
+    <p:extLst>
+      <p:ext uri="{BB962C8B-B14F-4D97-AF65-F5344CB8AC3E}">
+        <p14:creationId xmlns:p14="http://schemas.microsoft.com/office/powerpoint/2010/main" val="1057191978"/>
+      </p:ext>
+    </p:extLst>
+  </p:cSld>
+  <p:clrMapOvr>
+    <a:masterClrMapping/>
+  </p:clrMapOvr>
+  <p:transition spd="slow"/>
+</p:sld>
+</file>
+
+<file path=ppt/slides/slide2.xml><?xml version="1.0" encoding="utf-8"?>
+<p:sld xmlns:a="http://schemas.openxmlformats.org/drawingml/2006/main" xmlns:r="http://schemas.openxmlformats.org/officeDocument/2006/relationships" xmlns:p="http://schemas.openxmlformats.org/presentationml/2006/main">
+  <p:cSld>
+    <p:bg>
+      <p:bgPr>
+        <a:solidFill>
+          <a:schemeClr val="bg1">
+            <a:lumMod val="75000"/>
+            <a:lumOff val="25000"/>
+          </a:schemeClr>
+        </a:solidFill>
+        <a:effectLst/>
+      </p:bgPr>
+    </p:bg>
+    <p:spTree>
+      <p:nvGrpSpPr>
+        <p:cNvPr id="1" name=""/>
+        <p:cNvGrpSpPr/>
+        <p:nvPr/>
+      </p:nvGrpSpPr>
+      <p:grpSpPr>
+        <a:xfrm>
+          <a:off x="0" y="0"/>
+          <a:ext cx="0" cy="0"/>
+          <a:chOff x="0" y="0"/>
+          <a:chExt cx="0" cy="0"/>
+        </a:xfrm>
+      </p:grpSpPr>
+      <p:pic>
+        <p:nvPicPr>
+          <p:cNvPr id="5" name="Picture 4" descr="Diagram&#10;&#10;Description automatically generated">
             <a:extLst>
               <a:ext uri="{FF2B5EF4-FFF2-40B4-BE49-F238E27FC236}">
                 <a16:creationId xmlns:a16="http://schemas.microsoft.com/office/drawing/2014/main" id="{B946C6F9-B69A-4AE2-B492-CA4DFC744796}"/>
@@ -3336,14 +7709,23 @@
           <p:nvPr/>
         </p:nvPicPr>
         <p:blipFill rotWithShape="1">
-          <a:blip r:embed="rId2"/>
-          <a:srcRect t="29688"/>
+          <a:blip r:embed="rId2">
+            <a:duotone>
+              <a:schemeClr val="bg2">
+                <a:shade val="45000"/>
+                <a:satMod val="135000"/>
+              </a:schemeClr>
+              <a:prstClr val="white"/>
+            </a:duotone>
+            <a:alphaModFix amt="35000"/>
+          </a:blip>
+          <a:srcRect t="29687"/>
           <a:stretch/>
         </p:blipFill>
         <p:spPr>
           <a:xfrm>
-            <a:off x="-3047" y="10"/>
-            <a:ext cx="12191999" cy="6857990"/>
+            <a:off x="20" y="10"/>
+            <a:ext cx="12191980" cy="6857990"/>
           </a:xfrm>
           <a:prstGeom prst="rect">
             <a:avLst/>
@@ -3368,16 +7750,9 @@
         </p:nvSpPr>
         <p:spPr>
           <a:xfrm>
-            <a:off x="1097280" y="325550"/>
-            <a:ext cx="10058400" cy="3574778"/>
+            <a:off x="1097280" y="758952"/>
+            <a:ext cx="10058400" cy="3566160"/>
           </a:xfrm>
-          <a:effectLst>
-            <a:outerShdw blurRad="50800" dist="38100" dir="2700000" algn="tl" rotWithShape="0">
-              <a:prstClr val="black">
-                <a:alpha val="40000"/>
-              </a:prstClr>
-            </a:outerShdw>
-          </a:effectLst>
         </p:spPr>
         <p:txBody>
           <a:bodyPr>
@@ -3385,11 +7760,14 @@
           </a:bodyPr>
           <a:lstStyle/>
           <a:p>
-            <a:endParaRPr lang="en-US" sz="5200">
-              <a:solidFill>
-                <a:srgbClr val="FFFFFF"/>
-              </a:solidFill>
-            </a:endParaRPr>
+            <a:r>
+              <a:rPr lang="en-US" dirty="0"/>
+              <a:t>Consuming Web API </a:t>
+            </a:r>
+            <a:r>
+              <a:rPr lang="en-US"/>
+              <a:t>with OpenAPI</a:t>
+            </a:r>
           </a:p>
         </p:txBody>
       </p:sp>
@@ -3411,16 +7789,9 @@
         </p:nvSpPr>
         <p:spPr>
           <a:xfrm>
-            <a:off x="1100051" y="4072043"/>
-            <a:ext cx="10058400" cy="1282707"/>
+            <a:off x="1100051" y="4455621"/>
+            <a:ext cx="10058400" cy="1143000"/>
           </a:xfrm>
-          <a:effectLst>
-            <a:outerShdw blurRad="50800" dist="38100" dir="2700000" algn="tl" rotWithShape="0">
-              <a:prstClr val="black">
-                <a:alpha val="40000"/>
-              </a:prstClr>
-            </a:outerShdw>
-          </a:effectLst>
         </p:spPr>
         <p:txBody>
           <a:bodyPr>
@@ -3430,11 +7801,180 @@
           <a:p>
             <a:endParaRPr lang="en-US">
               <a:solidFill>
-                <a:srgbClr val="FFFFFF"/>
+                <a:schemeClr val="tx1">
+                  <a:lumMod val="85000"/>
+                  <a:lumOff val="15000"/>
+                </a:schemeClr>
               </a:solidFill>
             </a:endParaRPr>
           </a:p>
         </p:txBody>
+      </p:sp>
+      <p:cxnSp>
+        <p:nvCxnSpPr>
+          <p:cNvPr id="10" name="Straight Connector 9">
+            <a:extLst>
+              <a:ext uri="{FF2B5EF4-FFF2-40B4-BE49-F238E27FC236}">
+                <a16:creationId xmlns:a16="http://schemas.microsoft.com/office/drawing/2014/main" id="{DBF2F6E1-D8C6-42AA-BFD0-84E0D68206AC}"/>
+              </a:ext>
+              <a:ext uri="{C183D7F6-B498-43B3-948B-1728B52AA6E4}">
+                <adec:decorative xmlns:adec="http://schemas.microsoft.com/office/drawing/2017/decorative" val="1"/>
+              </a:ext>
+            </a:extLst>
+          </p:cNvPr>
+          <p:cNvCxnSpPr>
+            <a:cxnSpLocks noGrp="1" noRot="1" noChangeAspect="1" noMove="1" noResize="1" noEditPoints="1" noAdjustHandles="1" noChangeArrowheads="1" noChangeShapeType="1"/>
+          </p:cNvCxnSpPr>
+          <p:nvPr>
+            <p:extLst>
+              <p:ext uri="{386F3935-93C4-4BCD-93E2-E3B085C9AB24}">
+                <p16:designElem xmlns:p16="http://schemas.microsoft.com/office/powerpoint/2015/main" val="1"/>
+              </p:ext>
+            </p:extLst>
+          </p:nvPr>
+        </p:nvCxnSpPr>
+        <p:spPr>
+          <a:xfrm>
+            <a:off x="1207658" y="4343400"/>
+            <a:ext cx="9875520" cy="0"/>
+          </a:xfrm>
+          <a:prstGeom prst="line">
+            <a:avLst/>
+          </a:prstGeom>
+          <a:ln w="6350">
+            <a:solidFill>
+              <a:schemeClr val="tx2">
+                <a:alpha val="90000"/>
+              </a:schemeClr>
+            </a:solidFill>
+          </a:ln>
+        </p:spPr>
+        <p:style>
+          <a:lnRef idx="1">
+            <a:schemeClr val="accent1"/>
+          </a:lnRef>
+          <a:fillRef idx="0">
+            <a:schemeClr val="accent1"/>
+          </a:fillRef>
+          <a:effectRef idx="0">
+            <a:schemeClr val="accent1"/>
+          </a:effectRef>
+          <a:fontRef idx="minor">
+            <a:schemeClr val="tx1"/>
+          </a:fontRef>
+        </p:style>
+      </p:cxnSp>
+      <p:sp>
+        <p:nvSpPr>
+          <p:cNvPr id="12" name="Rectangle 11">
+            <a:extLst>
+              <a:ext uri="{FF2B5EF4-FFF2-40B4-BE49-F238E27FC236}">
+                <a16:creationId xmlns:a16="http://schemas.microsoft.com/office/drawing/2014/main" id="{2A1B3A53-6A5B-4A38-96C5-5ED9977827FD}"/>
+              </a:ext>
+              <a:ext uri="{C183D7F6-B498-43B3-948B-1728B52AA6E4}">
+                <adec:decorative xmlns:adec="http://schemas.microsoft.com/office/drawing/2017/decorative" val="1"/>
+              </a:ext>
+            </a:extLst>
+          </p:cNvPr>
+          <p:cNvSpPr>
+            <a:spLocks noGrp="1" noRot="1" noChangeAspect="1" noMove="1" noResize="1" noEditPoints="1" noAdjustHandles="1" noChangeArrowheads="1" noChangeShapeType="1" noTextEdit="1"/>
+          </p:cNvSpPr>
+          <p:nvPr>
+            <p:extLst>
+              <p:ext uri="{386F3935-93C4-4BCD-93E2-E3B085C9AB24}">
+                <p16:designElem xmlns:p16="http://schemas.microsoft.com/office/powerpoint/2015/main" val="1"/>
+              </p:ext>
+            </p:extLst>
+          </p:nvPr>
+        </p:nvSpPr>
+        <p:spPr>
+          <a:xfrm>
+            <a:off x="15" y="6334316"/>
+            <a:ext cx="12191985" cy="66484"/>
+          </a:xfrm>
+          <a:prstGeom prst="rect">
+            <a:avLst/>
+          </a:prstGeom>
+          <a:solidFill>
+            <a:schemeClr val="accent1"/>
+          </a:solidFill>
+          <a:ln>
+            <a:noFill/>
+          </a:ln>
+        </p:spPr>
+        <p:style>
+          <a:lnRef idx="2">
+            <a:schemeClr val="accent1">
+              <a:shade val="50000"/>
+            </a:schemeClr>
+          </a:lnRef>
+          <a:fillRef idx="1">
+            <a:schemeClr val="accent1"/>
+          </a:fillRef>
+          <a:effectRef idx="0">
+            <a:schemeClr val="accent1"/>
+          </a:effectRef>
+          <a:fontRef idx="minor">
+            <a:schemeClr val="lt1"/>
+          </a:fontRef>
+        </p:style>
+      </p:sp>
+      <p:sp>
+        <p:nvSpPr>
+          <p:cNvPr id="14" name="Rectangle 13">
+            <a:extLst>
+              <a:ext uri="{FF2B5EF4-FFF2-40B4-BE49-F238E27FC236}">
+                <a16:creationId xmlns:a16="http://schemas.microsoft.com/office/drawing/2014/main" id="{2AB40F15-FE8D-444C-91B8-ADAAEE75B9BD}"/>
+              </a:ext>
+              <a:ext uri="{C183D7F6-B498-43B3-948B-1728B52AA6E4}">
+                <adec:decorative xmlns:adec="http://schemas.microsoft.com/office/drawing/2017/decorative" val="1"/>
+              </a:ext>
+            </a:extLst>
+          </p:cNvPr>
+          <p:cNvSpPr>
+            <a:spLocks noGrp="1" noRot="1" noChangeAspect="1" noMove="1" noResize="1" noEditPoints="1" noAdjustHandles="1" noChangeArrowheads="1" noChangeShapeType="1" noTextEdit="1"/>
+          </p:cNvSpPr>
+          <p:nvPr>
+            <p:extLst>
+              <p:ext uri="{386F3935-93C4-4BCD-93E2-E3B085C9AB24}">
+                <p16:designElem xmlns:p16="http://schemas.microsoft.com/office/powerpoint/2015/main" val="1"/>
+              </p:ext>
+            </p:extLst>
+          </p:nvPr>
+        </p:nvSpPr>
+        <p:spPr>
+          <a:xfrm>
+            <a:off x="1" y="6400800"/>
+            <a:ext cx="12192000" cy="457200"/>
+          </a:xfrm>
+          <a:prstGeom prst="rect">
+            <a:avLst/>
+          </a:prstGeom>
+          <a:solidFill>
+            <a:schemeClr val="accent1">
+              <a:lumMod val="75000"/>
+            </a:schemeClr>
+          </a:solidFill>
+          <a:ln>
+            <a:noFill/>
+          </a:ln>
+        </p:spPr>
+        <p:style>
+          <a:lnRef idx="2">
+            <a:schemeClr val="accent1">
+              <a:shade val="50000"/>
+            </a:schemeClr>
+          </a:lnRef>
+          <a:fillRef idx="1">
+            <a:schemeClr val="accent1"/>
+          </a:fillRef>
+          <a:effectRef idx="0">
+            <a:schemeClr val="accent1"/>
+          </a:effectRef>
+          <a:fontRef idx="minor">
+            <a:schemeClr val="lt1"/>
+          </a:fontRef>
+        </p:style>
       </p:sp>
     </p:spTree>
     <p:extLst>
@@ -3450,6 +7990,609 @@
 </file>
 
 <file path=ppt/theme/theme1.xml><?xml version="1.0" encoding="utf-8"?>
+<a:theme xmlns:a="http://schemas.openxmlformats.org/drawingml/2006/main" name="Retrospect">
+  <a:themeElements>
+    <a:clrScheme name="Retrospect">
+      <a:dk1>
+        <a:sysClr val="windowText" lastClr="000000"/>
+      </a:dk1>
+      <a:lt1>
+        <a:sysClr val="window" lastClr="FFFFFF"/>
+      </a:lt1>
+      <a:dk2>
+        <a:srgbClr val="564B3C"/>
+      </a:dk2>
+      <a:lt2>
+        <a:srgbClr val="ECEDD1"/>
+      </a:lt2>
+      <a:accent1>
+        <a:srgbClr val="93A299"/>
+      </a:accent1>
+      <a:accent2>
+        <a:srgbClr val="CF543F"/>
+      </a:accent2>
+      <a:accent3>
+        <a:srgbClr val="B5AE53"/>
+      </a:accent3>
+      <a:accent4>
+        <a:srgbClr val="848058"/>
+      </a:accent4>
+      <a:accent5>
+        <a:srgbClr val="E8B54D"/>
+      </a:accent5>
+      <a:accent6>
+        <a:srgbClr val="786C71"/>
+      </a:accent6>
+      <a:hlink>
+        <a:srgbClr val="CCCC00"/>
+      </a:hlink>
+      <a:folHlink>
+        <a:srgbClr val="B2B2B2"/>
+      </a:folHlink>
+    </a:clrScheme>
+    <a:fontScheme name="Retrospect">
+      <a:majorFont>
+        <a:latin typeface="Calibri Light" panose="020F0302020204030204"/>
+        <a:ea typeface=""/>
+        <a:cs typeface=""/>
+        <a:font script="Jpan" typeface="ＭＳ Ｐゴシック"/>
+        <a:font script="Hang" typeface="맑은 고딕"/>
+        <a:font script="Hans" typeface="宋体"/>
+        <a:font script="Hant" typeface="新細明體"/>
+        <a:font script="Arab" typeface="Times New Roman"/>
+        <a:font script="Hebr" typeface="Times New Roman"/>
+        <a:font script="Thai" typeface="Angsana New"/>
+        <a:font script="Ethi" typeface="Nyala"/>
+        <a:font script="Beng" typeface="Vrinda"/>
+        <a:font script="Gujr" typeface="Shruti"/>
+        <a:font script="Khmr" typeface="MoolBoran"/>
+        <a:font script="Knda" typeface="Tunga"/>
+        <a:font script="Guru" typeface="Raavi"/>
+        <a:font script="Cans" typeface="Euphemia"/>
+        <a:font script="Cher" typeface="Plantagenet Cherokee"/>
+        <a:font script="Yiii" typeface="Microsoft Yi Baiti"/>
+        <a:font script="Tibt" typeface="Microsoft Himalaya"/>
+        <a:font script="Thaa" typeface="MV Boli"/>
+        <a:font script="Deva" typeface="Mangal"/>
+        <a:font script="Telu" typeface="Gautami"/>
+        <a:font script="Taml" typeface="Latha"/>
+        <a:font script="Syrc" typeface="Estrangelo Edessa"/>
+        <a:font script="Orya" typeface="Kalinga"/>
+        <a:font script="Mlym" typeface="Kartika"/>
+        <a:font script="Laoo" typeface="DokChampa"/>
+        <a:font script="Sinh" typeface="Iskoola Pota"/>
+        <a:font script="Mong" typeface="Mongolian Baiti"/>
+        <a:font script="Viet" typeface="Times New Roman"/>
+        <a:font script="Uigh" typeface="Microsoft Uighur"/>
+        <a:font script="Geor" typeface="Sylfaen"/>
+      </a:majorFont>
+      <a:minorFont>
+        <a:latin typeface="Calibri" panose="020F0502020204030204"/>
+        <a:ea typeface=""/>
+        <a:cs typeface=""/>
+        <a:font script="Jpan" typeface="ＭＳ Ｐゴシック"/>
+        <a:font script="Hang" typeface="맑은 고딕"/>
+        <a:font script="Hans" typeface="宋体"/>
+        <a:font script="Hant" typeface="新細明體"/>
+        <a:font script="Arab" typeface="Arial"/>
+        <a:font script="Hebr" typeface="Arial"/>
+        <a:font script="Thai" typeface="Cordia New"/>
+        <a:font script="Ethi" typeface="Nyala"/>
+        <a:font script="Beng" typeface="Vrinda"/>
+        <a:font script="Gujr" typeface="Shruti"/>
+        <a:font script="Khmr" typeface="DaunPenh"/>
+        <a:font script="Knda" typeface="Tunga"/>
+        <a:font script="Guru" typeface="Raavi"/>
+        <a:font script="Cans" typeface="Euphemia"/>
+        <a:font script="Cher" typeface="Plantagenet Cherokee"/>
+        <a:font script="Yiii" typeface="Microsoft Yi Baiti"/>
+        <a:font script="Tibt" typeface="Microsoft Himalaya"/>
+        <a:font script="Thaa" typeface="MV Boli"/>
+        <a:font script="Deva" typeface="Mangal"/>
+        <a:font script="Telu" typeface="Gautami"/>
+        <a:font script="Taml" typeface="Latha"/>
+        <a:font script="Syrc" typeface="Estrangelo Edessa"/>
+        <a:font script="Orya" typeface="Kalinga"/>
+        <a:font script="Mlym" typeface="Kartika"/>
+        <a:font script="Laoo" typeface="DokChampa"/>
+        <a:font script="Sinh" typeface="Iskoola Pota"/>
+        <a:font script="Mong" typeface="Mongolian Baiti"/>
+        <a:font script="Viet" typeface="Arial"/>
+        <a:font script="Uigh" typeface="Microsoft Uighur"/>
+        <a:font script="Geor" typeface="Sylfaen"/>
+      </a:minorFont>
+    </a:fontScheme>
+    <a:fmtScheme name="Retrospect">
+      <a:fillStyleLst>
+        <a:solidFill>
+          <a:schemeClr val="phClr"/>
+        </a:solidFill>
+        <a:gradFill rotWithShape="1">
+          <a:gsLst>
+            <a:gs pos="0">
+              <a:schemeClr val="phClr">
+                <a:tint val="65000"/>
+                <a:shade val="92000"/>
+                <a:satMod val="130000"/>
+              </a:schemeClr>
+            </a:gs>
+            <a:gs pos="45000">
+              <a:schemeClr val="phClr">
+                <a:tint val="60000"/>
+                <a:shade val="99000"/>
+                <a:satMod val="120000"/>
+              </a:schemeClr>
+            </a:gs>
+            <a:gs pos="100000">
+              <a:schemeClr val="phClr">
+                <a:tint val="55000"/>
+                <a:satMod val="140000"/>
+              </a:schemeClr>
+            </a:gs>
+          </a:gsLst>
+          <a:path path="circle">
+            <a:fillToRect l="100000" t="100000" r="100000" b="100000"/>
+          </a:path>
+        </a:gradFill>
+        <a:gradFill rotWithShape="1">
+          <a:gsLst>
+            <a:gs pos="0">
+              <a:schemeClr val="phClr">
+                <a:shade val="85000"/>
+                <a:satMod val="130000"/>
+              </a:schemeClr>
+            </a:gs>
+            <a:gs pos="34000">
+              <a:schemeClr val="phClr">
+                <a:shade val="87000"/>
+                <a:satMod val="125000"/>
+              </a:schemeClr>
+            </a:gs>
+            <a:gs pos="70000">
+              <a:schemeClr val="phClr">
+                <a:tint val="100000"/>
+                <a:shade val="90000"/>
+                <a:satMod val="130000"/>
+              </a:schemeClr>
+            </a:gs>
+            <a:gs pos="100000">
+              <a:schemeClr val="phClr">
+                <a:tint val="100000"/>
+                <a:shade val="100000"/>
+                <a:satMod val="110000"/>
+              </a:schemeClr>
+            </a:gs>
+          </a:gsLst>
+          <a:path path="circle">
+            <a:fillToRect l="100000" t="100000" r="100000" b="100000"/>
+          </a:path>
+        </a:gradFill>
+      </a:fillStyleLst>
+      <a:lnStyleLst>
+        <a:ln w="12700" cap="flat" cmpd="sng" algn="ctr">
+          <a:solidFill>
+            <a:schemeClr val="phClr"/>
+          </a:solidFill>
+          <a:prstDash val="solid"/>
+        </a:ln>
+        <a:ln w="15875" cap="flat" cmpd="sng" algn="ctr">
+          <a:solidFill>
+            <a:schemeClr val="phClr"/>
+          </a:solidFill>
+          <a:prstDash val="solid"/>
+        </a:ln>
+        <a:ln w="25400" cap="flat" cmpd="sng" algn="ctr">
+          <a:solidFill>
+            <a:schemeClr val="phClr"/>
+          </a:solidFill>
+          <a:prstDash val="solid"/>
+        </a:ln>
+      </a:lnStyleLst>
+      <a:effectStyleLst>
+        <a:effectStyle>
+          <a:effectLst/>
+        </a:effectStyle>
+        <a:effectStyle>
+          <a:effectLst>
+            <a:outerShdw blurRad="38100" dist="25400" dir="2700000" algn="br" rotWithShape="0">
+              <a:srgbClr val="000000">
+                <a:alpha val="60000"/>
+              </a:srgbClr>
+            </a:outerShdw>
+          </a:effectLst>
+        </a:effectStyle>
+        <a:effectStyle>
+          <a:effectLst>
+            <a:outerShdw blurRad="44450" dist="25400" dir="2700000" algn="br" rotWithShape="0">
+              <a:srgbClr val="000000">
+                <a:alpha val="60000"/>
+              </a:srgbClr>
+            </a:outerShdw>
+          </a:effectLst>
+          <a:scene3d>
+            <a:camera prst="orthographicFront">
+              <a:rot lat="0" lon="0" rev="0"/>
+            </a:camera>
+            <a:lightRig rig="threePt" dir="t">
+              <a:rot lat="0" lon="0" rev="19800000"/>
+            </a:lightRig>
+          </a:scene3d>
+          <a:sp3d prstMaterial="flat">
+            <a:bevelT w="25400" h="31750"/>
+          </a:sp3d>
+        </a:effectStyle>
+      </a:effectStyleLst>
+      <a:bgFillStyleLst>
+        <a:solidFill>
+          <a:schemeClr val="phClr"/>
+        </a:solidFill>
+        <a:solidFill>
+          <a:schemeClr val="phClr">
+            <a:tint val="90000"/>
+            <a:shade val="97000"/>
+            <a:satMod val="130000"/>
+          </a:schemeClr>
+        </a:solidFill>
+        <a:gradFill rotWithShape="1">
+          <a:gsLst>
+            <a:gs pos="0">
+              <a:schemeClr val="phClr">
+                <a:tint val="96000"/>
+                <a:shade val="99000"/>
+                <a:satMod val="140000"/>
+              </a:schemeClr>
+            </a:gs>
+            <a:gs pos="65000">
+              <a:schemeClr val="phClr">
+                <a:tint val="100000"/>
+                <a:shade val="80000"/>
+                <a:satMod val="130000"/>
+              </a:schemeClr>
+            </a:gs>
+            <a:gs pos="100000">
+              <a:schemeClr val="phClr">
+                <a:tint val="100000"/>
+                <a:shade val="48000"/>
+                <a:satMod val="120000"/>
+              </a:schemeClr>
+            </a:gs>
+          </a:gsLst>
+          <a:lin ang="16200000" scaled="0"/>
+        </a:gradFill>
+      </a:bgFillStyleLst>
+    </a:fmtScheme>
+  </a:themeElements>
+  <a:objectDefaults/>
+  <a:extraClrSchemeLst/>
+  <a:extLst>
+    <a:ext uri="{05A4C25C-085E-4340-85A3-A5531E510DB2}">
+      <thm15:themeFamily xmlns:thm15="http://schemas.microsoft.com/office/thememl/2012/main" name="Retrospect" id="{5F128B03-DCCA-4EEB-AB3B-CF2899314A46}" vid="{E3DA18C2-75F1-4980-A5F0-165F6F71DE6D}"/>
+    </a:ext>
+  </a:extLst>
+</a:theme>
+</file>
+
+<file path=ppt/theme/theme2.xml><?xml version="1.0" encoding="utf-8"?>
+<a:theme xmlns:a="http://schemas.openxmlformats.org/drawingml/2006/main" name="Custom Design">
+  <a:themeElements>
+    <a:clrScheme name="Office">
+      <a:dk1>
+        <a:sysClr val="windowText" lastClr="000000"/>
+      </a:dk1>
+      <a:lt1>
+        <a:sysClr val="window" lastClr="FFFFFF"/>
+      </a:lt1>
+      <a:dk2>
+        <a:srgbClr val="1F497D"/>
+      </a:dk2>
+      <a:lt2>
+        <a:srgbClr val="EEECE1"/>
+      </a:lt2>
+      <a:accent1>
+        <a:srgbClr val="4F81BD"/>
+      </a:accent1>
+      <a:accent2>
+        <a:srgbClr val="C0504D"/>
+      </a:accent2>
+      <a:accent3>
+        <a:srgbClr val="9BBB59"/>
+      </a:accent3>
+      <a:accent4>
+        <a:srgbClr val="8064A2"/>
+      </a:accent4>
+      <a:accent5>
+        <a:srgbClr val="4BACC6"/>
+      </a:accent5>
+      <a:accent6>
+        <a:srgbClr val="F79646"/>
+      </a:accent6>
+      <a:hlink>
+        <a:srgbClr val="0000FF"/>
+      </a:hlink>
+      <a:folHlink>
+        <a:srgbClr val="800080"/>
+      </a:folHlink>
+    </a:clrScheme>
+    <a:fontScheme name="Office">
+      <a:majorFont>
+        <a:latin typeface="Calibri"/>
+        <a:ea typeface=""/>
+        <a:cs typeface=""/>
+        <a:font script="Jpan" typeface="ＭＳ Ｐゴシック"/>
+        <a:font script="Hang" typeface="맑은 고딕"/>
+        <a:font script="Hans" typeface="宋体"/>
+        <a:font script="Hant" typeface="新細明體"/>
+        <a:font script="Arab" typeface="Times New Roman"/>
+        <a:font script="Hebr" typeface="Times New Roman"/>
+        <a:font script="Thai" typeface="Angsana New"/>
+        <a:font script="Ethi" typeface="Nyala"/>
+        <a:font script="Beng" typeface="Vrinda"/>
+        <a:font script="Gujr" typeface="Shruti"/>
+        <a:font script="Khmr" typeface="MoolBoran"/>
+        <a:font script="Knda" typeface="Tunga"/>
+        <a:font script="Guru" typeface="Raavi"/>
+        <a:font script="Cans" typeface="Euphemia"/>
+        <a:font script="Cher" typeface="Plantagenet Cherokee"/>
+        <a:font script="Yiii" typeface="Microsoft Yi Baiti"/>
+        <a:font script="Tibt" typeface="Microsoft Himalaya"/>
+        <a:font script="Thaa" typeface="MV Boli"/>
+        <a:font script="Deva" typeface="Mangal"/>
+        <a:font script="Telu" typeface="Gautami"/>
+        <a:font script="Taml" typeface="Latha"/>
+        <a:font script="Syrc" typeface="Estrangelo Edessa"/>
+        <a:font script="Orya" typeface="Kalinga"/>
+        <a:font script="Mlym" typeface="Kartika"/>
+        <a:font script="Laoo" typeface="DokChampa"/>
+        <a:font script="Sinh" typeface="Iskoola Pota"/>
+        <a:font script="Mong" typeface="Mongolian Baiti"/>
+        <a:font script="Viet" typeface="Times New Roman"/>
+        <a:font script="Uigh" typeface="Microsoft Uighur"/>
+        <a:font script="Geor" typeface="Sylfaen"/>
+      </a:majorFont>
+      <a:minorFont>
+        <a:latin typeface="Calibri"/>
+        <a:ea typeface=""/>
+        <a:cs typeface=""/>
+        <a:font script="Jpan" typeface="ＭＳ Ｐゴシック"/>
+        <a:font script="Hang" typeface="맑은 고딕"/>
+        <a:font script="Hans" typeface="宋体"/>
+        <a:font script="Hant" typeface="新細明體"/>
+        <a:font script="Arab" typeface="Arial"/>
+        <a:font script="Hebr" typeface="Arial"/>
+        <a:font script="Thai" typeface="Cordia New"/>
+        <a:font script="Ethi" typeface="Nyala"/>
+        <a:font script="Beng" typeface="Vrinda"/>
+        <a:font script="Gujr" typeface="Shruti"/>
+        <a:font script="Khmr" typeface="DaunPenh"/>
+        <a:font script="Knda" typeface="Tunga"/>
+        <a:font script="Guru" typeface="Raavi"/>
+        <a:font script="Cans" typeface="Euphemia"/>
+        <a:font script="Cher" typeface="Plantagenet Cherokee"/>
+        <a:font script="Yiii" typeface="Microsoft Yi Baiti"/>
+        <a:font script="Tibt" typeface="Microsoft Himalaya"/>
+        <a:font script="Thaa" typeface="MV Boli"/>
+        <a:font script="Deva" typeface="Mangal"/>
+        <a:font script="Telu" typeface="Gautami"/>
+        <a:font script="Taml" typeface="Latha"/>
+        <a:font script="Syrc" typeface="Estrangelo Edessa"/>
+        <a:font script="Orya" typeface="Kalinga"/>
+        <a:font script="Mlym" typeface="Kartika"/>
+        <a:font script="Laoo" typeface="DokChampa"/>
+        <a:font script="Sinh" typeface="Iskoola Pota"/>
+        <a:font script="Mong" typeface="Mongolian Baiti"/>
+        <a:font script="Viet" typeface="Arial"/>
+        <a:font script="Uigh" typeface="Microsoft Uighur"/>
+        <a:font script="Geor" typeface="Sylfaen"/>
+      </a:minorFont>
+    </a:fontScheme>
+    <a:fmtScheme name="Office">
+      <a:fillStyleLst>
+        <a:solidFill>
+          <a:schemeClr val="phClr"/>
+        </a:solidFill>
+        <a:gradFill rotWithShape="1">
+          <a:gsLst>
+            <a:gs pos="0">
+              <a:schemeClr val="phClr">
+                <a:tint val="50000"/>
+                <a:satMod val="300000"/>
+              </a:schemeClr>
+            </a:gs>
+            <a:gs pos="35000">
+              <a:schemeClr val="phClr">
+                <a:tint val="37000"/>
+                <a:satMod val="300000"/>
+              </a:schemeClr>
+            </a:gs>
+            <a:gs pos="100000">
+              <a:schemeClr val="phClr">
+                <a:tint val="15000"/>
+                <a:satMod val="350000"/>
+              </a:schemeClr>
+            </a:gs>
+          </a:gsLst>
+          <a:lin ang="16200000" scaled="1"/>
+        </a:gradFill>
+        <a:gradFill rotWithShape="1">
+          <a:gsLst>
+            <a:gs pos="0">
+              <a:schemeClr val="phClr">
+                <a:tint val="100000"/>
+                <a:shade val="100000"/>
+                <a:satMod val="130000"/>
+              </a:schemeClr>
+            </a:gs>
+            <a:gs pos="100000">
+              <a:schemeClr val="phClr">
+                <a:tint val="50000"/>
+                <a:shade val="100000"/>
+                <a:satMod val="350000"/>
+              </a:schemeClr>
+            </a:gs>
+          </a:gsLst>
+          <a:lin ang="16200000" scaled="0"/>
+        </a:gradFill>
+      </a:fillStyleLst>
+      <a:lnStyleLst>
+        <a:ln w="9525" cap="flat" cmpd="sng" algn="ctr">
+          <a:solidFill>
+            <a:schemeClr val="phClr">
+              <a:shade val="95000"/>
+              <a:satMod val="105000"/>
+            </a:schemeClr>
+          </a:solidFill>
+          <a:prstDash val="solid"/>
+        </a:ln>
+        <a:ln w="25400" cap="flat" cmpd="sng" algn="ctr">
+          <a:solidFill>
+            <a:schemeClr val="phClr"/>
+          </a:solidFill>
+          <a:prstDash val="solid"/>
+        </a:ln>
+        <a:ln w="38100" cap="flat" cmpd="sng" algn="ctr">
+          <a:solidFill>
+            <a:schemeClr val="phClr"/>
+          </a:solidFill>
+          <a:prstDash val="solid"/>
+        </a:ln>
+      </a:lnStyleLst>
+      <a:effectStyleLst>
+        <a:effectStyle>
+          <a:effectLst>
+            <a:outerShdw blurRad="40000" dist="20000" dir="5400000" rotWithShape="0">
+              <a:srgbClr val="000000">
+                <a:alpha val="38000"/>
+              </a:srgbClr>
+            </a:outerShdw>
+          </a:effectLst>
+        </a:effectStyle>
+        <a:effectStyle>
+          <a:effectLst>
+            <a:outerShdw blurRad="40000" dist="23000" dir="5400000" rotWithShape="0">
+              <a:srgbClr val="000000">
+                <a:alpha val="35000"/>
+              </a:srgbClr>
+            </a:outerShdw>
+          </a:effectLst>
+        </a:effectStyle>
+        <a:effectStyle>
+          <a:effectLst>
+            <a:outerShdw blurRad="40000" dist="23000" dir="5400000" rotWithShape="0">
+              <a:srgbClr val="000000">
+                <a:alpha val="35000"/>
+              </a:srgbClr>
+            </a:outerShdw>
+          </a:effectLst>
+          <a:scene3d>
+            <a:camera prst="orthographicFront">
+              <a:rot lat="0" lon="0" rev="0"/>
+            </a:camera>
+            <a:lightRig rig="threePt" dir="t">
+              <a:rot lat="0" lon="0" rev="1200000"/>
+            </a:lightRig>
+          </a:scene3d>
+          <a:sp3d>
+            <a:bevelT w="63500" h="25400"/>
+          </a:sp3d>
+        </a:effectStyle>
+      </a:effectStyleLst>
+      <a:bgFillStyleLst>
+        <a:solidFill>
+          <a:schemeClr val="phClr"/>
+        </a:solidFill>
+        <a:gradFill rotWithShape="1">
+          <a:gsLst>
+            <a:gs pos="0">
+              <a:schemeClr val="phClr">
+                <a:tint val="40000"/>
+                <a:satMod val="350000"/>
+              </a:schemeClr>
+            </a:gs>
+            <a:gs pos="40000">
+              <a:schemeClr val="phClr">
+                <a:tint val="45000"/>
+                <a:shade val="99000"/>
+                <a:satMod val="350000"/>
+              </a:schemeClr>
+            </a:gs>
+            <a:gs pos="100000">
+              <a:schemeClr val="phClr">
+                <a:shade val="20000"/>
+                <a:satMod val="255000"/>
+              </a:schemeClr>
+            </a:gs>
+          </a:gsLst>
+          <a:path path="circle">
+            <a:fillToRect l="50000" t="-80000" r="50000" b="180000"/>
+          </a:path>
+        </a:gradFill>
+        <a:gradFill rotWithShape="1">
+          <a:gsLst>
+            <a:gs pos="0">
+              <a:schemeClr val="phClr">
+                <a:tint val="80000"/>
+                <a:satMod val="300000"/>
+              </a:schemeClr>
+            </a:gs>
+            <a:gs pos="100000">
+              <a:schemeClr val="phClr">
+                <a:shade val="30000"/>
+                <a:satMod val="200000"/>
+              </a:schemeClr>
+            </a:gs>
+          </a:gsLst>
+          <a:path path="circle">
+            <a:fillToRect l="50000" t="50000" r="50000" b="50000"/>
+          </a:path>
+        </a:gradFill>
+      </a:bgFillStyleLst>
+    </a:fmtScheme>
+  </a:themeElements>
+  <a:objectDefaults>
+    <a:spDef>
+      <a:spPr/>
+      <a:bodyPr/>
+      <a:lstStyle/>
+      <a:style>
+        <a:lnRef idx="1">
+          <a:schemeClr val="accent1"/>
+        </a:lnRef>
+        <a:fillRef idx="3">
+          <a:schemeClr val="accent1"/>
+        </a:fillRef>
+        <a:effectRef idx="2">
+          <a:schemeClr val="accent1"/>
+        </a:effectRef>
+        <a:fontRef idx="minor">
+          <a:schemeClr val="lt1"/>
+        </a:fontRef>
+      </a:style>
+    </a:spDef>
+    <a:lnDef>
+      <a:spPr/>
+      <a:bodyPr/>
+      <a:lstStyle/>
+      <a:style>
+        <a:lnRef idx="2">
+          <a:schemeClr val="accent1"/>
+        </a:lnRef>
+        <a:fillRef idx="0">
+          <a:schemeClr val="accent1"/>
+        </a:fillRef>
+        <a:effectRef idx="1">
+          <a:schemeClr val="accent1"/>
+        </a:effectRef>
+        <a:fontRef idx="minor">
+          <a:schemeClr val="tx1"/>
+        </a:fontRef>
+      </a:style>
+    </a:lnDef>
+  </a:objectDefaults>
+  <a:extraClrSchemeLst/>
+</a:theme>
+</file>
+
+<file path=ppt/theme/theme3.xml><?xml version="1.0" encoding="utf-8"?>
 <a:theme xmlns:a="http://schemas.openxmlformats.org/drawingml/2006/main" name="Office Theme">
   <a:themeElements>
     <a:clrScheme name="Office">
